--- a/Chapter01 - Graphics and Diagrams.pptx
+++ b/Chapter01 - Graphics and Diagrams.pptx
@@ -6,10 +6,10 @@
     <p:sldMasterId id="2147484576" r:id="rId5"/>
   </p:sldMasterIdLst>
   <p:notesMasterIdLst>
-    <p:notesMasterId r:id="rId43"/>
+    <p:notesMasterId r:id="rId44"/>
   </p:notesMasterIdLst>
   <p:handoutMasterIdLst>
-    <p:handoutMasterId r:id="rId44"/>
+    <p:handoutMasterId r:id="rId45"/>
   </p:handoutMasterIdLst>
   <p:sldIdLst>
     <p:sldId id="2147482125" r:id="rId6"/>
@@ -38,17 +38,18 @@
     <p:sldId id="2147482146" r:id="rId29"/>
     <p:sldId id="2147482160" r:id="rId30"/>
     <p:sldId id="2147482147" r:id="rId31"/>
-    <p:sldId id="2147482148" r:id="rId32"/>
-    <p:sldId id="2147482155" r:id="rId33"/>
-    <p:sldId id="2147482152" r:id="rId34"/>
-    <p:sldId id="2147482150" r:id="rId35"/>
-    <p:sldId id="2147482153" r:id="rId36"/>
-    <p:sldId id="2147482154" r:id="rId37"/>
-    <p:sldId id="2147482156" r:id="rId38"/>
-    <p:sldId id="2147482151" r:id="rId39"/>
-    <p:sldId id="2147482149" r:id="rId40"/>
-    <p:sldId id="2147482157" r:id="rId41"/>
-    <p:sldId id="2147482158" r:id="rId42"/>
+    <p:sldId id="2147482161" r:id="rId32"/>
+    <p:sldId id="2147482148" r:id="rId33"/>
+    <p:sldId id="2147482155" r:id="rId34"/>
+    <p:sldId id="2147482152" r:id="rId35"/>
+    <p:sldId id="2147482150" r:id="rId36"/>
+    <p:sldId id="2147482153" r:id="rId37"/>
+    <p:sldId id="2147482154" r:id="rId38"/>
+    <p:sldId id="2147482156" r:id="rId39"/>
+    <p:sldId id="2147482151" r:id="rId40"/>
+    <p:sldId id="2147482149" r:id="rId41"/>
+    <p:sldId id="2147482157" r:id="rId42"/>
+    <p:sldId id="2147482158" r:id="rId43"/>
   </p:sldIdLst>
   <p:sldSz cx="12436475" cy="6994525"/>
   <p:notesSz cx="7010400" cy="9296400"/>
@@ -178,6 +179,7 @@
             <p14:sldId id="2147482146"/>
             <p14:sldId id="2147482160"/>
             <p14:sldId id="2147482147"/>
+            <p14:sldId id="2147482161"/>
             <p14:sldId id="2147482148"/>
             <p14:sldId id="2147482155"/>
             <p14:sldId id="2147482152"/>
@@ -540,7 +542,7 @@
           <a:p>
             <a:fld id="{DCE60099-03E7-4FA1-8A7F-E6E6CFB0F855}" type="datetime8">
               <a:rPr lang="en-US" smtClean="0"/>
-              <a:t>11/23/2025 12:23 PM</a:t>
+              <a:t>11/24/2025 4:42 PM</a:t>
             </a:fld>
             <a:endParaRPr lang="en-US"/>
           </a:p>
@@ -961,6 +963,148 @@
     <p:extLst>
       <p:ext uri="{BB962C8B-B14F-4D97-AF65-F5344CB8AC3E}">
         <p14:creationId xmlns:p14="http://schemas.microsoft.com/office/powerpoint/2010/main" val="3562948990"/>
+      </p:ext>
+    </p:extLst>
+  </p:cSld>
+  <p:clrMapOvr>
+    <a:masterClrMapping/>
+  </p:clrMapOvr>
+</p:notes>
+</file>
+
+<file path=ppt/notesSlides/notesSlide2.xml><?xml version="1.0" encoding="utf-8"?>
+<p:notes xmlns:a="http://schemas.openxmlformats.org/drawingml/2006/main" xmlns:r="http://schemas.openxmlformats.org/officeDocument/2006/relationships" xmlns:p="http://schemas.openxmlformats.org/presentationml/2006/main">
+  <p:cSld>
+    <p:spTree>
+      <p:nvGrpSpPr>
+        <p:cNvPr id="1" name=""/>
+        <p:cNvGrpSpPr/>
+        <p:nvPr/>
+      </p:nvGrpSpPr>
+      <p:grpSpPr>
+        <a:xfrm>
+          <a:off x="0" y="0"/>
+          <a:ext cx="0" cy="0"/>
+          <a:chOff x="0" y="0"/>
+          <a:chExt cx="0" cy="0"/>
+        </a:xfrm>
+      </p:grpSpPr>
+      <p:sp>
+        <p:nvSpPr>
+          <p:cNvPr id="2" name="Slide Image Placeholder 1"/>
+          <p:cNvSpPr>
+            <a:spLocks noGrp="1" noRot="1" noChangeAspect="1"/>
+          </p:cNvSpPr>
+          <p:nvPr>
+            <p:ph type="sldImg"/>
+          </p:nvPr>
+        </p:nvSpPr>
+        <p:spPr/>
+      </p:sp>
+      <p:sp>
+        <p:nvSpPr>
+          <p:cNvPr id="3" name="Notes Placeholder 2"/>
+          <p:cNvSpPr>
+            <a:spLocks noGrp="1"/>
+          </p:cNvSpPr>
+          <p:nvPr>
+            <p:ph type="body" idx="1"/>
+          </p:nvPr>
+        </p:nvSpPr>
+        <p:spPr/>
+        <p:txBody>
+          <a:bodyPr/>
+          <a:lstStyle/>
+          <a:p>
+            <a:endParaRPr lang="en-US" dirty="0"/>
+          </a:p>
+        </p:txBody>
+      </p:sp>
+      <p:sp>
+        <p:nvSpPr>
+          <p:cNvPr id="4" name="Header Placeholder 3"/>
+          <p:cNvSpPr>
+            <a:spLocks noGrp="1"/>
+          </p:cNvSpPr>
+          <p:nvPr>
+            <p:ph type="hdr" sz="quarter"/>
+          </p:nvPr>
+        </p:nvSpPr>
+        <p:spPr/>
+        <p:txBody>
+          <a:bodyPr/>
+          <a:lstStyle/>
+          <a:p>
+            <a:endParaRPr lang="en-US"/>
+          </a:p>
+        </p:txBody>
+      </p:sp>
+      <p:sp>
+        <p:nvSpPr>
+          <p:cNvPr id="5" name="Footer Placeholder 4"/>
+          <p:cNvSpPr>
+            <a:spLocks noGrp="1"/>
+          </p:cNvSpPr>
+          <p:nvPr>
+            <p:ph type="ftr" sz="quarter" idx="4"/>
+          </p:nvPr>
+        </p:nvSpPr>
+        <p:spPr/>
+        <p:txBody>
+          <a:bodyPr/>
+          <a:lstStyle/>
+          <a:p>
+            <a:pPr defTabSz="931467" eaLnBrk="0" hangingPunct="0"/>
+            <a:r>
+              <a:rPr lang="en-US" sz="400">
+                <a:gradFill>
+                  <a:gsLst>
+                    <a:gs pos="0">
+                      <a:prstClr val="black"/>
+                    </a:gs>
+                    <a:gs pos="100000">
+                      <a:prstClr val="black"/>
+                    </a:gs>
+                  </a:gsLst>
+                  <a:lin ang="5400000" scaled="0"/>
+                </a:gradFill>
+                <a:latin typeface="Segoe UI" pitchFamily="34" charset="0"/>
+                <a:ea typeface="Segoe UI" pitchFamily="34" charset="0"/>
+                <a:cs typeface="Segoe UI" pitchFamily="34" charset="0"/>
+              </a:rPr>
+              <a:t>© Microsoft Corporation</a:t>
+            </a:r>
+          </a:p>
+        </p:txBody>
+      </p:sp>
+      <p:sp>
+        <p:nvSpPr>
+          <p:cNvPr id="6" name="Slide Number Placeholder 5"/>
+          <p:cNvSpPr>
+            <a:spLocks noGrp="1"/>
+          </p:cNvSpPr>
+          <p:nvPr>
+            <p:ph type="sldNum" sz="quarter" idx="5"/>
+          </p:nvPr>
+        </p:nvSpPr>
+        <p:spPr/>
+        <p:txBody>
+          <a:bodyPr/>
+          <a:lstStyle/>
+          <a:p>
+            <a:fld id="{B4008EB6-D09E-4580-8CD6-DDB14511944F}" type="slidenum">
+              <a:rPr lang="en-US" smtClean="0"/>
+              <a:pPr/>
+              <a:t>27</a:t>
+            </a:fld>
+            <a:endParaRPr lang="en-US"/>
+          </a:p>
+        </p:txBody>
+      </p:sp>
+    </p:spTree>
+    <p:extLst>
+      <p:ext uri="{BB962C8B-B14F-4D97-AF65-F5344CB8AC3E}">
+        <p14:creationId xmlns:p14="http://schemas.microsoft.com/office/powerpoint/2010/main" val="3279087425"/>
       </p:ext>
     </p:extLst>
   </p:cSld>
@@ -23251,184 +23395,12 @@
           <a:chExt cx="0" cy="0"/>
         </a:xfrm>
       </p:grpSpPr>
-      <p:sp>
-        <p:nvSpPr>
-          <p:cNvPr id="13" name="Arrow: Left-Right 12">
+      <p:grpSp>
+        <p:nvGrpSpPr>
+          <p:cNvPr id="3" name="Group 2">
             <a:extLst>
               <a:ext uri="{FF2B5EF4-FFF2-40B4-BE49-F238E27FC236}">
-                <a16:creationId xmlns:a16="http://schemas.microsoft.com/office/drawing/2014/main" id="{67265500-B6CF-DE37-7991-EB0A2282AA83}"/>
-              </a:ext>
-            </a:extLst>
-          </p:cNvPr>
-          <p:cNvSpPr/>
-          <p:nvPr/>
-        </p:nvSpPr>
-        <p:spPr bwMode="auto">
-          <a:xfrm flipH="1">
-            <a:off x="8283471" y="6271554"/>
-            <a:ext cx="909698" cy="247632"/>
-          </a:xfrm>
-          <a:prstGeom prst="leftRightArrow">
-            <a:avLst>
-              <a:gd name="adj1" fmla="val 62628"/>
-              <a:gd name="adj2" fmla="val 50000"/>
-            </a:avLst>
-          </a:prstGeom>
-          <a:solidFill>
-            <a:srgbClr val="C00000"/>
-          </a:solidFill>
-          <a:ln>
-            <a:noFill/>
-            <a:headEnd type="none" w="med" len="med"/>
-            <a:tailEnd type="none" w="med" len="med"/>
-          </a:ln>
-          <a:effectLst/>
-        </p:spPr>
-        <p:style>
-          <a:lnRef idx="1">
-            <a:schemeClr val="accent2"/>
-          </a:lnRef>
-          <a:fillRef idx="3">
-            <a:schemeClr val="accent2"/>
-          </a:fillRef>
-          <a:effectRef idx="2">
-            <a:schemeClr val="accent2"/>
-          </a:effectRef>
-          <a:fontRef idx="minor">
-            <a:schemeClr val="lt1"/>
-          </a:fontRef>
-        </p:style>
-        <p:txBody>
-          <a:bodyPr rot="0" spcFirstLastPara="0" vertOverflow="overflow" horzOverflow="overflow" vert="horz" wrap="square" lIns="0" tIns="0" rIns="0" bIns="0" numCol="1" spcCol="0" rtlCol="0" fromWordArt="0" anchor="ctr" anchorCtr="0" forceAA="0" compatLnSpc="1">
-            <a:prstTxWarp prst="textNoShape">
-              <a:avLst/>
-            </a:prstTxWarp>
-            <a:noAutofit/>
-          </a:bodyPr>
-          <a:lstStyle/>
-          <a:p>
-            <a:pPr algn="ctr" defTabSz="932472" fontAlgn="base">
-              <a:lnSpc>
-                <a:spcPct val="90000"/>
-              </a:lnSpc>
-              <a:spcBef>
-                <a:spcPct val="0"/>
-              </a:spcBef>
-              <a:spcAft>
-                <a:spcPct val="0"/>
-              </a:spcAft>
-            </a:pPr>
-            <a:endParaRPr lang="en-US" sz="1000" b="1" dirty="0">
-              <a:gradFill>
-                <a:gsLst>
-                  <a:gs pos="0">
-                    <a:srgbClr val="FFFFFF"/>
-                  </a:gs>
-                  <a:gs pos="100000">
-                    <a:srgbClr val="FFFFFF"/>
-                  </a:gs>
-                </a:gsLst>
-                <a:lin ang="5400000" scaled="0"/>
-              </a:gradFill>
-              <a:ea typeface="Segoe UI" pitchFamily="34" charset="0"/>
-              <a:cs typeface="Segoe UI" pitchFamily="34" charset="0"/>
-            </a:endParaRPr>
-          </a:p>
-        </p:txBody>
-      </p:sp>
-      <p:sp>
-        <p:nvSpPr>
-          <p:cNvPr id="2" name="Rectangle 1">
-            <a:extLst>
-              <a:ext uri="{FF2B5EF4-FFF2-40B4-BE49-F238E27FC236}">
-                <a16:creationId xmlns:a16="http://schemas.microsoft.com/office/drawing/2014/main" id="{62E4EE76-81E2-F254-11B0-6BC974DDF1C2}"/>
-              </a:ext>
-            </a:extLst>
-          </p:cNvPr>
-          <p:cNvSpPr/>
-          <p:nvPr/>
-        </p:nvSpPr>
-        <p:spPr bwMode="auto">
-          <a:xfrm>
-            <a:off x="1209040" y="893566"/>
-            <a:ext cx="6258560" cy="3495554"/>
-          </a:xfrm>
-          <a:prstGeom prst="rect">
-            <a:avLst/>
-          </a:prstGeom>
-          <a:solidFill>
-            <a:schemeClr val="bg1">
-              <a:lumMod val="85000"/>
-            </a:schemeClr>
-          </a:solidFill>
-          <a:ln>
-            <a:solidFill>
-              <a:schemeClr val="tx1"/>
-            </a:solidFill>
-            <a:headEnd type="none" w="med" len="med"/>
-            <a:tailEnd type="none" w="med" len="med"/>
-          </a:ln>
-          <a:effectLst/>
-        </p:spPr>
-        <p:style>
-          <a:lnRef idx="1">
-            <a:schemeClr val="accent2"/>
-          </a:lnRef>
-          <a:fillRef idx="3">
-            <a:schemeClr val="accent2"/>
-          </a:fillRef>
-          <a:effectRef idx="2">
-            <a:schemeClr val="accent2"/>
-          </a:effectRef>
-          <a:fontRef idx="minor">
-            <a:schemeClr val="lt1"/>
-          </a:fontRef>
-        </p:style>
-        <p:txBody>
-          <a:bodyPr rot="0" spcFirstLastPara="0" vertOverflow="overflow" horzOverflow="overflow" vert="horz" wrap="square" lIns="0" tIns="0" rIns="0" bIns="0" numCol="1" spcCol="0" rtlCol="0" fromWordArt="0" anchor="ctr" anchorCtr="0" forceAA="0" compatLnSpc="1">
-            <a:prstTxWarp prst="textNoShape">
-              <a:avLst/>
-            </a:prstTxWarp>
-            <a:noAutofit/>
-          </a:bodyPr>
-          <a:lstStyle/>
-          <a:p>
-            <a:pPr algn="ctr" defTabSz="932472" fontAlgn="base">
-              <a:lnSpc>
-                <a:spcPct val="90000"/>
-              </a:lnSpc>
-              <a:spcBef>
-                <a:spcPct val="0"/>
-              </a:spcBef>
-              <a:spcAft>
-                <a:spcPct val="0"/>
-              </a:spcAft>
-            </a:pPr>
-            <a:endParaRPr lang="en-US" sz="1400" b="1" dirty="0">
-              <a:gradFill>
-                <a:gsLst>
-                  <a:gs pos="0">
-                    <a:srgbClr val="FFFFFF"/>
-                  </a:gs>
-                  <a:gs pos="100000">
-                    <a:srgbClr val="FFFFFF"/>
-                  </a:gs>
-                </a:gsLst>
-                <a:lin ang="5400000" scaled="0"/>
-              </a:gradFill>
-              <a:latin typeface="Lucida Console" panose="020B0609040504020204" pitchFamily="49" charset="0"/>
-              <a:ea typeface="Segoe UI" pitchFamily="34" charset="0"/>
-              <a:cs typeface="Segoe UI" pitchFamily="34" charset="0"/>
-            </a:endParaRPr>
-          </a:p>
-        </p:txBody>
-      </p:sp>
-      <p:grpSp>
-        <p:nvGrpSpPr>
-          <p:cNvPr id="18" name="Group 17">
-            <a:extLst>
-              <a:ext uri="{FF2B5EF4-FFF2-40B4-BE49-F238E27FC236}">
-                <a16:creationId xmlns:a16="http://schemas.microsoft.com/office/drawing/2014/main" id="{EA9D3C05-406F-0669-E454-C5AD1DF45439}"/>
+                <a16:creationId xmlns:a16="http://schemas.microsoft.com/office/drawing/2014/main" id="{82B2DE83-CDBA-92D9-0133-0F4BA3891459}"/>
               </a:ext>
             </a:extLst>
           </p:cNvPr>
@@ -23437,18 +23409,18 @@
         </p:nvGrpSpPr>
         <p:grpSpPr>
           <a:xfrm>
-            <a:off x="1352499" y="1065759"/>
-            <a:ext cx="5908139" cy="343430"/>
-            <a:chOff x="4969459" y="3770906"/>
-            <a:chExt cx="5908139" cy="412806"/>
+            <a:off x="1209039" y="893566"/>
+            <a:ext cx="8014473" cy="3092025"/>
+            <a:chOff x="1209040" y="893566"/>
+            <a:chExt cx="6258560" cy="3495554"/>
           </a:xfrm>
         </p:grpSpPr>
         <p:sp>
           <p:nvSpPr>
-            <p:cNvPr id="10" name="Arrow: Right 9">
+            <p:cNvPr id="2" name="Rectangle 1">
               <a:extLst>
                 <a:ext uri="{FF2B5EF4-FFF2-40B4-BE49-F238E27FC236}">
-                  <a16:creationId xmlns:a16="http://schemas.microsoft.com/office/drawing/2014/main" id="{780A3D1F-2A6E-F14E-98F7-04C33BA24897}"/>
+                  <a16:creationId xmlns:a16="http://schemas.microsoft.com/office/drawing/2014/main" id="{62E4EE76-81E2-F254-11B0-6BC974DDF1C2}"/>
                 </a:ext>
               </a:extLst>
             </p:cNvPr>
@@ -23457,197 +23429,20 @@
           </p:nvSpPr>
           <p:spPr bwMode="auto">
             <a:xfrm>
-              <a:off x="6279406" y="3840846"/>
-              <a:ext cx="903714" cy="323650"/>
-            </a:xfrm>
-            <a:prstGeom prst="rightArrow">
-              <a:avLst>
-                <a:gd name="adj1" fmla="val 61383"/>
-                <a:gd name="adj2" fmla="val 50000"/>
-              </a:avLst>
-            </a:prstGeom>
-            <a:solidFill>
-              <a:srgbClr val="C00000"/>
-            </a:solidFill>
-            <a:ln>
-              <a:noFill/>
-              <a:headEnd type="none" w="med" len="med"/>
-              <a:tailEnd type="none" w="med" len="med"/>
-            </a:ln>
-            <a:effectLst/>
-          </p:spPr>
-          <p:style>
-            <a:lnRef idx="1">
-              <a:schemeClr val="accent2"/>
-            </a:lnRef>
-            <a:fillRef idx="3">
-              <a:schemeClr val="accent2"/>
-            </a:fillRef>
-            <a:effectRef idx="2">
-              <a:schemeClr val="accent2"/>
-            </a:effectRef>
-            <a:fontRef idx="minor">
-              <a:schemeClr val="lt1"/>
-            </a:fontRef>
-          </p:style>
-          <p:txBody>
-            <a:bodyPr rot="0" spcFirstLastPara="0" vertOverflow="overflow" horzOverflow="overflow" vert="horz" wrap="square" lIns="0" tIns="0" rIns="0" bIns="0" numCol="1" spcCol="0" rtlCol="0" fromWordArt="0" anchor="ctr" anchorCtr="0" forceAA="0" compatLnSpc="1">
-              <a:prstTxWarp prst="textNoShape">
-                <a:avLst/>
-              </a:prstTxWarp>
-              <a:noAutofit/>
-            </a:bodyPr>
-            <a:lstStyle/>
-            <a:p>
-              <a:pPr algn="ctr" defTabSz="932472" fontAlgn="base">
-                <a:lnSpc>
-                  <a:spcPct val="90000"/>
-                </a:lnSpc>
-                <a:spcBef>
-                  <a:spcPct val="0"/>
-                </a:spcBef>
-                <a:spcAft>
-                  <a:spcPct val="0"/>
-                </a:spcAft>
-              </a:pPr>
-              <a:r>
-                <a:rPr lang="en-US" sz="900" b="1" dirty="0">
-                  <a:gradFill>
-                    <a:gsLst>
-                      <a:gs pos="0">
-                        <a:srgbClr val="FFFFFF"/>
-                      </a:gs>
-                      <a:gs pos="100000">
-                        <a:srgbClr val="FFFFFF"/>
-                      </a:gs>
-                    </a:gsLst>
-                    <a:lin ang="5400000" scaled="0"/>
-                  </a:gradFill>
-                  <a:latin typeface="Lucida Console" panose="020B0609040504020204" pitchFamily="49" charset="0"/>
-                  <a:ea typeface="Segoe UI" pitchFamily="34" charset="0"/>
-                  <a:cs typeface="Segoe UI" pitchFamily="34" charset="0"/>
-                </a:rPr>
-                <a:t>API call</a:t>
-              </a:r>
-            </a:p>
-          </p:txBody>
-        </p:sp>
-        <p:sp>
-          <p:nvSpPr>
-            <p:cNvPr id="11" name="Rectangle 10">
-              <a:extLst>
-                <a:ext uri="{FF2B5EF4-FFF2-40B4-BE49-F238E27FC236}">
-                  <a16:creationId xmlns:a16="http://schemas.microsoft.com/office/drawing/2014/main" id="{0F44C783-EF04-90BD-F682-73F05917427E}"/>
-                </a:ext>
-              </a:extLst>
-            </p:cNvPr>
-            <p:cNvSpPr/>
-            <p:nvPr/>
-          </p:nvSpPr>
-          <p:spPr bwMode="auto">
-            <a:xfrm>
-              <a:off x="7206417" y="3790122"/>
-              <a:ext cx="3671181" cy="393590"/>
+              <a:off x="1209040" y="893566"/>
+              <a:ext cx="6258560" cy="3495554"/>
             </a:xfrm>
             <a:prstGeom prst="rect">
               <a:avLst/>
             </a:prstGeom>
             <a:solidFill>
-              <a:schemeClr val="accent2">
-                <a:lumMod val="50000"/>
+              <a:schemeClr val="bg1">
+                <a:lumMod val="85000"/>
               </a:schemeClr>
             </a:solidFill>
             <a:ln>
-              <a:noFill/>
-              <a:headEnd type="none" w="med" len="med"/>
-              <a:tailEnd type="none" w="med" len="med"/>
-            </a:ln>
-            <a:effectLst/>
-          </p:spPr>
-          <p:style>
-            <a:lnRef idx="1">
-              <a:schemeClr val="accent2"/>
-            </a:lnRef>
-            <a:fillRef idx="3">
-              <a:schemeClr val="accent2"/>
-            </a:fillRef>
-            <a:effectRef idx="2">
-              <a:schemeClr val="accent2"/>
-            </a:effectRef>
-            <a:fontRef idx="minor">
-              <a:schemeClr val="lt1"/>
-            </a:fontRef>
-          </p:style>
-          <p:txBody>
-            <a:bodyPr rot="0" spcFirstLastPara="0" vertOverflow="overflow" horzOverflow="overflow" vert="horz" wrap="square" lIns="182880" tIns="0" rIns="0" bIns="0" numCol="1" spcCol="0" rtlCol="0" fromWordArt="0" anchor="ctr" anchorCtr="0" forceAA="0" compatLnSpc="1">
-              <a:prstTxWarp prst="textNoShape">
-                <a:avLst/>
-              </a:prstTxWarp>
-              <a:noAutofit/>
-            </a:bodyPr>
-            <a:lstStyle/>
-            <a:p>
-              <a:pPr defTabSz="932472" fontAlgn="base">
-                <a:lnSpc>
-                  <a:spcPct val="90000"/>
-                </a:lnSpc>
-                <a:spcBef>
-                  <a:spcPct val="0"/>
-                </a:spcBef>
-                <a:spcAft>
-                  <a:spcPct val="0"/>
-                </a:spcAft>
-              </a:pPr>
-              <a:r>
-                <a:rPr lang="en-US" sz="1000" b="1" dirty="0">
-                  <a:gradFill>
-                    <a:gsLst>
-                      <a:gs pos="0">
-                        <a:srgbClr val="FFFFFF"/>
-                      </a:gs>
-                      <a:gs pos="100000">
-                        <a:srgbClr val="FFFFFF"/>
-                      </a:gs>
-                    </a:gsLst>
-                    <a:lin ang="5400000" scaled="0"/>
-                  </a:gradFill>
-                  <a:latin typeface="Lucida Console" panose="020B0609040504020204" pitchFamily="49" charset="0"/>
-                  <a:ea typeface="Segoe UI" pitchFamily="34" charset="0"/>
-                  <a:cs typeface="Segoe UI" pitchFamily="34" charset="0"/>
-                </a:rPr>
-                <a:t>Microsoft Azure Fabric REST APIs</a:t>
-              </a:r>
-            </a:p>
-          </p:txBody>
-        </p:sp>
-        <p:sp>
-          <p:nvSpPr>
-            <p:cNvPr id="12" name="Rectangle 11">
-              <a:extLst>
-                <a:ext uri="{FF2B5EF4-FFF2-40B4-BE49-F238E27FC236}">
-                  <a16:creationId xmlns:a16="http://schemas.microsoft.com/office/drawing/2014/main" id="{8BA22E1C-016E-AC2A-7D82-0B886BE7DDD7}"/>
-                </a:ext>
-              </a:extLst>
-            </p:cNvPr>
-            <p:cNvSpPr/>
-            <p:nvPr/>
-          </p:nvSpPr>
-          <p:spPr bwMode="auto">
-            <a:xfrm>
-              <a:off x="4969459" y="3770906"/>
-              <a:ext cx="1246010" cy="393590"/>
-            </a:xfrm>
-            <a:prstGeom prst="rect">
-              <a:avLst/>
-            </a:prstGeom>
-            <a:solidFill>
-              <a:schemeClr val="bg1"/>
-            </a:solidFill>
-            <a:ln>
               <a:solidFill>
-                <a:schemeClr val="tx1">
-                  <a:lumMod val="75000"/>
-                </a:schemeClr>
+                <a:schemeClr val="tx1"/>
               </a:solidFill>
               <a:headEnd type="none" w="med" len="med"/>
               <a:tailEnd type="none" w="med" len="med"/>
@@ -23688,1700 +23483,1985 @@
                   <a:spcPct val="0"/>
                 </a:spcAft>
               </a:pPr>
-              <a:r>
-                <a:rPr lang="en-US" sz="1000" b="1" dirty="0">
-                  <a:solidFill>
-                    <a:schemeClr val="tx1"/>
-                  </a:solidFill>
-                  <a:latin typeface="Lucida Console" panose="020B0609040504020204" pitchFamily="49" charset="0"/>
-                  <a:ea typeface="Segoe UI" pitchFamily="34" charset="0"/>
-                  <a:cs typeface="Segoe UI" pitchFamily="34" charset="0"/>
-                </a:rPr>
-                <a:t>CI/CD Task 1</a:t>
-              </a:r>
+              <a:endParaRPr lang="en-US" sz="1400" b="1" dirty="0">
+                <a:gradFill>
+                  <a:gsLst>
+                    <a:gs pos="0">
+                      <a:srgbClr val="FFFFFF"/>
+                    </a:gs>
+                    <a:gs pos="100000">
+                      <a:srgbClr val="FFFFFF"/>
+                    </a:gs>
+                  </a:gsLst>
+                  <a:lin ang="5400000" scaled="0"/>
+                </a:gradFill>
+                <a:latin typeface="Lucida Console" panose="020B0609040504020204" pitchFamily="49" charset="0"/>
+                <a:ea typeface="Segoe UI" pitchFamily="34" charset="0"/>
+                <a:cs typeface="Segoe UI" pitchFamily="34" charset="0"/>
+              </a:endParaRPr>
             </a:p>
           </p:txBody>
         </p:sp>
-      </p:grpSp>
-      <p:grpSp>
-        <p:nvGrpSpPr>
-          <p:cNvPr id="19" name="Group 18">
-            <a:extLst>
-              <a:ext uri="{FF2B5EF4-FFF2-40B4-BE49-F238E27FC236}">
-                <a16:creationId xmlns:a16="http://schemas.microsoft.com/office/drawing/2014/main" id="{05056F58-5465-6F67-8239-9F6B0A2548E8}"/>
-              </a:ext>
-            </a:extLst>
-          </p:cNvPr>
-          <p:cNvGrpSpPr/>
-          <p:nvPr/>
-        </p:nvGrpSpPr>
-        <p:grpSpPr>
-          <a:xfrm>
-            <a:off x="1352499" y="1521793"/>
-            <a:ext cx="5908139" cy="343430"/>
-            <a:chOff x="4969459" y="3770906"/>
-            <a:chExt cx="5908139" cy="412806"/>
-          </a:xfrm>
-        </p:grpSpPr>
-        <p:sp>
-          <p:nvSpPr>
-            <p:cNvPr id="20" name="Arrow: Right 19">
+        <p:grpSp>
+          <p:nvGrpSpPr>
+            <p:cNvPr id="18" name="Group 17">
               <a:extLst>
                 <a:ext uri="{FF2B5EF4-FFF2-40B4-BE49-F238E27FC236}">
-                  <a16:creationId xmlns:a16="http://schemas.microsoft.com/office/drawing/2014/main" id="{09686B29-FE1B-4BDA-C2D9-9CEE86B7EDAE}"/>
+                  <a16:creationId xmlns:a16="http://schemas.microsoft.com/office/drawing/2014/main" id="{EA9D3C05-406F-0669-E454-C5AD1DF45439}"/>
                 </a:ext>
               </a:extLst>
             </p:cNvPr>
-            <p:cNvSpPr/>
+            <p:cNvGrpSpPr/>
             <p:nvPr/>
-          </p:nvSpPr>
-          <p:spPr bwMode="auto">
+          </p:nvGrpSpPr>
+          <p:grpSpPr>
             <a:xfrm>
-              <a:off x="6279406" y="3840846"/>
-              <a:ext cx="903714" cy="323650"/>
+              <a:off x="1352499" y="1065759"/>
+              <a:ext cx="5908139" cy="343430"/>
+              <a:chOff x="4969459" y="3770906"/>
+              <a:chExt cx="5908139" cy="412806"/>
             </a:xfrm>
-            <a:prstGeom prst="rightArrow">
-              <a:avLst>
-                <a:gd name="adj1" fmla="val 61383"/>
-                <a:gd name="adj2" fmla="val 50000"/>
-              </a:avLst>
-            </a:prstGeom>
-            <a:solidFill>
-              <a:srgbClr val="C00000"/>
-            </a:solidFill>
-            <a:ln>
-              <a:noFill/>
-              <a:headEnd type="none" w="med" len="med"/>
-              <a:tailEnd type="none" w="med" len="med"/>
-            </a:ln>
-            <a:effectLst/>
-          </p:spPr>
-          <p:style>
-            <a:lnRef idx="1">
-              <a:schemeClr val="accent2"/>
-            </a:lnRef>
-            <a:fillRef idx="3">
-              <a:schemeClr val="accent2"/>
-            </a:fillRef>
-            <a:effectRef idx="2">
-              <a:schemeClr val="accent2"/>
-            </a:effectRef>
-            <a:fontRef idx="minor">
-              <a:schemeClr val="lt1"/>
-            </a:fontRef>
-          </p:style>
-          <p:txBody>
-            <a:bodyPr rot="0" spcFirstLastPara="0" vertOverflow="overflow" horzOverflow="overflow" vert="horz" wrap="square" lIns="0" tIns="0" rIns="0" bIns="0" numCol="1" spcCol="0" rtlCol="0" fromWordArt="0" anchor="ctr" anchorCtr="0" forceAA="0" compatLnSpc="1">
-              <a:prstTxWarp prst="textNoShape">
+          </p:grpSpPr>
+          <p:sp>
+            <p:nvSpPr>
+              <p:cNvPr id="10" name="Arrow: Right 9">
+                <a:extLst>
+                  <a:ext uri="{FF2B5EF4-FFF2-40B4-BE49-F238E27FC236}">
+                    <a16:creationId xmlns:a16="http://schemas.microsoft.com/office/drawing/2014/main" id="{780A3D1F-2A6E-F14E-98F7-04C33BA24897}"/>
+                  </a:ext>
+                </a:extLst>
+              </p:cNvPr>
+              <p:cNvSpPr/>
+              <p:nvPr/>
+            </p:nvSpPr>
+            <p:spPr bwMode="auto">
+              <a:xfrm>
+                <a:off x="6279406" y="3840846"/>
+                <a:ext cx="903714" cy="323650"/>
+              </a:xfrm>
+              <a:prstGeom prst="rightArrow">
+                <a:avLst>
+                  <a:gd name="adj1" fmla="val 61383"/>
+                  <a:gd name="adj2" fmla="val 50000"/>
+                </a:avLst>
+              </a:prstGeom>
+              <a:solidFill>
+                <a:srgbClr val="C00000"/>
+              </a:solidFill>
+              <a:ln>
+                <a:noFill/>
+                <a:headEnd type="none" w="med" len="med"/>
+                <a:tailEnd type="none" w="med" len="med"/>
+              </a:ln>
+              <a:effectLst/>
+            </p:spPr>
+            <p:style>
+              <a:lnRef idx="1">
+                <a:schemeClr val="accent2"/>
+              </a:lnRef>
+              <a:fillRef idx="3">
+                <a:schemeClr val="accent2"/>
+              </a:fillRef>
+              <a:effectRef idx="2">
+                <a:schemeClr val="accent2"/>
+              </a:effectRef>
+              <a:fontRef idx="minor">
+                <a:schemeClr val="lt1"/>
+              </a:fontRef>
+            </p:style>
+            <p:txBody>
+              <a:bodyPr rot="0" spcFirstLastPara="0" vertOverflow="overflow" horzOverflow="overflow" vert="horz" wrap="square" lIns="0" tIns="0" rIns="0" bIns="0" numCol="1" spcCol="0" rtlCol="0" fromWordArt="0" anchor="ctr" anchorCtr="0" forceAA="0" compatLnSpc="1">
+                <a:prstTxWarp prst="textNoShape">
+                  <a:avLst/>
+                </a:prstTxWarp>
+                <a:noAutofit/>
+              </a:bodyPr>
+              <a:lstStyle/>
+              <a:p>
+                <a:pPr algn="ctr" defTabSz="932472" fontAlgn="base">
+                  <a:lnSpc>
+                    <a:spcPct val="90000"/>
+                  </a:lnSpc>
+                  <a:spcBef>
+                    <a:spcPct val="0"/>
+                  </a:spcBef>
+                  <a:spcAft>
+                    <a:spcPct val="0"/>
+                  </a:spcAft>
+                </a:pPr>
+                <a:r>
+                  <a:rPr lang="en-US" sz="900" b="1" dirty="0">
+                    <a:gradFill>
+                      <a:gsLst>
+                        <a:gs pos="0">
+                          <a:srgbClr val="FFFFFF"/>
+                        </a:gs>
+                        <a:gs pos="100000">
+                          <a:srgbClr val="FFFFFF"/>
+                        </a:gs>
+                      </a:gsLst>
+                      <a:lin ang="5400000" scaled="0"/>
+                    </a:gradFill>
+                    <a:latin typeface="Lucida Console" panose="020B0609040504020204" pitchFamily="49" charset="0"/>
+                    <a:ea typeface="Segoe UI" pitchFamily="34" charset="0"/>
+                    <a:cs typeface="Segoe UI" pitchFamily="34" charset="0"/>
+                  </a:rPr>
+                  <a:t>API call</a:t>
+                </a:r>
+              </a:p>
+            </p:txBody>
+          </p:sp>
+          <p:sp>
+            <p:nvSpPr>
+              <p:cNvPr id="11" name="Rectangle 10">
+                <a:extLst>
+                  <a:ext uri="{FF2B5EF4-FFF2-40B4-BE49-F238E27FC236}">
+                    <a16:creationId xmlns:a16="http://schemas.microsoft.com/office/drawing/2014/main" id="{0F44C783-EF04-90BD-F682-73F05917427E}"/>
+                  </a:ext>
+                </a:extLst>
+              </p:cNvPr>
+              <p:cNvSpPr/>
+              <p:nvPr/>
+            </p:nvSpPr>
+            <p:spPr bwMode="auto">
+              <a:xfrm>
+                <a:off x="7206417" y="3790122"/>
+                <a:ext cx="3671181" cy="393590"/>
+              </a:xfrm>
+              <a:prstGeom prst="rect">
                 <a:avLst/>
-              </a:prstTxWarp>
-              <a:noAutofit/>
-            </a:bodyPr>
-            <a:lstStyle/>
-            <a:p>
-              <a:pPr algn="ctr" defTabSz="932472" fontAlgn="base">
-                <a:lnSpc>
-                  <a:spcPct val="90000"/>
-                </a:lnSpc>
-                <a:spcBef>
-                  <a:spcPct val="0"/>
-                </a:spcBef>
-                <a:spcAft>
-                  <a:spcPct val="0"/>
-                </a:spcAft>
-              </a:pPr>
-              <a:r>
-                <a:rPr lang="en-US" sz="900" b="1" dirty="0">
-                  <a:gradFill>
-                    <a:gsLst>
-                      <a:gs pos="0">
-                        <a:srgbClr val="FFFFFF"/>
-                      </a:gs>
-                      <a:gs pos="100000">
-                        <a:srgbClr val="FFFFFF"/>
-                      </a:gs>
-                    </a:gsLst>
-                    <a:lin ang="5400000" scaled="0"/>
-                  </a:gradFill>
-                  <a:latin typeface="Lucida Console" panose="020B0609040504020204" pitchFamily="49" charset="0"/>
-                  <a:ea typeface="Segoe UI" pitchFamily="34" charset="0"/>
-                  <a:cs typeface="Segoe UI" pitchFamily="34" charset="0"/>
-                </a:rPr>
-                <a:t>API call</a:t>
-              </a:r>
-            </a:p>
-          </p:txBody>
-        </p:sp>
-        <p:sp>
-          <p:nvSpPr>
-            <p:cNvPr id="21" name="Rectangle 20">
+              </a:prstGeom>
+              <a:solidFill>
+                <a:schemeClr val="accent2">
+                  <a:lumMod val="50000"/>
+                </a:schemeClr>
+              </a:solidFill>
+              <a:ln>
+                <a:noFill/>
+                <a:headEnd type="none" w="med" len="med"/>
+                <a:tailEnd type="none" w="med" len="med"/>
+              </a:ln>
+              <a:effectLst/>
+            </p:spPr>
+            <p:style>
+              <a:lnRef idx="1">
+                <a:schemeClr val="accent2"/>
+              </a:lnRef>
+              <a:fillRef idx="3">
+                <a:schemeClr val="accent2"/>
+              </a:fillRef>
+              <a:effectRef idx="2">
+                <a:schemeClr val="accent2"/>
+              </a:effectRef>
+              <a:fontRef idx="minor">
+                <a:schemeClr val="lt1"/>
+              </a:fontRef>
+            </p:style>
+            <p:txBody>
+              <a:bodyPr rot="0" spcFirstLastPara="0" vertOverflow="overflow" horzOverflow="overflow" vert="horz" wrap="square" lIns="182880" tIns="0" rIns="0" bIns="0" numCol="1" spcCol="0" rtlCol="0" fromWordArt="0" anchor="ctr" anchorCtr="0" forceAA="0" compatLnSpc="1">
+                <a:prstTxWarp prst="textNoShape">
+                  <a:avLst/>
+                </a:prstTxWarp>
+                <a:noAutofit/>
+              </a:bodyPr>
+              <a:lstStyle/>
+              <a:p>
+                <a:pPr defTabSz="932472" fontAlgn="base">
+                  <a:lnSpc>
+                    <a:spcPct val="90000"/>
+                  </a:lnSpc>
+                  <a:spcBef>
+                    <a:spcPct val="0"/>
+                  </a:spcBef>
+                  <a:spcAft>
+                    <a:spcPct val="0"/>
+                  </a:spcAft>
+                </a:pPr>
+                <a:r>
+                  <a:rPr lang="en-US" sz="1000" b="1" dirty="0">
+                    <a:gradFill>
+                      <a:gsLst>
+                        <a:gs pos="0">
+                          <a:srgbClr val="FFFFFF"/>
+                        </a:gs>
+                        <a:gs pos="100000">
+                          <a:srgbClr val="FFFFFF"/>
+                        </a:gs>
+                      </a:gsLst>
+                      <a:lin ang="5400000" scaled="0"/>
+                    </a:gradFill>
+                    <a:latin typeface="Lucida Console" panose="020B0609040504020204" pitchFamily="49" charset="0"/>
+                    <a:ea typeface="Segoe UI" pitchFamily="34" charset="0"/>
+                    <a:cs typeface="Segoe UI" pitchFamily="34" charset="0"/>
+                  </a:rPr>
+                  <a:t>Microsoft Azure Fabric REST APIs</a:t>
+                </a:r>
+              </a:p>
+            </p:txBody>
+          </p:sp>
+          <p:sp>
+            <p:nvSpPr>
+              <p:cNvPr id="12" name="Rectangle 11">
+                <a:extLst>
+                  <a:ext uri="{FF2B5EF4-FFF2-40B4-BE49-F238E27FC236}">
+                    <a16:creationId xmlns:a16="http://schemas.microsoft.com/office/drawing/2014/main" id="{8BA22E1C-016E-AC2A-7D82-0B886BE7DDD7}"/>
+                  </a:ext>
+                </a:extLst>
+              </p:cNvPr>
+              <p:cNvSpPr/>
+              <p:nvPr/>
+            </p:nvSpPr>
+            <p:spPr bwMode="auto">
+              <a:xfrm>
+                <a:off x="4969459" y="3770906"/>
+                <a:ext cx="1246010" cy="393590"/>
+              </a:xfrm>
+              <a:prstGeom prst="rect">
+                <a:avLst/>
+              </a:prstGeom>
+              <a:solidFill>
+                <a:schemeClr val="bg1"/>
+              </a:solidFill>
+              <a:ln>
+                <a:solidFill>
+                  <a:schemeClr val="tx1">
+                    <a:lumMod val="75000"/>
+                  </a:schemeClr>
+                </a:solidFill>
+                <a:headEnd type="none" w="med" len="med"/>
+                <a:tailEnd type="none" w="med" len="med"/>
+              </a:ln>
+              <a:effectLst/>
+            </p:spPr>
+            <p:style>
+              <a:lnRef idx="1">
+                <a:schemeClr val="accent2"/>
+              </a:lnRef>
+              <a:fillRef idx="3">
+                <a:schemeClr val="accent2"/>
+              </a:fillRef>
+              <a:effectRef idx="2">
+                <a:schemeClr val="accent2"/>
+              </a:effectRef>
+              <a:fontRef idx="minor">
+                <a:schemeClr val="lt1"/>
+              </a:fontRef>
+            </p:style>
+            <p:txBody>
+              <a:bodyPr rot="0" spcFirstLastPara="0" vertOverflow="overflow" horzOverflow="overflow" vert="horz" wrap="square" lIns="0" tIns="0" rIns="0" bIns="0" numCol="1" spcCol="0" rtlCol="0" fromWordArt="0" anchor="ctr" anchorCtr="0" forceAA="0" compatLnSpc="1">
+                <a:prstTxWarp prst="textNoShape">
+                  <a:avLst/>
+                </a:prstTxWarp>
+                <a:noAutofit/>
+              </a:bodyPr>
+              <a:lstStyle/>
+              <a:p>
+                <a:pPr algn="ctr" defTabSz="932472" fontAlgn="base">
+                  <a:lnSpc>
+                    <a:spcPct val="90000"/>
+                  </a:lnSpc>
+                  <a:spcBef>
+                    <a:spcPct val="0"/>
+                  </a:spcBef>
+                  <a:spcAft>
+                    <a:spcPct val="0"/>
+                  </a:spcAft>
+                </a:pPr>
+                <a:r>
+                  <a:rPr lang="en-US" sz="1000" b="1" dirty="0">
+                    <a:solidFill>
+                      <a:schemeClr val="tx1"/>
+                    </a:solidFill>
+                    <a:latin typeface="Lucida Console" panose="020B0609040504020204" pitchFamily="49" charset="0"/>
+                    <a:ea typeface="Segoe UI" pitchFamily="34" charset="0"/>
+                    <a:cs typeface="Segoe UI" pitchFamily="34" charset="0"/>
+                  </a:rPr>
+                  <a:t>CI/CD Task 1</a:t>
+                </a:r>
+              </a:p>
+            </p:txBody>
+          </p:sp>
+        </p:grpSp>
+        <p:grpSp>
+          <p:nvGrpSpPr>
+            <p:cNvPr id="19" name="Group 18">
               <a:extLst>
                 <a:ext uri="{FF2B5EF4-FFF2-40B4-BE49-F238E27FC236}">
-                  <a16:creationId xmlns:a16="http://schemas.microsoft.com/office/drawing/2014/main" id="{4A13E24F-DD09-7038-9535-C74ED2C5D4A2}"/>
+                  <a16:creationId xmlns:a16="http://schemas.microsoft.com/office/drawing/2014/main" id="{05056F58-5465-6F67-8239-9F6B0A2548E8}"/>
                 </a:ext>
               </a:extLst>
             </p:cNvPr>
-            <p:cNvSpPr/>
+            <p:cNvGrpSpPr/>
             <p:nvPr/>
-          </p:nvSpPr>
-          <p:spPr bwMode="auto">
+          </p:nvGrpSpPr>
+          <p:grpSpPr>
             <a:xfrm>
-              <a:off x="7206417" y="3790122"/>
-              <a:ext cx="3671181" cy="393590"/>
+              <a:off x="1352499" y="1521793"/>
+              <a:ext cx="5908139" cy="343430"/>
+              <a:chOff x="4969459" y="3770906"/>
+              <a:chExt cx="5908139" cy="412806"/>
             </a:xfrm>
-            <a:prstGeom prst="rect">
-              <a:avLst/>
-            </a:prstGeom>
-            <a:solidFill>
-              <a:schemeClr val="accent2">
-                <a:lumMod val="50000"/>
-              </a:schemeClr>
-            </a:solidFill>
-            <a:ln>
-              <a:noFill/>
-              <a:headEnd type="none" w="med" len="med"/>
-              <a:tailEnd type="none" w="med" len="med"/>
-            </a:ln>
-            <a:effectLst/>
-          </p:spPr>
-          <p:style>
-            <a:lnRef idx="1">
-              <a:schemeClr val="accent2"/>
-            </a:lnRef>
-            <a:fillRef idx="3">
-              <a:schemeClr val="accent2"/>
-            </a:fillRef>
-            <a:effectRef idx="2">
-              <a:schemeClr val="accent2"/>
-            </a:effectRef>
-            <a:fontRef idx="minor">
-              <a:schemeClr val="lt1"/>
-            </a:fontRef>
-          </p:style>
-          <p:txBody>
-            <a:bodyPr rot="0" spcFirstLastPara="0" vertOverflow="overflow" horzOverflow="overflow" vert="horz" wrap="square" lIns="182880" tIns="0" rIns="0" bIns="0" numCol="1" spcCol="0" rtlCol="0" fromWordArt="0" anchor="ctr" anchorCtr="0" forceAA="0" compatLnSpc="1">
-              <a:prstTxWarp prst="textNoShape">
+          </p:grpSpPr>
+          <p:sp>
+            <p:nvSpPr>
+              <p:cNvPr id="20" name="Arrow: Right 19">
+                <a:extLst>
+                  <a:ext uri="{FF2B5EF4-FFF2-40B4-BE49-F238E27FC236}">
+                    <a16:creationId xmlns:a16="http://schemas.microsoft.com/office/drawing/2014/main" id="{09686B29-FE1B-4BDA-C2D9-9CEE86B7EDAE}"/>
+                  </a:ext>
+                </a:extLst>
+              </p:cNvPr>
+              <p:cNvSpPr/>
+              <p:nvPr/>
+            </p:nvSpPr>
+            <p:spPr bwMode="auto">
+              <a:xfrm>
+                <a:off x="6279406" y="3840846"/>
+                <a:ext cx="903714" cy="323650"/>
+              </a:xfrm>
+              <a:prstGeom prst="rightArrow">
+                <a:avLst>
+                  <a:gd name="adj1" fmla="val 61383"/>
+                  <a:gd name="adj2" fmla="val 50000"/>
+                </a:avLst>
+              </a:prstGeom>
+              <a:solidFill>
+                <a:srgbClr val="C00000"/>
+              </a:solidFill>
+              <a:ln>
+                <a:noFill/>
+                <a:headEnd type="none" w="med" len="med"/>
+                <a:tailEnd type="none" w="med" len="med"/>
+              </a:ln>
+              <a:effectLst/>
+            </p:spPr>
+            <p:style>
+              <a:lnRef idx="1">
+                <a:schemeClr val="accent2"/>
+              </a:lnRef>
+              <a:fillRef idx="3">
+                <a:schemeClr val="accent2"/>
+              </a:fillRef>
+              <a:effectRef idx="2">
+                <a:schemeClr val="accent2"/>
+              </a:effectRef>
+              <a:fontRef idx="minor">
+                <a:schemeClr val="lt1"/>
+              </a:fontRef>
+            </p:style>
+            <p:txBody>
+              <a:bodyPr rot="0" spcFirstLastPara="0" vertOverflow="overflow" horzOverflow="overflow" vert="horz" wrap="square" lIns="0" tIns="0" rIns="0" bIns="0" numCol="1" spcCol="0" rtlCol="0" fromWordArt="0" anchor="ctr" anchorCtr="0" forceAA="0" compatLnSpc="1">
+                <a:prstTxWarp prst="textNoShape">
+                  <a:avLst/>
+                </a:prstTxWarp>
+                <a:noAutofit/>
+              </a:bodyPr>
+              <a:lstStyle/>
+              <a:p>
+                <a:pPr algn="ctr" defTabSz="932472" fontAlgn="base">
+                  <a:lnSpc>
+                    <a:spcPct val="90000"/>
+                  </a:lnSpc>
+                  <a:spcBef>
+                    <a:spcPct val="0"/>
+                  </a:spcBef>
+                  <a:spcAft>
+                    <a:spcPct val="0"/>
+                  </a:spcAft>
+                </a:pPr>
+                <a:r>
+                  <a:rPr lang="en-US" sz="900" b="1" dirty="0">
+                    <a:gradFill>
+                      <a:gsLst>
+                        <a:gs pos="0">
+                          <a:srgbClr val="FFFFFF"/>
+                        </a:gs>
+                        <a:gs pos="100000">
+                          <a:srgbClr val="FFFFFF"/>
+                        </a:gs>
+                      </a:gsLst>
+                      <a:lin ang="5400000" scaled="0"/>
+                    </a:gradFill>
+                    <a:latin typeface="Lucida Console" panose="020B0609040504020204" pitchFamily="49" charset="0"/>
+                    <a:ea typeface="Segoe UI" pitchFamily="34" charset="0"/>
+                    <a:cs typeface="Segoe UI" pitchFamily="34" charset="0"/>
+                  </a:rPr>
+                  <a:t>API call</a:t>
+                </a:r>
+              </a:p>
+            </p:txBody>
+          </p:sp>
+          <p:sp>
+            <p:nvSpPr>
+              <p:cNvPr id="21" name="Rectangle 20">
+                <a:extLst>
+                  <a:ext uri="{FF2B5EF4-FFF2-40B4-BE49-F238E27FC236}">
+                    <a16:creationId xmlns:a16="http://schemas.microsoft.com/office/drawing/2014/main" id="{4A13E24F-DD09-7038-9535-C74ED2C5D4A2}"/>
+                  </a:ext>
+                </a:extLst>
+              </p:cNvPr>
+              <p:cNvSpPr/>
+              <p:nvPr/>
+            </p:nvSpPr>
+            <p:spPr bwMode="auto">
+              <a:xfrm>
+                <a:off x="7206417" y="3790122"/>
+                <a:ext cx="3671181" cy="393590"/>
+              </a:xfrm>
+              <a:prstGeom prst="rect">
                 <a:avLst/>
-              </a:prstTxWarp>
-              <a:noAutofit/>
-            </a:bodyPr>
-            <a:lstStyle/>
-            <a:p>
-              <a:pPr defTabSz="932472" fontAlgn="base">
-                <a:lnSpc>
-                  <a:spcPct val="90000"/>
-                </a:lnSpc>
-                <a:spcBef>
-                  <a:spcPct val="0"/>
-                </a:spcBef>
-                <a:spcAft>
-                  <a:spcPct val="0"/>
-                </a:spcAft>
-              </a:pPr>
-              <a:r>
-                <a:rPr lang="en-US" sz="1000" b="1" dirty="0">
-                  <a:gradFill>
-                    <a:gsLst>
-                      <a:gs pos="0">
-                        <a:srgbClr val="FFFFFF"/>
-                      </a:gs>
-                      <a:gs pos="100000">
-                        <a:srgbClr val="FFFFFF"/>
-                      </a:gs>
-                    </a:gsLst>
-                    <a:lin ang="5400000" scaled="0"/>
-                  </a:gradFill>
-                  <a:latin typeface="Lucida Console" panose="020B0609040504020204" pitchFamily="49" charset="0"/>
-                  <a:ea typeface="Segoe UI" pitchFamily="34" charset="0"/>
-                  <a:cs typeface="Segoe UI" pitchFamily="34" charset="0"/>
-                </a:rPr>
-                <a:t>Fabric REST APIs</a:t>
-              </a:r>
-            </a:p>
-          </p:txBody>
-        </p:sp>
-        <p:sp>
-          <p:nvSpPr>
-            <p:cNvPr id="22" name="Rectangle 21">
+              </a:prstGeom>
+              <a:solidFill>
+                <a:schemeClr val="accent2">
+                  <a:lumMod val="50000"/>
+                </a:schemeClr>
+              </a:solidFill>
+              <a:ln>
+                <a:noFill/>
+                <a:headEnd type="none" w="med" len="med"/>
+                <a:tailEnd type="none" w="med" len="med"/>
+              </a:ln>
+              <a:effectLst/>
+            </p:spPr>
+            <p:style>
+              <a:lnRef idx="1">
+                <a:schemeClr val="accent2"/>
+              </a:lnRef>
+              <a:fillRef idx="3">
+                <a:schemeClr val="accent2"/>
+              </a:fillRef>
+              <a:effectRef idx="2">
+                <a:schemeClr val="accent2"/>
+              </a:effectRef>
+              <a:fontRef idx="minor">
+                <a:schemeClr val="lt1"/>
+              </a:fontRef>
+            </p:style>
+            <p:txBody>
+              <a:bodyPr rot="0" spcFirstLastPara="0" vertOverflow="overflow" horzOverflow="overflow" vert="horz" wrap="square" lIns="182880" tIns="0" rIns="0" bIns="0" numCol="1" spcCol="0" rtlCol="0" fromWordArt="0" anchor="ctr" anchorCtr="0" forceAA="0" compatLnSpc="1">
+                <a:prstTxWarp prst="textNoShape">
+                  <a:avLst/>
+                </a:prstTxWarp>
+                <a:noAutofit/>
+              </a:bodyPr>
+              <a:lstStyle/>
+              <a:p>
+                <a:pPr defTabSz="932472" fontAlgn="base">
+                  <a:lnSpc>
+                    <a:spcPct val="90000"/>
+                  </a:lnSpc>
+                  <a:spcBef>
+                    <a:spcPct val="0"/>
+                  </a:spcBef>
+                  <a:spcAft>
+                    <a:spcPct val="0"/>
+                  </a:spcAft>
+                </a:pPr>
+                <a:r>
+                  <a:rPr lang="en-US" sz="1000" b="1" dirty="0">
+                    <a:gradFill>
+                      <a:gsLst>
+                        <a:gs pos="0">
+                          <a:srgbClr val="FFFFFF"/>
+                        </a:gs>
+                        <a:gs pos="100000">
+                          <a:srgbClr val="FFFFFF"/>
+                        </a:gs>
+                      </a:gsLst>
+                      <a:lin ang="5400000" scaled="0"/>
+                    </a:gradFill>
+                    <a:latin typeface="Lucida Console" panose="020B0609040504020204" pitchFamily="49" charset="0"/>
+                    <a:ea typeface="Segoe UI" pitchFamily="34" charset="0"/>
+                    <a:cs typeface="Segoe UI" pitchFamily="34" charset="0"/>
+                  </a:rPr>
+                  <a:t>Fabric REST APIs</a:t>
+                </a:r>
+              </a:p>
+            </p:txBody>
+          </p:sp>
+          <p:sp>
+            <p:nvSpPr>
+              <p:cNvPr id="22" name="Rectangle 21">
+                <a:extLst>
+                  <a:ext uri="{FF2B5EF4-FFF2-40B4-BE49-F238E27FC236}">
+                    <a16:creationId xmlns:a16="http://schemas.microsoft.com/office/drawing/2014/main" id="{F35C9E83-CEB7-E49C-69FD-FCB9373330F0}"/>
+                  </a:ext>
+                </a:extLst>
+              </p:cNvPr>
+              <p:cNvSpPr/>
+              <p:nvPr/>
+            </p:nvSpPr>
+            <p:spPr bwMode="auto">
+              <a:xfrm>
+                <a:off x="4969459" y="3770906"/>
+                <a:ext cx="1246010" cy="393590"/>
+              </a:xfrm>
+              <a:prstGeom prst="rect">
+                <a:avLst/>
+              </a:prstGeom>
+              <a:solidFill>
+                <a:schemeClr val="bg1"/>
+              </a:solidFill>
+              <a:ln>
+                <a:solidFill>
+                  <a:schemeClr val="tx1">
+                    <a:lumMod val="75000"/>
+                  </a:schemeClr>
+                </a:solidFill>
+                <a:headEnd type="none" w="med" len="med"/>
+                <a:tailEnd type="none" w="med" len="med"/>
+              </a:ln>
+              <a:effectLst/>
+            </p:spPr>
+            <p:style>
+              <a:lnRef idx="1">
+                <a:schemeClr val="accent2"/>
+              </a:lnRef>
+              <a:fillRef idx="3">
+                <a:schemeClr val="accent2"/>
+              </a:fillRef>
+              <a:effectRef idx="2">
+                <a:schemeClr val="accent2"/>
+              </a:effectRef>
+              <a:fontRef idx="minor">
+                <a:schemeClr val="lt1"/>
+              </a:fontRef>
+            </p:style>
+            <p:txBody>
+              <a:bodyPr rot="0" spcFirstLastPara="0" vertOverflow="overflow" horzOverflow="overflow" vert="horz" wrap="square" lIns="0" tIns="0" rIns="0" bIns="0" numCol="1" spcCol="0" rtlCol="0" fromWordArt="0" anchor="ctr" anchorCtr="0" forceAA="0" compatLnSpc="1">
+                <a:prstTxWarp prst="textNoShape">
+                  <a:avLst/>
+                </a:prstTxWarp>
+                <a:noAutofit/>
+              </a:bodyPr>
+              <a:lstStyle/>
+              <a:p>
+                <a:pPr algn="ctr" defTabSz="932472" fontAlgn="base">
+                  <a:lnSpc>
+                    <a:spcPct val="90000"/>
+                  </a:lnSpc>
+                  <a:spcBef>
+                    <a:spcPct val="0"/>
+                  </a:spcBef>
+                  <a:spcAft>
+                    <a:spcPct val="0"/>
+                  </a:spcAft>
+                </a:pPr>
+                <a:r>
+                  <a:rPr lang="en-US" sz="1000" b="1" dirty="0">
+                    <a:solidFill>
+                      <a:schemeClr val="tx1"/>
+                    </a:solidFill>
+                    <a:latin typeface="Lucida Console" panose="020B0609040504020204" pitchFamily="49" charset="0"/>
+                    <a:ea typeface="Segoe UI" pitchFamily="34" charset="0"/>
+                    <a:cs typeface="Segoe UI" pitchFamily="34" charset="0"/>
+                  </a:rPr>
+                  <a:t>CI/CD Task 2</a:t>
+                </a:r>
+              </a:p>
+            </p:txBody>
+          </p:sp>
+        </p:grpSp>
+        <p:grpSp>
+          <p:nvGrpSpPr>
+            <p:cNvPr id="23" name="Group 22">
               <a:extLst>
                 <a:ext uri="{FF2B5EF4-FFF2-40B4-BE49-F238E27FC236}">
-                  <a16:creationId xmlns:a16="http://schemas.microsoft.com/office/drawing/2014/main" id="{F35C9E83-CEB7-E49C-69FD-FCB9373330F0}"/>
+                  <a16:creationId xmlns:a16="http://schemas.microsoft.com/office/drawing/2014/main" id="{A0C193EB-FC0D-0EED-2D85-0AA4E38D9EB9}"/>
                 </a:ext>
               </a:extLst>
             </p:cNvPr>
-            <p:cNvSpPr/>
+            <p:cNvGrpSpPr/>
             <p:nvPr/>
-          </p:nvSpPr>
-          <p:spPr bwMode="auto">
+          </p:nvGrpSpPr>
+          <p:grpSpPr>
             <a:xfrm>
-              <a:off x="4969459" y="3770906"/>
-              <a:ext cx="1246010" cy="393590"/>
+              <a:off x="1352499" y="1986568"/>
+              <a:ext cx="5908139" cy="343430"/>
+              <a:chOff x="4969459" y="3770906"/>
+              <a:chExt cx="5908139" cy="412806"/>
             </a:xfrm>
-            <a:prstGeom prst="rect">
-              <a:avLst/>
-            </a:prstGeom>
-            <a:solidFill>
-              <a:schemeClr val="bg1"/>
-            </a:solidFill>
-            <a:ln>
+          </p:grpSpPr>
+          <p:sp>
+            <p:nvSpPr>
+              <p:cNvPr id="24" name="Arrow: Right 23">
+                <a:extLst>
+                  <a:ext uri="{FF2B5EF4-FFF2-40B4-BE49-F238E27FC236}">
+                    <a16:creationId xmlns:a16="http://schemas.microsoft.com/office/drawing/2014/main" id="{A44801E6-522D-DBE3-33A1-4C120BAC6EE6}"/>
+                  </a:ext>
+                </a:extLst>
+              </p:cNvPr>
+              <p:cNvSpPr/>
+              <p:nvPr/>
+            </p:nvSpPr>
+            <p:spPr bwMode="auto">
+              <a:xfrm>
+                <a:off x="6279406" y="3840846"/>
+                <a:ext cx="903714" cy="323650"/>
+              </a:xfrm>
+              <a:prstGeom prst="rightArrow">
+                <a:avLst>
+                  <a:gd name="adj1" fmla="val 61383"/>
+                  <a:gd name="adj2" fmla="val 50000"/>
+                </a:avLst>
+              </a:prstGeom>
               <a:solidFill>
-                <a:schemeClr val="tx1">
-                  <a:lumMod val="75000"/>
+                <a:srgbClr val="C00000"/>
+              </a:solidFill>
+              <a:ln>
+                <a:noFill/>
+                <a:headEnd type="none" w="med" len="med"/>
+                <a:tailEnd type="none" w="med" len="med"/>
+              </a:ln>
+              <a:effectLst/>
+            </p:spPr>
+            <p:style>
+              <a:lnRef idx="1">
+                <a:schemeClr val="accent2"/>
+              </a:lnRef>
+              <a:fillRef idx="3">
+                <a:schemeClr val="accent2"/>
+              </a:fillRef>
+              <a:effectRef idx="2">
+                <a:schemeClr val="accent2"/>
+              </a:effectRef>
+              <a:fontRef idx="minor">
+                <a:schemeClr val="lt1"/>
+              </a:fontRef>
+            </p:style>
+            <p:txBody>
+              <a:bodyPr rot="0" spcFirstLastPara="0" vertOverflow="overflow" horzOverflow="overflow" vert="horz" wrap="square" lIns="0" tIns="0" rIns="0" bIns="0" numCol="1" spcCol="0" rtlCol="0" fromWordArt="0" anchor="ctr" anchorCtr="0" forceAA="0" compatLnSpc="1">
+                <a:prstTxWarp prst="textNoShape">
+                  <a:avLst/>
+                </a:prstTxWarp>
+                <a:noAutofit/>
+              </a:bodyPr>
+              <a:lstStyle/>
+              <a:p>
+                <a:pPr algn="ctr" defTabSz="932472" fontAlgn="base">
+                  <a:lnSpc>
+                    <a:spcPct val="90000"/>
+                  </a:lnSpc>
+                  <a:spcBef>
+                    <a:spcPct val="0"/>
+                  </a:spcBef>
+                  <a:spcAft>
+                    <a:spcPct val="0"/>
+                  </a:spcAft>
+                </a:pPr>
+                <a:r>
+                  <a:rPr lang="en-US" sz="900" b="1" dirty="0">
+                    <a:gradFill>
+                      <a:gsLst>
+                        <a:gs pos="0">
+                          <a:srgbClr val="FFFFFF"/>
+                        </a:gs>
+                        <a:gs pos="100000">
+                          <a:srgbClr val="FFFFFF"/>
+                        </a:gs>
+                      </a:gsLst>
+                      <a:lin ang="5400000" scaled="0"/>
+                    </a:gradFill>
+                    <a:latin typeface="Lucida Console" panose="020B0609040504020204" pitchFamily="49" charset="0"/>
+                    <a:ea typeface="Segoe UI" pitchFamily="34" charset="0"/>
+                    <a:cs typeface="Segoe UI" pitchFamily="34" charset="0"/>
+                  </a:rPr>
+                  <a:t>API call</a:t>
+                </a:r>
+              </a:p>
+            </p:txBody>
+          </p:sp>
+          <p:sp>
+            <p:nvSpPr>
+              <p:cNvPr id="25" name="Rectangle 24">
+                <a:extLst>
+                  <a:ext uri="{FF2B5EF4-FFF2-40B4-BE49-F238E27FC236}">
+                    <a16:creationId xmlns:a16="http://schemas.microsoft.com/office/drawing/2014/main" id="{B480E909-627B-A66D-6EB9-1A7D654F9E89}"/>
+                  </a:ext>
+                </a:extLst>
+              </p:cNvPr>
+              <p:cNvSpPr/>
+              <p:nvPr/>
+            </p:nvSpPr>
+            <p:spPr bwMode="auto">
+              <a:xfrm>
+                <a:off x="7206417" y="3790122"/>
+                <a:ext cx="3671181" cy="393590"/>
+              </a:xfrm>
+              <a:prstGeom prst="rect">
+                <a:avLst/>
+              </a:prstGeom>
+              <a:solidFill>
+                <a:schemeClr val="accent2">
+                  <a:lumMod val="50000"/>
                 </a:schemeClr>
               </a:solidFill>
-              <a:headEnd type="none" w="med" len="med"/>
-              <a:tailEnd type="none" w="med" len="med"/>
-            </a:ln>
-            <a:effectLst/>
-          </p:spPr>
-          <p:style>
-            <a:lnRef idx="1">
-              <a:schemeClr val="accent2"/>
-            </a:lnRef>
-            <a:fillRef idx="3">
-              <a:schemeClr val="accent2"/>
-            </a:fillRef>
-            <a:effectRef idx="2">
-              <a:schemeClr val="accent2"/>
-            </a:effectRef>
-            <a:fontRef idx="minor">
-              <a:schemeClr val="lt1"/>
-            </a:fontRef>
-          </p:style>
-          <p:txBody>
-            <a:bodyPr rot="0" spcFirstLastPara="0" vertOverflow="overflow" horzOverflow="overflow" vert="horz" wrap="square" lIns="0" tIns="0" rIns="0" bIns="0" numCol="1" spcCol="0" rtlCol="0" fromWordArt="0" anchor="ctr" anchorCtr="0" forceAA="0" compatLnSpc="1">
-              <a:prstTxWarp prst="textNoShape">
+              <a:ln>
+                <a:noFill/>
+                <a:headEnd type="none" w="med" len="med"/>
+                <a:tailEnd type="none" w="med" len="med"/>
+              </a:ln>
+              <a:effectLst/>
+            </p:spPr>
+            <p:style>
+              <a:lnRef idx="1">
+                <a:schemeClr val="accent2"/>
+              </a:lnRef>
+              <a:fillRef idx="3">
+                <a:schemeClr val="accent2"/>
+              </a:fillRef>
+              <a:effectRef idx="2">
+                <a:schemeClr val="accent2"/>
+              </a:effectRef>
+              <a:fontRef idx="minor">
+                <a:schemeClr val="lt1"/>
+              </a:fontRef>
+            </p:style>
+            <p:txBody>
+              <a:bodyPr rot="0" spcFirstLastPara="0" vertOverflow="overflow" horzOverflow="overflow" vert="horz" wrap="square" lIns="182880" tIns="0" rIns="0" bIns="0" numCol="1" spcCol="0" rtlCol="0" fromWordArt="0" anchor="ctr" anchorCtr="0" forceAA="0" compatLnSpc="1">
+                <a:prstTxWarp prst="textNoShape">
+                  <a:avLst/>
+                </a:prstTxWarp>
+                <a:noAutofit/>
+              </a:bodyPr>
+              <a:lstStyle/>
+              <a:p>
+                <a:pPr defTabSz="932472" fontAlgn="base">
+                  <a:lnSpc>
+                    <a:spcPct val="90000"/>
+                  </a:lnSpc>
+                  <a:spcBef>
+                    <a:spcPct val="0"/>
+                  </a:spcBef>
+                  <a:spcAft>
+                    <a:spcPct val="0"/>
+                  </a:spcAft>
+                </a:pPr>
+                <a:r>
+                  <a:rPr lang="en-US" sz="1000" b="1" dirty="0">
+                    <a:gradFill>
+                      <a:gsLst>
+                        <a:gs pos="0">
+                          <a:srgbClr val="FFFFFF"/>
+                        </a:gs>
+                        <a:gs pos="100000">
+                          <a:srgbClr val="FFFFFF"/>
+                        </a:gs>
+                      </a:gsLst>
+                      <a:lin ang="5400000" scaled="0"/>
+                    </a:gradFill>
+                    <a:latin typeface="Lucida Console" panose="020B0609040504020204" pitchFamily="49" charset="0"/>
+                    <a:ea typeface="Segoe UI" pitchFamily="34" charset="0"/>
+                    <a:cs typeface="Segoe UI" pitchFamily="34" charset="0"/>
+                  </a:rPr>
+                  <a:t>Power BI REST APIs</a:t>
+                </a:r>
+              </a:p>
+            </p:txBody>
+          </p:sp>
+          <p:sp>
+            <p:nvSpPr>
+              <p:cNvPr id="26" name="Rectangle 25">
+                <a:extLst>
+                  <a:ext uri="{FF2B5EF4-FFF2-40B4-BE49-F238E27FC236}">
+                    <a16:creationId xmlns:a16="http://schemas.microsoft.com/office/drawing/2014/main" id="{AA7153D5-F24C-FA79-BA33-471806F82D16}"/>
+                  </a:ext>
+                </a:extLst>
+              </p:cNvPr>
+              <p:cNvSpPr/>
+              <p:nvPr/>
+            </p:nvSpPr>
+            <p:spPr bwMode="auto">
+              <a:xfrm>
+                <a:off x="4969459" y="3770906"/>
+                <a:ext cx="1246010" cy="393590"/>
+              </a:xfrm>
+              <a:prstGeom prst="rect">
                 <a:avLst/>
-              </a:prstTxWarp>
-              <a:noAutofit/>
-            </a:bodyPr>
-            <a:lstStyle/>
-            <a:p>
-              <a:pPr algn="ctr" defTabSz="932472" fontAlgn="base">
-                <a:lnSpc>
-                  <a:spcPct val="90000"/>
-                </a:lnSpc>
-                <a:spcBef>
-                  <a:spcPct val="0"/>
-                </a:spcBef>
-                <a:spcAft>
-                  <a:spcPct val="0"/>
-                </a:spcAft>
-              </a:pPr>
-              <a:r>
-                <a:rPr lang="en-US" sz="1000" b="1" dirty="0">
-                  <a:solidFill>
-                    <a:schemeClr val="tx1"/>
-                  </a:solidFill>
-                  <a:latin typeface="Lucida Console" panose="020B0609040504020204" pitchFamily="49" charset="0"/>
-                  <a:ea typeface="Segoe UI" pitchFamily="34" charset="0"/>
-                  <a:cs typeface="Segoe UI" pitchFamily="34" charset="0"/>
-                </a:rPr>
-                <a:t>CI/CD Task 2</a:t>
-              </a:r>
-            </a:p>
-          </p:txBody>
-        </p:sp>
-      </p:grpSp>
-      <p:grpSp>
-        <p:nvGrpSpPr>
-          <p:cNvPr id="23" name="Group 22">
-            <a:extLst>
-              <a:ext uri="{FF2B5EF4-FFF2-40B4-BE49-F238E27FC236}">
-                <a16:creationId xmlns:a16="http://schemas.microsoft.com/office/drawing/2014/main" id="{A0C193EB-FC0D-0EED-2D85-0AA4E38D9EB9}"/>
-              </a:ext>
-            </a:extLst>
-          </p:cNvPr>
-          <p:cNvGrpSpPr/>
-          <p:nvPr/>
-        </p:nvGrpSpPr>
-        <p:grpSpPr>
-          <a:xfrm>
-            <a:off x="1352499" y="1986568"/>
-            <a:ext cx="5908139" cy="343430"/>
-            <a:chOff x="4969459" y="3770906"/>
-            <a:chExt cx="5908139" cy="412806"/>
-          </a:xfrm>
-        </p:grpSpPr>
-        <p:sp>
-          <p:nvSpPr>
-            <p:cNvPr id="24" name="Arrow: Right 23">
+              </a:prstGeom>
+              <a:solidFill>
+                <a:schemeClr val="bg1"/>
+              </a:solidFill>
+              <a:ln>
+                <a:solidFill>
+                  <a:schemeClr val="tx1">
+                    <a:lumMod val="75000"/>
+                  </a:schemeClr>
+                </a:solidFill>
+                <a:headEnd type="none" w="med" len="med"/>
+                <a:tailEnd type="none" w="med" len="med"/>
+              </a:ln>
+              <a:effectLst/>
+            </p:spPr>
+            <p:style>
+              <a:lnRef idx="1">
+                <a:schemeClr val="accent2"/>
+              </a:lnRef>
+              <a:fillRef idx="3">
+                <a:schemeClr val="accent2"/>
+              </a:fillRef>
+              <a:effectRef idx="2">
+                <a:schemeClr val="accent2"/>
+              </a:effectRef>
+              <a:fontRef idx="minor">
+                <a:schemeClr val="lt1"/>
+              </a:fontRef>
+            </p:style>
+            <p:txBody>
+              <a:bodyPr rot="0" spcFirstLastPara="0" vertOverflow="overflow" horzOverflow="overflow" vert="horz" wrap="square" lIns="0" tIns="0" rIns="0" bIns="0" numCol="1" spcCol="0" rtlCol="0" fromWordArt="0" anchor="ctr" anchorCtr="0" forceAA="0" compatLnSpc="1">
+                <a:prstTxWarp prst="textNoShape">
+                  <a:avLst/>
+                </a:prstTxWarp>
+                <a:noAutofit/>
+              </a:bodyPr>
+              <a:lstStyle/>
+              <a:p>
+                <a:pPr algn="ctr" defTabSz="932472" fontAlgn="base">
+                  <a:lnSpc>
+                    <a:spcPct val="90000"/>
+                  </a:lnSpc>
+                  <a:spcBef>
+                    <a:spcPct val="0"/>
+                  </a:spcBef>
+                  <a:spcAft>
+                    <a:spcPct val="0"/>
+                  </a:spcAft>
+                </a:pPr>
+                <a:r>
+                  <a:rPr lang="en-US" sz="1000" b="1" dirty="0">
+                    <a:solidFill>
+                      <a:schemeClr val="tx1"/>
+                    </a:solidFill>
+                    <a:latin typeface="Lucida Console" panose="020B0609040504020204" pitchFamily="49" charset="0"/>
+                    <a:ea typeface="Segoe UI" pitchFamily="34" charset="0"/>
+                    <a:cs typeface="Segoe UI" pitchFamily="34" charset="0"/>
+                  </a:rPr>
+                  <a:t>CI/CD Task 3</a:t>
+                </a:r>
+              </a:p>
+            </p:txBody>
+          </p:sp>
+        </p:grpSp>
+        <p:grpSp>
+          <p:nvGrpSpPr>
+            <p:cNvPr id="27" name="Group 26">
               <a:extLst>
                 <a:ext uri="{FF2B5EF4-FFF2-40B4-BE49-F238E27FC236}">
-                  <a16:creationId xmlns:a16="http://schemas.microsoft.com/office/drawing/2014/main" id="{A44801E6-522D-DBE3-33A1-4C120BAC6EE6}"/>
+                  <a16:creationId xmlns:a16="http://schemas.microsoft.com/office/drawing/2014/main" id="{217B03C9-2131-6750-72C3-7029993D4924}"/>
                 </a:ext>
               </a:extLst>
             </p:cNvPr>
-            <p:cNvSpPr/>
+            <p:cNvGrpSpPr/>
             <p:nvPr/>
-          </p:nvSpPr>
-          <p:spPr bwMode="auto">
+          </p:nvGrpSpPr>
+          <p:grpSpPr>
             <a:xfrm>
-              <a:off x="6279406" y="3840846"/>
-              <a:ext cx="903714" cy="323650"/>
+              <a:off x="1352499" y="2442602"/>
+              <a:ext cx="5908139" cy="343430"/>
+              <a:chOff x="4969459" y="3770906"/>
+              <a:chExt cx="5908139" cy="412806"/>
             </a:xfrm>
-            <a:prstGeom prst="rightArrow">
-              <a:avLst>
-                <a:gd name="adj1" fmla="val 61383"/>
-                <a:gd name="adj2" fmla="val 50000"/>
-              </a:avLst>
-            </a:prstGeom>
-            <a:solidFill>
-              <a:srgbClr val="C00000"/>
-            </a:solidFill>
-            <a:ln>
-              <a:noFill/>
-              <a:headEnd type="none" w="med" len="med"/>
-              <a:tailEnd type="none" w="med" len="med"/>
-            </a:ln>
-            <a:effectLst/>
-          </p:spPr>
-          <p:style>
-            <a:lnRef idx="1">
-              <a:schemeClr val="accent2"/>
-            </a:lnRef>
-            <a:fillRef idx="3">
-              <a:schemeClr val="accent2"/>
-            </a:fillRef>
-            <a:effectRef idx="2">
-              <a:schemeClr val="accent2"/>
-            </a:effectRef>
-            <a:fontRef idx="minor">
-              <a:schemeClr val="lt1"/>
-            </a:fontRef>
-          </p:style>
-          <p:txBody>
-            <a:bodyPr rot="0" spcFirstLastPara="0" vertOverflow="overflow" horzOverflow="overflow" vert="horz" wrap="square" lIns="0" tIns="0" rIns="0" bIns="0" numCol="1" spcCol="0" rtlCol="0" fromWordArt="0" anchor="ctr" anchorCtr="0" forceAA="0" compatLnSpc="1">
-              <a:prstTxWarp prst="textNoShape">
+          </p:grpSpPr>
+          <p:sp>
+            <p:nvSpPr>
+              <p:cNvPr id="28" name="Arrow: Right 27">
+                <a:extLst>
+                  <a:ext uri="{FF2B5EF4-FFF2-40B4-BE49-F238E27FC236}">
+                    <a16:creationId xmlns:a16="http://schemas.microsoft.com/office/drawing/2014/main" id="{AAEB7D31-E3EF-B162-77F3-BBAC184D13F9}"/>
+                  </a:ext>
+                </a:extLst>
+              </p:cNvPr>
+              <p:cNvSpPr/>
+              <p:nvPr/>
+            </p:nvSpPr>
+            <p:spPr bwMode="auto">
+              <a:xfrm>
+                <a:off x="6279406" y="3840846"/>
+                <a:ext cx="903714" cy="323650"/>
+              </a:xfrm>
+              <a:prstGeom prst="rightArrow">
+                <a:avLst>
+                  <a:gd name="adj1" fmla="val 61383"/>
+                  <a:gd name="adj2" fmla="val 50000"/>
+                </a:avLst>
+              </a:prstGeom>
+              <a:solidFill>
+                <a:srgbClr val="C00000"/>
+              </a:solidFill>
+              <a:ln>
+                <a:noFill/>
+                <a:headEnd type="none" w="med" len="med"/>
+                <a:tailEnd type="none" w="med" len="med"/>
+              </a:ln>
+              <a:effectLst/>
+            </p:spPr>
+            <p:style>
+              <a:lnRef idx="1">
+                <a:schemeClr val="accent2"/>
+              </a:lnRef>
+              <a:fillRef idx="3">
+                <a:schemeClr val="accent2"/>
+              </a:fillRef>
+              <a:effectRef idx="2">
+                <a:schemeClr val="accent2"/>
+              </a:effectRef>
+              <a:fontRef idx="minor">
+                <a:schemeClr val="lt1"/>
+              </a:fontRef>
+            </p:style>
+            <p:txBody>
+              <a:bodyPr rot="0" spcFirstLastPara="0" vertOverflow="overflow" horzOverflow="overflow" vert="horz" wrap="square" lIns="0" tIns="0" rIns="0" bIns="0" numCol="1" spcCol="0" rtlCol="0" fromWordArt="0" anchor="ctr" anchorCtr="0" forceAA="0" compatLnSpc="1">
+                <a:prstTxWarp prst="textNoShape">
+                  <a:avLst/>
+                </a:prstTxWarp>
+                <a:noAutofit/>
+              </a:bodyPr>
+              <a:lstStyle/>
+              <a:p>
+                <a:pPr algn="ctr" defTabSz="932472" fontAlgn="base">
+                  <a:lnSpc>
+                    <a:spcPct val="90000"/>
+                  </a:lnSpc>
+                  <a:spcBef>
+                    <a:spcPct val="0"/>
+                  </a:spcBef>
+                  <a:spcAft>
+                    <a:spcPct val="0"/>
+                  </a:spcAft>
+                </a:pPr>
+                <a:r>
+                  <a:rPr lang="en-US" sz="900" b="1" dirty="0">
+                    <a:gradFill>
+                      <a:gsLst>
+                        <a:gs pos="0">
+                          <a:srgbClr val="FFFFFF"/>
+                        </a:gs>
+                        <a:gs pos="100000">
+                          <a:srgbClr val="FFFFFF"/>
+                        </a:gs>
+                      </a:gsLst>
+                      <a:lin ang="5400000" scaled="0"/>
+                    </a:gradFill>
+                    <a:latin typeface="Lucida Console" panose="020B0609040504020204" pitchFamily="49" charset="0"/>
+                    <a:ea typeface="Segoe UI" pitchFamily="34" charset="0"/>
+                    <a:cs typeface="Segoe UI" pitchFamily="34" charset="0"/>
+                  </a:rPr>
+                  <a:t>API call</a:t>
+                </a:r>
+              </a:p>
+            </p:txBody>
+          </p:sp>
+          <p:sp>
+            <p:nvSpPr>
+              <p:cNvPr id="29" name="Rectangle 28">
+                <a:extLst>
+                  <a:ext uri="{FF2B5EF4-FFF2-40B4-BE49-F238E27FC236}">
+                    <a16:creationId xmlns:a16="http://schemas.microsoft.com/office/drawing/2014/main" id="{4F9A0CF0-A14F-AD1C-9773-63778E4D7654}"/>
+                  </a:ext>
+                </a:extLst>
+              </p:cNvPr>
+              <p:cNvSpPr/>
+              <p:nvPr/>
+            </p:nvSpPr>
+            <p:spPr bwMode="auto">
+              <a:xfrm>
+                <a:off x="7206417" y="3790122"/>
+                <a:ext cx="3671181" cy="393590"/>
+              </a:xfrm>
+              <a:prstGeom prst="rect">
                 <a:avLst/>
-              </a:prstTxWarp>
-              <a:noAutofit/>
-            </a:bodyPr>
-            <a:lstStyle/>
-            <a:p>
-              <a:pPr algn="ctr" defTabSz="932472" fontAlgn="base">
-                <a:lnSpc>
-                  <a:spcPct val="90000"/>
-                </a:lnSpc>
-                <a:spcBef>
-                  <a:spcPct val="0"/>
-                </a:spcBef>
-                <a:spcAft>
-                  <a:spcPct val="0"/>
-                </a:spcAft>
-              </a:pPr>
-              <a:r>
-                <a:rPr lang="en-US" sz="900" b="1" dirty="0">
-                  <a:gradFill>
-                    <a:gsLst>
-                      <a:gs pos="0">
-                        <a:srgbClr val="FFFFFF"/>
-                      </a:gs>
-                      <a:gs pos="100000">
-                        <a:srgbClr val="FFFFFF"/>
-                      </a:gs>
-                    </a:gsLst>
-                    <a:lin ang="5400000" scaled="0"/>
-                  </a:gradFill>
-                  <a:latin typeface="Lucida Console" panose="020B0609040504020204" pitchFamily="49" charset="0"/>
-                  <a:ea typeface="Segoe UI" pitchFamily="34" charset="0"/>
-                  <a:cs typeface="Segoe UI" pitchFamily="34" charset="0"/>
-                </a:rPr>
-                <a:t>API call</a:t>
-              </a:r>
-            </a:p>
-          </p:txBody>
-        </p:sp>
-        <p:sp>
-          <p:nvSpPr>
-            <p:cNvPr id="25" name="Rectangle 24">
+              </a:prstGeom>
+              <a:solidFill>
+                <a:schemeClr val="accent2">
+                  <a:lumMod val="50000"/>
+                </a:schemeClr>
+              </a:solidFill>
+              <a:ln>
+                <a:noFill/>
+                <a:headEnd type="none" w="med" len="med"/>
+                <a:tailEnd type="none" w="med" len="med"/>
+              </a:ln>
+              <a:effectLst/>
+            </p:spPr>
+            <p:style>
+              <a:lnRef idx="1">
+                <a:schemeClr val="accent2"/>
+              </a:lnRef>
+              <a:fillRef idx="3">
+                <a:schemeClr val="accent2"/>
+              </a:fillRef>
+              <a:effectRef idx="2">
+                <a:schemeClr val="accent2"/>
+              </a:effectRef>
+              <a:fontRef idx="minor">
+                <a:schemeClr val="lt1"/>
+              </a:fontRef>
+            </p:style>
+            <p:txBody>
+              <a:bodyPr rot="0" spcFirstLastPara="0" vertOverflow="overflow" horzOverflow="overflow" vert="horz" wrap="square" lIns="182880" tIns="0" rIns="0" bIns="0" numCol="1" spcCol="0" rtlCol="0" fromWordArt="0" anchor="ctr" anchorCtr="0" forceAA="0" compatLnSpc="1">
+                <a:prstTxWarp prst="textNoShape">
+                  <a:avLst/>
+                </a:prstTxWarp>
+                <a:noAutofit/>
+              </a:bodyPr>
+              <a:lstStyle/>
+              <a:p>
+                <a:pPr defTabSz="932472" fontAlgn="base">
+                  <a:lnSpc>
+                    <a:spcPct val="90000"/>
+                  </a:lnSpc>
+                  <a:spcBef>
+                    <a:spcPct val="0"/>
+                  </a:spcBef>
+                  <a:spcAft>
+                    <a:spcPct val="0"/>
+                  </a:spcAft>
+                </a:pPr>
+                <a:r>
+                  <a:rPr lang="en-US" sz="1000" b="1" dirty="0">
+                    <a:gradFill>
+                      <a:gsLst>
+                        <a:gs pos="0">
+                          <a:srgbClr val="FFFFFF"/>
+                        </a:gs>
+                        <a:gs pos="100000">
+                          <a:srgbClr val="FFFFFF"/>
+                        </a:gs>
+                      </a:gsLst>
+                      <a:lin ang="5400000" scaled="0"/>
+                    </a:gradFill>
+                    <a:latin typeface="Lucida Console" panose="020B0609040504020204" pitchFamily="49" charset="0"/>
+                    <a:ea typeface="Segoe UI" pitchFamily="34" charset="0"/>
+                    <a:cs typeface="Segoe UI" pitchFamily="34" charset="0"/>
+                  </a:rPr>
+                  <a:t>Tabular Object Model (TOM)</a:t>
+                </a:r>
+              </a:p>
+            </p:txBody>
+          </p:sp>
+          <p:sp>
+            <p:nvSpPr>
+              <p:cNvPr id="30" name="Rectangle 29">
+                <a:extLst>
+                  <a:ext uri="{FF2B5EF4-FFF2-40B4-BE49-F238E27FC236}">
+                    <a16:creationId xmlns:a16="http://schemas.microsoft.com/office/drawing/2014/main" id="{14E3F21D-26EB-6566-B818-C684FA92245D}"/>
+                  </a:ext>
+                </a:extLst>
+              </p:cNvPr>
+              <p:cNvSpPr/>
+              <p:nvPr/>
+            </p:nvSpPr>
+            <p:spPr bwMode="auto">
+              <a:xfrm>
+                <a:off x="4969459" y="3770906"/>
+                <a:ext cx="1246010" cy="393590"/>
+              </a:xfrm>
+              <a:prstGeom prst="rect">
+                <a:avLst/>
+              </a:prstGeom>
+              <a:solidFill>
+                <a:schemeClr val="bg1"/>
+              </a:solidFill>
+              <a:ln>
+                <a:solidFill>
+                  <a:schemeClr val="tx1">
+                    <a:lumMod val="75000"/>
+                  </a:schemeClr>
+                </a:solidFill>
+                <a:headEnd type="none" w="med" len="med"/>
+                <a:tailEnd type="none" w="med" len="med"/>
+              </a:ln>
+              <a:effectLst/>
+            </p:spPr>
+            <p:style>
+              <a:lnRef idx="1">
+                <a:schemeClr val="accent2"/>
+              </a:lnRef>
+              <a:fillRef idx="3">
+                <a:schemeClr val="accent2"/>
+              </a:fillRef>
+              <a:effectRef idx="2">
+                <a:schemeClr val="accent2"/>
+              </a:effectRef>
+              <a:fontRef idx="minor">
+                <a:schemeClr val="lt1"/>
+              </a:fontRef>
+            </p:style>
+            <p:txBody>
+              <a:bodyPr rot="0" spcFirstLastPara="0" vertOverflow="overflow" horzOverflow="overflow" vert="horz" wrap="square" lIns="0" tIns="0" rIns="0" bIns="0" numCol="1" spcCol="0" rtlCol="0" fromWordArt="0" anchor="ctr" anchorCtr="0" forceAA="0" compatLnSpc="1">
+                <a:prstTxWarp prst="textNoShape">
+                  <a:avLst/>
+                </a:prstTxWarp>
+                <a:noAutofit/>
+              </a:bodyPr>
+              <a:lstStyle/>
+              <a:p>
+                <a:pPr algn="ctr" defTabSz="932472" fontAlgn="base">
+                  <a:lnSpc>
+                    <a:spcPct val="90000"/>
+                  </a:lnSpc>
+                  <a:spcBef>
+                    <a:spcPct val="0"/>
+                  </a:spcBef>
+                  <a:spcAft>
+                    <a:spcPct val="0"/>
+                  </a:spcAft>
+                </a:pPr>
+                <a:r>
+                  <a:rPr lang="en-US" sz="1000" b="1" dirty="0">
+                    <a:solidFill>
+                      <a:schemeClr val="tx1"/>
+                    </a:solidFill>
+                    <a:latin typeface="Lucida Console" panose="020B0609040504020204" pitchFamily="49" charset="0"/>
+                    <a:ea typeface="Segoe UI" pitchFamily="34" charset="0"/>
+                    <a:cs typeface="Segoe UI" pitchFamily="34" charset="0"/>
+                  </a:rPr>
+                  <a:t>CI/CD Task 4</a:t>
+                </a:r>
+              </a:p>
+            </p:txBody>
+          </p:sp>
+        </p:grpSp>
+        <p:grpSp>
+          <p:nvGrpSpPr>
+            <p:cNvPr id="31" name="Group 30">
               <a:extLst>
                 <a:ext uri="{FF2B5EF4-FFF2-40B4-BE49-F238E27FC236}">
-                  <a16:creationId xmlns:a16="http://schemas.microsoft.com/office/drawing/2014/main" id="{B480E909-627B-A66D-6EB9-1A7D654F9E89}"/>
+                  <a16:creationId xmlns:a16="http://schemas.microsoft.com/office/drawing/2014/main" id="{58A6DFC6-FD50-5B5F-84CC-9C8B05418DA8}"/>
                 </a:ext>
               </a:extLst>
             </p:cNvPr>
-            <p:cNvSpPr/>
+            <p:cNvGrpSpPr/>
             <p:nvPr/>
-          </p:nvSpPr>
-          <p:spPr bwMode="auto">
+          </p:nvGrpSpPr>
+          <p:grpSpPr>
             <a:xfrm>
-              <a:off x="7206417" y="3790122"/>
-              <a:ext cx="3671181" cy="393590"/>
+              <a:off x="1352499" y="2922006"/>
+              <a:ext cx="5908139" cy="343430"/>
+              <a:chOff x="4969459" y="3770906"/>
+              <a:chExt cx="5908139" cy="412806"/>
             </a:xfrm>
-            <a:prstGeom prst="rect">
-              <a:avLst/>
-            </a:prstGeom>
-            <a:solidFill>
-              <a:schemeClr val="accent2">
-                <a:lumMod val="50000"/>
-              </a:schemeClr>
-            </a:solidFill>
-            <a:ln>
-              <a:noFill/>
-              <a:headEnd type="none" w="med" len="med"/>
-              <a:tailEnd type="none" w="med" len="med"/>
-            </a:ln>
-            <a:effectLst/>
-          </p:spPr>
-          <p:style>
-            <a:lnRef idx="1">
-              <a:schemeClr val="accent2"/>
-            </a:lnRef>
-            <a:fillRef idx="3">
-              <a:schemeClr val="accent2"/>
-            </a:fillRef>
-            <a:effectRef idx="2">
-              <a:schemeClr val="accent2"/>
-            </a:effectRef>
-            <a:fontRef idx="minor">
-              <a:schemeClr val="lt1"/>
-            </a:fontRef>
-          </p:style>
-          <p:txBody>
-            <a:bodyPr rot="0" spcFirstLastPara="0" vertOverflow="overflow" horzOverflow="overflow" vert="horz" wrap="square" lIns="182880" tIns="0" rIns="0" bIns="0" numCol="1" spcCol="0" rtlCol="0" fromWordArt="0" anchor="ctr" anchorCtr="0" forceAA="0" compatLnSpc="1">
-              <a:prstTxWarp prst="textNoShape">
+          </p:grpSpPr>
+          <p:sp>
+            <p:nvSpPr>
+              <p:cNvPr id="32" name="Arrow: Right 31">
+                <a:extLst>
+                  <a:ext uri="{FF2B5EF4-FFF2-40B4-BE49-F238E27FC236}">
+                    <a16:creationId xmlns:a16="http://schemas.microsoft.com/office/drawing/2014/main" id="{9681DF32-4165-DFD6-C1F7-93D21FB40460}"/>
+                  </a:ext>
+                </a:extLst>
+              </p:cNvPr>
+              <p:cNvSpPr/>
+              <p:nvPr/>
+            </p:nvSpPr>
+            <p:spPr bwMode="auto">
+              <a:xfrm>
+                <a:off x="6279406" y="3840846"/>
+                <a:ext cx="903714" cy="323650"/>
+              </a:xfrm>
+              <a:prstGeom prst="rightArrow">
+                <a:avLst>
+                  <a:gd name="adj1" fmla="val 61383"/>
+                  <a:gd name="adj2" fmla="val 50000"/>
+                </a:avLst>
+              </a:prstGeom>
+              <a:solidFill>
+                <a:srgbClr val="C00000"/>
+              </a:solidFill>
+              <a:ln>
+                <a:noFill/>
+                <a:headEnd type="none" w="med" len="med"/>
+                <a:tailEnd type="none" w="med" len="med"/>
+              </a:ln>
+              <a:effectLst/>
+            </p:spPr>
+            <p:style>
+              <a:lnRef idx="1">
+                <a:schemeClr val="accent2"/>
+              </a:lnRef>
+              <a:fillRef idx="3">
+                <a:schemeClr val="accent2"/>
+              </a:fillRef>
+              <a:effectRef idx="2">
+                <a:schemeClr val="accent2"/>
+              </a:effectRef>
+              <a:fontRef idx="minor">
+                <a:schemeClr val="lt1"/>
+              </a:fontRef>
+            </p:style>
+            <p:txBody>
+              <a:bodyPr rot="0" spcFirstLastPara="0" vertOverflow="overflow" horzOverflow="overflow" vert="horz" wrap="square" lIns="0" tIns="0" rIns="0" bIns="0" numCol="1" spcCol="0" rtlCol="0" fromWordArt="0" anchor="ctr" anchorCtr="0" forceAA="0" compatLnSpc="1">
+                <a:prstTxWarp prst="textNoShape">
+                  <a:avLst/>
+                </a:prstTxWarp>
+                <a:noAutofit/>
+              </a:bodyPr>
+              <a:lstStyle/>
+              <a:p>
+                <a:pPr algn="ctr" defTabSz="932472" fontAlgn="base">
+                  <a:lnSpc>
+                    <a:spcPct val="90000"/>
+                  </a:lnSpc>
+                  <a:spcBef>
+                    <a:spcPct val="0"/>
+                  </a:spcBef>
+                  <a:spcAft>
+                    <a:spcPct val="0"/>
+                  </a:spcAft>
+                </a:pPr>
+                <a:r>
+                  <a:rPr lang="en-US" sz="900" b="1" dirty="0">
+                    <a:gradFill>
+                      <a:gsLst>
+                        <a:gs pos="0">
+                          <a:srgbClr val="FFFFFF"/>
+                        </a:gs>
+                        <a:gs pos="100000">
+                          <a:srgbClr val="FFFFFF"/>
+                        </a:gs>
+                      </a:gsLst>
+                      <a:lin ang="5400000" scaled="0"/>
+                    </a:gradFill>
+                    <a:latin typeface="Lucida Console" panose="020B0609040504020204" pitchFamily="49" charset="0"/>
+                    <a:ea typeface="Segoe UI" pitchFamily="34" charset="0"/>
+                    <a:cs typeface="Segoe UI" pitchFamily="34" charset="0"/>
+                  </a:rPr>
+                  <a:t>API call</a:t>
+                </a:r>
+              </a:p>
+            </p:txBody>
+          </p:sp>
+          <p:sp>
+            <p:nvSpPr>
+              <p:cNvPr id="33" name="Rectangle 32">
+                <a:extLst>
+                  <a:ext uri="{FF2B5EF4-FFF2-40B4-BE49-F238E27FC236}">
+                    <a16:creationId xmlns:a16="http://schemas.microsoft.com/office/drawing/2014/main" id="{A5281C2E-3FC9-99C1-3A03-91A6687BE15B}"/>
+                  </a:ext>
+                </a:extLst>
+              </p:cNvPr>
+              <p:cNvSpPr/>
+              <p:nvPr/>
+            </p:nvSpPr>
+            <p:spPr bwMode="auto">
+              <a:xfrm>
+                <a:off x="7206417" y="3790122"/>
+                <a:ext cx="3671181" cy="393590"/>
+              </a:xfrm>
+              <a:prstGeom prst="rect">
                 <a:avLst/>
-              </a:prstTxWarp>
-              <a:noAutofit/>
-            </a:bodyPr>
-            <a:lstStyle/>
-            <a:p>
-              <a:pPr defTabSz="932472" fontAlgn="base">
-                <a:lnSpc>
-                  <a:spcPct val="90000"/>
-                </a:lnSpc>
-                <a:spcBef>
-                  <a:spcPct val="0"/>
-                </a:spcBef>
-                <a:spcAft>
-                  <a:spcPct val="0"/>
-                </a:spcAft>
-              </a:pPr>
-              <a:r>
-                <a:rPr lang="en-US" sz="1000" b="1" dirty="0">
-                  <a:gradFill>
-                    <a:gsLst>
-                      <a:gs pos="0">
-                        <a:srgbClr val="FFFFFF"/>
-                      </a:gs>
-                      <a:gs pos="100000">
-                        <a:srgbClr val="FFFFFF"/>
-                      </a:gs>
-                    </a:gsLst>
-                    <a:lin ang="5400000" scaled="0"/>
-                  </a:gradFill>
-                  <a:latin typeface="Lucida Console" panose="020B0609040504020204" pitchFamily="49" charset="0"/>
-                  <a:ea typeface="Segoe UI" pitchFamily="34" charset="0"/>
-                  <a:cs typeface="Segoe UI" pitchFamily="34" charset="0"/>
-                </a:rPr>
-                <a:t>Power BI REST APIs</a:t>
-              </a:r>
-            </a:p>
-          </p:txBody>
-        </p:sp>
-        <p:sp>
-          <p:nvSpPr>
-            <p:cNvPr id="26" name="Rectangle 25">
+              </a:prstGeom>
+              <a:solidFill>
+                <a:schemeClr val="accent2">
+                  <a:lumMod val="50000"/>
+                </a:schemeClr>
+              </a:solidFill>
+              <a:ln>
+                <a:noFill/>
+                <a:headEnd type="none" w="med" len="med"/>
+                <a:tailEnd type="none" w="med" len="med"/>
+              </a:ln>
+              <a:effectLst/>
+            </p:spPr>
+            <p:style>
+              <a:lnRef idx="1">
+                <a:schemeClr val="accent2"/>
+              </a:lnRef>
+              <a:fillRef idx="3">
+                <a:schemeClr val="accent2"/>
+              </a:fillRef>
+              <a:effectRef idx="2">
+                <a:schemeClr val="accent2"/>
+              </a:effectRef>
+              <a:fontRef idx="minor">
+                <a:schemeClr val="lt1"/>
+              </a:fontRef>
+            </p:style>
+            <p:txBody>
+              <a:bodyPr rot="0" spcFirstLastPara="0" vertOverflow="overflow" horzOverflow="overflow" vert="horz" wrap="square" lIns="182880" tIns="0" rIns="0" bIns="0" numCol="1" spcCol="0" rtlCol="0" fromWordArt="0" anchor="ctr" anchorCtr="0" forceAA="0" compatLnSpc="1">
+                <a:prstTxWarp prst="textNoShape">
+                  <a:avLst/>
+                </a:prstTxWarp>
+                <a:noAutofit/>
+              </a:bodyPr>
+              <a:lstStyle/>
+              <a:p>
+                <a:pPr defTabSz="932472" fontAlgn="base">
+                  <a:lnSpc>
+                    <a:spcPct val="90000"/>
+                  </a:lnSpc>
+                  <a:spcBef>
+                    <a:spcPct val="0"/>
+                  </a:spcBef>
+                  <a:spcAft>
+                    <a:spcPct val="0"/>
+                  </a:spcAft>
+                </a:pPr>
+                <a:r>
+                  <a:rPr lang="en-US" sz="1000" b="1" dirty="0">
+                    <a:gradFill>
+                      <a:gsLst>
+                        <a:gs pos="0">
+                          <a:srgbClr val="FFFFFF"/>
+                        </a:gs>
+                        <a:gs pos="100000">
+                          <a:srgbClr val="FFFFFF"/>
+                        </a:gs>
+                      </a:gsLst>
+                      <a:lin ang="5400000" scaled="0"/>
+                    </a:gradFill>
+                    <a:latin typeface="Lucida Console" panose="020B0609040504020204" pitchFamily="49" charset="0"/>
+                    <a:ea typeface="Segoe UI" pitchFamily="34" charset="0"/>
+                    <a:cs typeface="Segoe UI" pitchFamily="34" charset="0"/>
+                  </a:rPr>
+                  <a:t>Azure Data Lake Storage (ADLS) Gen2 APIs</a:t>
+                </a:r>
+              </a:p>
+            </p:txBody>
+          </p:sp>
+          <p:sp>
+            <p:nvSpPr>
+              <p:cNvPr id="34" name="Rectangle 33">
+                <a:extLst>
+                  <a:ext uri="{FF2B5EF4-FFF2-40B4-BE49-F238E27FC236}">
+                    <a16:creationId xmlns:a16="http://schemas.microsoft.com/office/drawing/2014/main" id="{85F1322C-7039-593D-AAE6-1156B45D6364}"/>
+                  </a:ext>
+                </a:extLst>
+              </p:cNvPr>
+              <p:cNvSpPr/>
+              <p:nvPr/>
+            </p:nvSpPr>
+            <p:spPr bwMode="auto">
+              <a:xfrm>
+                <a:off x="4969459" y="3770906"/>
+                <a:ext cx="1246010" cy="393590"/>
+              </a:xfrm>
+              <a:prstGeom prst="rect">
+                <a:avLst/>
+              </a:prstGeom>
+              <a:solidFill>
+                <a:schemeClr val="bg1"/>
+              </a:solidFill>
+              <a:ln>
+                <a:solidFill>
+                  <a:schemeClr val="tx1">
+                    <a:lumMod val="75000"/>
+                  </a:schemeClr>
+                </a:solidFill>
+                <a:headEnd type="none" w="med" len="med"/>
+                <a:tailEnd type="none" w="med" len="med"/>
+              </a:ln>
+              <a:effectLst/>
+            </p:spPr>
+            <p:style>
+              <a:lnRef idx="1">
+                <a:schemeClr val="accent2"/>
+              </a:lnRef>
+              <a:fillRef idx="3">
+                <a:schemeClr val="accent2"/>
+              </a:fillRef>
+              <a:effectRef idx="2">
+                <a:schemeClr val="accent2"/>
+              </a:effectRef>
+              <a:fontRef idx="minor">
+                <a:schemeClr val="lt1"/>
+              </a:fontRef>
+            </p:style>
+            <p:txBody>
+              <a:bodyPr rot="0" spcFirstLastPara="0" vertOverflow="overflow" horzOverflow="overflow" vert="horz" wrap="square" lIns="0" tIns="0" rIns="0" bIns="0" numCol="1" spcCol="0" rtlCol="0" fromWordArt="0" anchor="ctr" anchorCtr="0" forceAA="0" compatLnSpc="1">
+                <a:prstTxWarp prst="textNoShape">
+                  <a:avLst/>
+                </a:prstTxWarp>
+                <a:noAutofit/>
+              </a:bodyPr>
+              <a:lstStyle/>
+              <a:p>
+                <a:pPr algn="ctr" defTabSz="932472" fontAlgn="base">
+                  <a:lnSpc>
+                    <a:spcPct val="90000"/>
+                  </a:lnSpc>
+                  <a:spcBef>
+                    <a:spcPct val="0"/>
+                  </a:spcBef>
+                  <a:spcAft>
+                    <a:spcPct val="0"/>
+                  </a:spcAft>
+                </a:pPr>
+                <a:r>
+                  <a:rPr lang="en-US" sz="1000" b="1" dirty="0">
+                    <a:solidFill>
+                      <a:schemeClr val="tx1"/>
+                    </a:solidFill>
+                    <a:latin typeface="Lucida Console" panose="020B0609040504020204" pitchFamily="49" charset="0"/>
+                    <a:ea typeface="Segoe UI" pitchFamily="34" charset="0"/>
+                    <a:cs typeface="Segoe UI" pitchFamily="34" charset="0"/>
+                  </a:rPr>
+                  <a:t>CI/CD Task 5</a:t>
+                </a:r>
+              </a:p>
+            </p:txBody>
+          </p:sp>
+        </p:grpSp>
+        <p:grpSp>
+          <p:nvGrpSpPr>
+            <p:cNvPr id="35" name="Group 34">
               <a:extLst>
                 <a:ext uri="{FF2B5EF4-FFF2-40B4-BE49-F238E27FC236}">
-                  <a16:creationId xmlns:a16="http://schemas.microsoft.com/office/drawing/2014/main" id="{AA7153D5-F24C-FA79-BA33-471806F82D16}"/>
+                  <a16:creationId xmlns:a16="http://schemas.microsoft.com/office/drawing/2014/main" id="{DC87952E-460A-0C85-2A65-5C1EA4D2B2A9}"/>
                 </a:ext>
               </a:extLst>
             </p:cNvPr>
-            <p:cNvSpPr/>
+            <p:cNvGrpSpPr/>
             <p:nvPr/>
-          </p:nvSpPr>
-          <p:spPr bwMode="auto">
+          </p:nvGrpSpPr>
+          <p:grpSpPr>
             <a:xfrm>
-              <a:off x="4969459" y="3770906"/>
-              <a:ext cx="1246010" cy="393590"/>
+              <a:off x="1352499" y="3378040"/>
+              <a:ext cx="5908139" cy="343430"/>
+              <a:chOff x="4969459" y="3770906"/>
+              <a:chExt cx="5908139" cy="412806"/>
             </a:xfrm>
-            <a:prstGeom prst="rect">
-              <a:avLst/>
-            </a:prstGeom>
-            <a:solidFill>
-              <a:schemeClr val="bg1"/>
-            </a:solidFill>
-            <a:ln>
+          </p:grpSpPr>
+          <p:sp>
+            <p:nvSpPr>
+              <p:cNvPr id="36" name="Arrow: Right 35">
+                <a:extLst>
+                  <a:ext uri="{FF2B5EF4-FFF2-40B4-BE49-F238E27FC236}">
+                    <a16:creationId xmlns:a16="http://schemas.microsoft.com/office/drawing/2014/main" id="{44188F5B-049C-34B2-57AA-79218B292EB0}"/>
+                  </a:ext>
+                </a:extLst>
+              </p:cNvPr>
+              <p:cNvSpPr/>
+              <p:nvPr/>
+            </p:nvSpPr>
+            <p:spPr bwMode="auto">
+              <a:xfrm>
+                <a:off x="6279406" y="3840846"/>
+                <a:ext cx="903714" cy="323650"/>
+              </a:xfrm>
+              <a:prstGeom prst="rightArrow">
+                <a:avLst>
+                  <a:gd name="adj1" fmla="val 61383"/>
+                  <a:gd name="adj2" fmla="val 50000"/>
+                </a:avLst>
+              </a:prstGeom>
               <a:solidFill>
-                <a:schemeClr val="tx1">
-                  <a:lumMod val="75000"/>
+                <a:srgbClr val="C00000"/>
+              </a:solidFill>
+              <a:ln>
+                <a:noFill/>
+                <a:headEnd type="none" w="med" len="med"/>
+                <a:tailEnd type="none" w="med" len="med"/>
+              </a:ln>
+              <a:effectLst/>
+            </p:spPr>
+            <p:style>
+              <a:lnRef idx="1">
+                <a:schemeClr val="accent2"/>
+              </a:lnRef>
+              <a:fillRef idx="3">
+                <a:schemeClr val="accent2"/>
+              </a:fillRef>
+              <a:effectRef idx="2">
+                <a:schemeClr val="accent2"/>
+              </a:effectRef>
+              <a:fontRef idx="minor">
+                <a:schemeClr val="lt1"/>
+              </a:fontRef>
+            </p:style>
+            <p:txBody>
+              <a:bodyPr rot="0" spcFirstLastPara="0" vertOverflow="overflow" horzOverflow="overflow" vert="horz" wrap="square" lIns="0" tIns="0" rIns="0" bIns="0" numCol="1" spcCol="0" rtlCol="0" fromWordArt="0" anchor="ctr" anchorCtr="0" forceAA="0" compatLnSpc="1">
+                <a:prstTxWarp prst="textNoShape">
+                  <a:avLst/>
+                </a:prstTxWarp>
+                <a:noAutofit/>
+              </a:bodyPr>
+              <a:lstStyle/>
+              <a:p>
+                <a:pPr algn="ctr" defTabSz="932472" fontAlgn="base">
+                  <a:lnSpc>
+                    <a:spcPct val="90000"/>
+                  </a:lnSpc>
+                  <a:spcBef>
+                    <a:spcPct val="0"/>
+                  </a:spcBef>
+                  <a:spcAft>
+                    <a:spcPct val="0"/>
+                  </a:spcAft>
+                </a:pPr>
+                <a:r>
+                  <a:rPr lang="en-US" sz="900" b="1" dirty="0">
+                    <a:gradFill>
+                      <a:gsLst>
+                        <a:gs pos="0">
+                          <a:srgbClr val="FFFFFF"/>
+                        </a:gs>
+                        <a:gs pos="100000">
+                          <a:srgbClr val="FFFFFF"/>
+                        </a:gs>
+                      </a:gsLst>
+                      <a:lin ang="5400000" scaled="0"/>
+                    </a:gradFill>
+                    <a:latin typeface="Lucida Console" panose="020B0609040504020204" pitchFamily="49" charset="0"/>
+                    <a:ea typeface="Segoe UI" pitchFamily="34" charset="0"/>
+                    <a:cs typeface="Segoe UI" pitchFamily="34" charset="0"/>
+                  </a:rPr>
+                  <a:t>API call</a:t>
+                </a:r>
+              </a:p>
+            </p:txBody>
+          </p:sp>
+          <p:sp>
+            <p:nvSpPr>
+              <p:cNvPr id="37" name="Rectangle 36">
+                <a:extLst>
+                  <a:ext uri="{FF2B5EF4-FFF2-40B4-BE49-F238E27FC236}">
+                    <a16:creationId xmlns:a16="http://schemas.microsoft.com/office/drawing/2014/main" id="{CDB1DD1B-9F33-E3C8-FAC8-3E76653FCAD6}"/>
+                  </a:ext>
+                </a:extLst>
+              </p:cNvPr>
+              <p:cNvSpPr/>
+              <p:nvPr/>
+            </p:nvSpPr>
+            <p:spPr bwMode="auto">
+              <a:xfrm>
+                <a:off x="7206417" y="3790122"/>
+                <a:ext cx="3671181" cy="393590"/>
+              </a:xfrm>
+              <a:prstGeom prst="rect">
+                <a:avLst/>
+              </a:prstGeom>
+              <a:solidFill>
+                <a:schemeClr val="accent2">
+                  <a:lumMod val="50000"/>
                 </a:schemeClr>
               </a:solidFill>
-              <a:headEnd type="none" w="med" len="med"/>
-              <a:tailEnd type="none" w="med" len="med"/>
-            </a:ln>
-            <a:effectLst/>
-          </p:spPr>
-          <p:style>
-            <a:lnRef idx="1">
-              <a:schemeClr val="accent2"/>
-            </a:lnRef>
-            <a:fillRef idx="3">
-              <a:schemeClr val="accent2"/>
-            </a:fillRef>
-            <a:effectRef idx="2">
-              <a:schemeClr val="accent2"/>
-            </a:effectRef>
-            <a:fontRef idx="minor">
-              <a:schemeClr val="lt1"/>
-            </a:fontRef>
-          </p:style>
-          <p:txBody>
-            <a:bodyPr rot="0" spcFirstLastPara="0" vertOverflow="overflow" horzOverflow="overflow" vert="horz" wrap="square" lIns="0" tIns="0" rIns="0" bIns="0" numCol="1" spcCol="0" rtlCol="0" fromWordArt="0" anchor="ctr" anchorCtr="0" forceAA="0" compatLnSpc="1">
-              <a:prstTxWarp prst="textNoShape">
+              <a:ln>
+                <a:noFill/>
+                <a:headEnd type="none" w="med" len="med"/>
+                <a:tailEnd type="none" w="med" len="med"/>
+              </a:ln>
+              <a:effectLst/>
+            </p:spPr>
+            <p:style>
+              <a:lnRef idx="1">
+                <a:schemeClr val="accent2"/>
+              </a:lnRef>
+              <a:fillRef idx="3">
+                <a:schemeClr val="accent2"/>
+              </a:fillRef>
+              <a:effectRef idx="2">
+                <a:schemeClr val="accent2"/>
+              </a:effectRef>
+              <a:fontRef idx="minor">
+                <a:schemeClr val="lt1"/>
+              </a:fontRef>
+            </p:style>
+            <p:txBody>
+              <a:bodyPr rot="0" spcFirstLastPara="0" vertOverflow="overflow" horzOverflow="overflow" vert="horz" wrap="square" lIns="182880" tIns="0" rIns="0" bIns="0" numCol="1" spcCol="0" rtlCol="0" fromWordArt="0" anchor="ctr" anchorCtr="0" forceAA="0" compatLnSpc="1">
+                <a:prstTxWarp prst="textNoShape">
+                  <a:avLst/>
+                </a:prstTxWarp>
+                <a:noAutofit/>
+              </a:bodyPr>
+              <a:lstStyle/>
+              <a:p>
+                <a:pPr defTabSz="932472" fontAlgn="base">
+                  <a:lnSpc>
+                    <a:spcPct val="90000"/>
+                  </a:lnSpc>
+                  <a:spcBef>
+                    <a:spcPct val="0"/>
+                  </a:spcBef>
+                  <a:spcAft>
+                    <a:spcPct val="0"/>
+                  </a:spcAft>
+                </a:pPr>
+                <a:r>
+                  <a:rPr lang="en-US" sz="1000" b="1" dirty="0">
+                    <a:gradFill>
+                      <a:gsLst>
+                        <a:gs pos="0">
+                          <a:srgbClr val="FFFFFF"/>
+                        </a:gs>
+                        <a:gs pos="100000">
+                          <a:srgbClr val="FFFFFF"/>
+                        </a:gs>
+                      </a:gsLst>
+                      <a:lin ang="5400000" scaled="0"/>
+                    </a:gradFill>
+                    <a:latin typeface="Lucida Console" panose="020B0609040504020204" pitchFamily="49" charset="0"/>
+                    <a:ea typeface="Segoe UI" pitchFamily="34" charset="0"/>
+                    <a:cs typeface="Segoe UI" pitchFamily="34" charset="0"/>
+                  </a:rPr>
+                  <a:t>Azure DevOps Services REST API</a:t>
+                </a:r>
+              </a:p>
+            </p:txBody>
+          </p:sp>
+          <p:sp>
+            <p:nvSpPr>
+              <p:cNvPr id="38" name="Rectangle 37">
+                <a:extLst>
+                  <a:ext uri="{FF2B5EF4-FFF2-40B4-BE49-F238E27FC236}">
+                    <a16:creationId xmlns:a16="http://schemas.microsoft.com/office/drawing/2014/main" id="{3C151EFA-D0FB-17C0-DB63-FE1043914CEE}"/>
+                  </a:ext>
+                </a:extLst>
+              </p:cNvPr>
+              <p:cNvSpPr/>
+              <p:nvPr/>
+            </p:nvSpPr>
+            <p:spPr bwMode="auto">
+              <a:xfrm>
+                <a:off x="4969459" y="3770906"/>
+                <a:ext cx="1246010" cy="393590"/>
+              </a:xfrm>
+              <a:prstGeom prst="rect">
                 <a:avLst/>
-              </a:prstTxWarp>
-              <a:noAutofit/>
-            </a:bodyPr>
-            <a:lstStyle/>
-            <a:p>
-              <a:pPr algn="ctr" defTabSz="932472" fontAlgn="base">
-                <a:lnSpc>
-                  <a:spcPct val="90000"/>
-                </a:lnSpc>
-                <a:spcBef>
-                  <a:spcPct val="0"/>
-                </a:spcBef>
-                <a:spcAft>
-                  <a:spcPct val="0"/>
-                </a:spcAft>
-              </a:pPr>
-              <a:r>
-                <a:rPr lang="en-US" sz="1000" b="1" dirty="0">
-                  <a:solidFill>
-                    <a:schemeClr val="tx1"/>
-                  </a:solidFill>
-                  <a:latin typeface="Lucida Console" panose="020B0609040504020204" pitchFamily="49" charset="0"/>
-                  <a:ea typeface="Segoe UI" pitchFamily="34" charset="0"/>
-                  <a:cs typeface="Segoe UI" pitchFamily="34" charset="0"/>
-                </a:rPr>
-                <a:t>CI/CD Task 3</a:t>
-              </a:r>
-            </a:p>
-          </p:txBody>
-        </p:sp>
-      </p:grpSp>
-      <p:grpSp>
-        <p:nvGrpSpPr>
-          <p:cNvPr id="27" name="Group 26">
-            <a:extLst>
-              <a:ext uri="{FF2B5EF4-FFF2-40B4-BE49-F238E27FC236}">
-                <a16:creationId xmlns:a16="http://schemas.microsoft.com/office/drawing/2014/main" id="{217B03C9-2131-6750-72C3-7029993D4924}"/>
-              </a:ext>
-            </a:extLst>
-          </p:cNvPr>
-          <p:cNvGrpSpPr/>
-          <p:nvPr/>
-        </p:nvGrpSpPr>
-        <p:grpSpPr>
-          <a:xfrm>
-            <a:off x="1352499" y="2442602"/>
-            <a:ext cx="5908139" cy="343430"/>
-            <a:chOff x="4969459" y="3770906"/>
-            <a:chExt cx="5908139" cy="412806"/>
-          </a:xfrm>
-        </p:grpSpPr>
-        <p:sp>
-          <p:nvSpPr>
-            <p:cNvPr id="28" name="Arrow: Right 27">
+              </a:prstGeom>
+              <a:solidFill>
+                <a:schemeClr val="bg1"/>
+              </a:solidFill>
+              <a:ln>
+                <a:solidFill>
+                  <a:schemeClr val="tx1">
+                    <a:lumMod val="75000"/>
+                  </a:schemeClr>
+                </a:solidFill>
+                <a:headEnd type="none" w="med" len="med"/>
+                <a:tailEnd type="none" w="med" len="med"/>
+              </a:ln>
+              <a:effectLst/>
+            </p:spPr>
+            <p:style>
+              <a:lnRef idx="1">
+                <a:schemeClr val="accent2"/>
+              </a:lnRef>
+              <a:fillRef idx="3">
+                <a:schemeClr val="accent2"/>
+              </a:fillRef>
+              <a:effectRef idx="2">
+                <a:schemeClr val="accent2"/>
+              </a:effectRef>
+              <a:fontRef idx="minor">
+                <a:schemeClr val="lt1"/>
+              </a:fontRef>
+            </p:style>
+            <p:txBody>
+              <a:bodyPr rot="0" spcFirstLastPara="0" vertOverflow="overflow" horzOverflow="overflow" vert="horz" wrap="square" lIns="0" tIns="0" rIns="0" bIns="0" numCol="1" spcCol="0" rtlCol="0" fromWordArt="0" anchor="ctr" anchorCtr="0" forceAA="0" compatLnSpc="1">
+                <a:prstTxWarp prst="textNoShape">
+                  <a:avLst/>
+                </a:prstTxWarp>
+                <a:noAutofit/>
+              </a:bodyPr>
+              <a:lstStyle/>
+              <a:p>
+                <a:pPr algn="ctr" defTabSz="932472" fontAlgn="base">
+                  <a:lnSpc>
+                    <a:spcPct val="90000"/>
+                  </a:lnSpc>
+                  <a:spcBef>
+                    <a:spcPct val="0"/>
+                  </a:spcBef>
+                  <a:spcAft>
+                    <a:spcPct val="0"/>
+                  </a:spcAft>
+                </a:pPr>
+                <a:r>
+                  <a:rPr lang="en-US" sz="1000" b="1" dirty="0">
+                    <a:solidFill>
+                      <a:schemeClr val="tx1"/>
+                    </a:solidFill>
+                    <a:latin typeface="Lucida Console" panose="020B0609040504020204" pitchFamily="49" charset="0"/>
+                    <a:ea typeface="Segoe UI" pitchFamily="34" charset="0"/>
+                    <a:cs typeface="Segoe UI" pitchFamily="34" charset="0"/>
+                  </a:rPr>
+                  <a:t>CI/CD Task 6</a:t>
+                </a:r>
+              </a:p>
+            </p:txBody>
+          </p:sp>
+        </p:grpSp>
+        <p:grpSp>
+          <p:nvGrpSpPr>
+            <p:cNvPr id="39" name="Group 38">
               <a:extLst>
                 <a:ext uri="{FF2B5EF4-FFF2-40B4-BE49-F238E27FC236}">
-                  <a16:creationId xmlns:a16="http://schemas.microsoft.com/office/drawing/2014/main" id="{AAEB7D31-E3EF-B162-77F3-BBAC184D13F9}"/>
+                  <a16:creationId xmlns:a16="http://schemas.microsoft.com/office/drawing/2014/main" id="{5AD7E3D3-5BB8-2021-5BA2-72E557315C43}"/>
                 </a:ext>
               </a:extLst>
             </p:cNvPr>
-            <p:cNvSpPr/>
+            <p:cNvGrpSpPr/>
             <p:nvPr/>
-          </p:nvSpPr>
-          <p:spPr bwMode="auto">
+          </p:nvGrpSpPr>
+          <p:grpSpPr>
             <a:xfrm>
-              <a:off x="6279406" y="3840846"/>
-              <a:ext cx="903714" cy="323650"/>
+              <a:off x="1352499" y="3850060"/>
+              <a:ext cx="5908139" cy="343430"/>
+              <a:chOff x="4969459" y="3770906"/>
+              <a:chExt cx="5908139" cy="412806"/>
             </a:xfrm>
-            <a:prstGeom prst="rightArrow">
-              <a:avLst>
-                <a:gd name="adj1" fmla="val 61383"/>
-                <a:gd name="adj2" fmla="val 50000"/>
-              </a:avLst>
-            </a:prstGeom>
-            <a:solidFill>
-              <a:srgbClr val="C00000"/>
-            </a:solidFill>
-            <a:ln>
-              <a:noFill/>
-              <a:headEnd type="none" w="med" len="med"/>
-              <a:tailEnd type="none" w="med" len="med"/>
-            </a:ln>
-            <a:effectLst/>
-          </p:spPr>
-          <p:style>
-            <a:lnRef idx="1">
-              <a:schemeClr val="accent2"/>
-            </a:lnRef>
-            <a:fillRef idx="3">
-              <a:schemeClr val="accent2"/>
-            </a:fillRef>
-            <a:effectRef idx="2">
-              <a:schemeClr val="accent2"/>
-            </a:effectRef>
-            <a:fontRef idx="minor">
-              <a:schemeClr val="lt1"/>
-            </a:fontRef>
-          </p:style>
-          <p:txBody>
-            <a:bodyPr rot="0" spcFirstLastPara="0" vertOverflow="overflow" horzOverflow="overflow" vert="horz" wrap="square" lIns="0" tIns="0" rIns="0" bIns="0" numCol="1" spcCol="0" rtlCol="0" fromWordArt="0" anchor="ctr" anchorCtr="0" forceAA="0" compatLnSpc="1">
-              <a:prstTxWarp prst="textNoShape">
+          </p:grpSpPr>
+          <p:sp>
+            <p:nvSpPr>
+              <p:cNvPr id="40" name="Arrow: Right 39">
+                <a:extLst>
+                  <a:ext uri="{FF2B5EF4-FFF2-40B4-BE49-F238E27FC236}">
+                    <a16:creationId xmlns:a16="http://schemas.microsoft.com/office/drawing/2014/main" id="{0E1EEFB1-108C-CD75-0864-A6144F5F4ABD}"/>
+                  </a:ext>
+                </a:extLst>
+              </p:cNvPr>
+              <p:cNvSpPr/>
+              <p:nvPr/>
+            </p:nvSpPr>
+            <p:spPr bwMode="auto">
+              <a:xfrm>
+                <a:off x="6279406" y="3840846"/>
+                <a:ext cx="903714" cy="323650"/>
+              </a:xfrm>
+              <a:prstGeom prst="rightArrow">
+                <a:avLst>
+                  <a:gd name="adj1" fmla="val 61383"/>
+                  <a:gd name="adj2" fmla="val 50000"/>
+                </a:avLst>
+              </a:prstGeom>
+              <a:solidFill>
+                <a:srgbClr val="C00000"/>
+              </a:solidFill>
+              <a:ln>
+                <a:noFill/>
+                <a:headEnd type="none" w="med" len="med"/>
+                <a:tailEnd type="none" w="med" len="med"/>
+              </a:ln>
+              <a:effectLst/>
+            </p:spPr>
+            <p:style>
+              <a:lnRef idx="1">
+                <a:schemeClr val="accent2"/>
+              </a:lnRef>
+              <a:fillRef idx="3">
+                <a:schemeClr val="accent2"/>
+              </a:fillRef>
+              <a:effectRef idx="2">
+                <a:schemeClr val="accent2"/>
+              </a:effectRef>
+              <a:fontRef idx="minor">
+                <a:schemeClr val="lt1"/>
+              </a:fontRef>
+            </p:style>
+            <p:txBody>
+              <a:bodyPr rot="0" spcFirstLastPara="0" vertOverflow="overflow" horzOverflow="overflow" vert="horz" wrap="square" lIns="0" tIns="0" rIns="0" bIns="0" numCol="1" spcCol="0" rtlCol="0" fromWordArt="0" anchor="ctr" anchorCtr="0" forceAA="0" compatLnSpc="1">
+                <a:prstTxWarp prst="textNoShape">
+                  <a:avLst/>
+                </a:prstTxWarp>
+                <a:noAutofit/>
+              </a:bodyPr>
+              <a:lstStyle/>
+              <a:p>
+                <a:pPr algn="ctr" defTabSz="932472" fontAlgn="base">
+                  <a:lnSpc>
+                    <a:spcPct val="90000"/>
+                  </a:lnSpc>
+                  <a:spcBef>
+                    <a:spcPct val="0"/>
+                  </a:spcBef>
+                  <a:spcAft>
+                    <a:spcPct val="0"/>
+                  </a:spcAft>
+                </a:pPr>
+                <a:r>
+                  <a:rPr lang="en-US" sz="900" b="1" dirty="0">
+                    <a:gradFill>
+                      <a:gsLst>
+                        <a:gs pos="0">
+                          <a:srgbClr val="FFFFFF"/>
+                        </a:gs>
+                        <a:gs pos="100000">
+                          <a:srgbClr val="FFFFFF"/>
+                        </a:gs>
+                      </a:gsLst>
+                      <a:lin ang="5400000" scaled="0"/>
+                    </a:gradFill>
+                    <a:latin typeface="Lucida Console" panose="020B0609040504020204" pitchFamily="49" charset="0"/>
+                    <a:ea typeface="Segoe UI" pitchFamily="34" charset="0"/>
+                    <a:cs typeface="Segoe UI" pitchFamily="34" charset="0"/>
+                  </a:rPr>
+                  <a:t>API call</a:t>
+                </a:r>
+              </a:p>
+            </p:txBody>
+          </p:sp>
+          <p:sp>
+            <p:nvSpPr>
+              <p:cNvPr id="41" name="Rectangle 40">
+                <a:extLst>
+                  <a:ext uri="{FF2B5EF4-FFF2-40B4-BE49-F238E27FC236}">
+                    <a16:creationId xmlns:a16="http://schemas.microsoft.com/office/drawing/2014/main" id="{E17462E7-EC60-79F5-DABA-E81AA938FFC4}"/>
+                  </a:ext>
+                </a:extLst>
+              </p:cNvPr>
+              <p:cNvSpPr/>
+              <p:nvPr/>
+            </p:nvSpPr>
+            <p:spPr bwMode="auto">
+              <a:xfrm>
+                <a:off x="7206417" y="3790122"/>
+                <a:ext cx="3671181" cy="393590"/>
+              </a:xfrm>
+              <a:prstGeom prst="rect">
                 <a:avLst/>
-              </a:prstTxWarp>
-              <a:noAutofit/>
-            </a:bodyPr>
-            <a:lstStyle/>
-            <a:p>
-              <a:pPr algn="ctr" defTabSz="932472" fontAlgn="base">
-                <a:lnSpc>
-                  <a:spcPct val="90000"/>
-                </a:lnSpc>
-                <a:spcBef>
-                  <a:spcPct val="0"/>
-                </a:spcBef>
-                <a:spcAft>
-                  <a:spcPct val="0"/>
-                </a:spcAft>
-              </a:pPr>
-              <a:r>
-                <a:rPr lang="en-US" sz="900" b="1" dirty="0">
-                  <a:gradFill>
-                    <a:gsLst>
-                      <a:gs pos="0">
-                        <a:srgbClr val="FFFFFF"/>
-                      </a:gs>
-                      <a:gs pos="100000">
-                        <a:srgbClr val="FFFFFF"/>
-                      </a:gs>
-                    </a:gsLst>
-                    <a:lin ang="5400000" scaled="0"/>
-                  </a:gradFill>
-                  <a:latin typeface="Lucida Console" panose="020B0609040504020204" pitchFamily="49" charset="0"/>
-                  <a:ea typeface="Segoe UI" pitchFamily="34" charset="0"/>
-                  <a:cs typeface="Segoe UI" pitchFamily="34" charset="0"/>
-                </a:rPr>
-                <a:t>API call</a:t>
-              </a:r>
-            </a:p>
-          </p:txBody>
-        </p:sp>
-        <p:sp>
-          <p:nvSpPr>
-            <p:cNvPr id="29" name="Rectangle 28">
-              <a:extLst>
-                <a:ext uri="{FF2B5EF4-FFF2-40B4-BE49-F238E27FC236}">
-                  <a16:creationId xmlns:a16="http://schemas.microsoft.com/office/drawing/2014/main" id="{4F9A0CF0-A14F-AD1C-9773-63778E4D7654}"/>
-                </a:ext>
-              </a:extLst>
-            </p:cNvPr>
-            <p:cNvSpPr/>
-            <p:nvPr/>
-          </p:nvSpPr>
-          <p:spPr bwMode="auto">
-            <a:xfrm>
-              <a:off x="7206417" y="3790122"/>
-              <a:ext cx="3671181" cy="393590"/>
-            </a:xfrm>
-            <a:prstGeom prst="rect">
-              <a:avLst/>
-            </a:prstGeom>
-            <a:solidFill>
-              <a:schemeClr val="accent2">
-                <a:lumMod val="50000"/>
-              </a:schemeClr>
-            </a:solidFill>
-            <a:ln>
-              <a:noFill/>
-              <a:headEnd type="none" w="med" len="med"/>
-              <a:tailEnd type="none" w="med" len="med"/>
-            </a:ln>
-            <a:effectLst/>
-          </p:spPr>
-          <p:style>
-            <a:lnRef idx="1">
-              <a:schemeClr val="accent2"/>
-            </a:lnRef>
-            <a:fillRef idx="3">
-              <a:schemeClr val="accent2"/>
-            </a:fillRef>
-            <a:effectRef idx="2">
-              <a:schemeClr val="accent2"/>
-            </a:effectRef>
-            <a:fontRef idx="minor">
-              <a:schemeClr val="lt1"/>
-            </a:fontRef>
-          </p:style>
-          <p:txBody>
-            <a:bodyPr rot="0" spcFirstLastPara="0" vertOverflow="overflow" horzOverflow="overflow" vert="horz" wrap="square" lIns="182880" tIns="0" rIns="0" bIns="0" numCol="1" spcCol="0" rtlCol="0" fromWordArt="0" anchor="ctr" anchorCtr="0" forceAA="0" compatLnSpc="1">
-              <a:prstTxWarp prst="textNoShape">
-                <a:avLst/>
-              </a:prstTxWarp>
-              <a:noAutofit/>
-            </a:bodyPr>
-            <a:lstStyle/>
-            <a:p>
-              <a:pPr defTabSz="932472" fontAlgn="base">
-                <a:lnSpc>
-                  <a:spcPct val="90000"/>
-                </a:lnSpc>
-                <a:spcBef>
-                  <a:spcPct val="0"/>
-                </a:spcBef>
-                <a:spcAft>
-                  <a:spcPct val="0"/>
-                </a:spcAft>
-              </a:pPr>
-              <a:r>
-                <a:rPr lang="en-US" sz="1000" b="1" dirty="0">
-                  <a:gradFill>
-                    <a:gsLst>
-                      <a:gs pos="0">
-                        <a:srgbClr val="FFFFFF"/>
-                      </a:gs>
-                      <a:gs pos="100000">
-                        <a:srgbClr val="FFFFFF"/>
-                      </a:gs>
-                    </a:gsLst>
-                    <a:lin ang="5400000" scaled="0"/>
-                  </a:gradFill>
-                  <a:latin typeface="Lucida Console" panose="020B0609040504020204" pitchFamily="49" charset="0"/>
-                  <a:ea typeface="Segoe UI" pitchFamily="34" charset="0"/>
-                  <a:cs typeface="Segoe UI" pitchFamily="34" charset="0"/>
-                </a:rPr>
-                <a:t>Tabular Object Model</a:t>
-              </a:r>
-            </a:p>
-          </p:txBody>
-        </p:sp>
-        <p:sp>
-          <p:nvSpPr>
-            <p:cNvPr id="30" name="Rectangle 29">
-              <a:extLst>
-                <a:ext uri="{FF2B5EF4-FFF2-40B4-BE49-F238E27FC236}">
-                  <a16:creationId xmlns:a16="http://schemas.microsoft.com/office/drawing/2014/main" id="{14E3F21D-26EB-6566-B818-C684FA92245D}"/>
-                </a:ext>
-              </a:extLst>
-            </p:cNvPr>
-            <p:cNvSpPr/>
-            <p:nvPr/>
-          </p:nvSpPr>
-          <p:spPr bwMode="auto">
-            <a:xfrm>
-              <a:off x="4969459" y="3770906"/>
-              <a:ext cx="1246010" cy="393590"/>
-            </a:xfrm>
-            <a:prstGeom prst="rect">
-              <a:avLst/>
-            </a:prstGeom>
-            <a:solidFill>
-              <a:schemeClr val="bg1"/>
-            </a:solidFill>
-            <a:ln>
+              </a:prstGeom>
               <a:solidFill>
-                <a:schemeClr val="tx1">
-                  <a:lumMod val="75000"/>
+                <a:schemeClr val="accent2">
+                  <a:lumMod val="50000"/>
                 </a:schemeClr>
               </a:solidFill>
-              <a:headEnd type="none" w="med" len="med"/>
-              <a:tailEnd type="none" w="med" len="med"/>
-            </a:ln>
-            <a:effectLst/>
-          </p:spPr>
-          <p:style>
-            <a:lnRef idx="1">
-              <a:schemeClr val="accent2"/>
-            </a:lnRef>
-            <a:fillRef idx="3">
-              <a:schemeClr val="accent2"/>
-            </a:fillRef>
-            <a:effectRef idx="2">
-              <a:schemeClr val="accent2"/>
-            </a:effectRef>
-            <a:fontRef idx="minor">
-              <a:schemeClr val="lt1"/>
-            </a:fontRef>
-          </p:style>
-          <p:txBody>
-            <a:bodyPr rot="0" spcFirstLastPara="0" vertOverflow="overflow" horzOverflow="overflow" vert="horz" wrap="square" lIns="0" tIns="0" rIns="0" bIns="0" numCol="1" spcCol="0" rtlCol="0" fromWordArt="0" anchor="ctr" anchorCtr="0" forceAA="0" compatLnSpc="1">
-              <a:prstTxWarp prst="textNoShape">
+              <a:ln>
+                <a:noFill/>
+                <a:headEnd type="none" w="med" len="med"/>
+                <a:tailEnd type="none" w="med" len="med"/>
+              </a:ln>
+              <a:effectLst/>
+            </p:spPr>
+            <p:style>
+              <a:lnRef idx="1">
+                <a:schemeClr val="accent2"/>
+              </a:lnRef>
+              <a:fillRef idx="3">
+                <a:schemeClr val="accent2"/>
+              </a:fillRef>
+              <a:effectRef idx="2">
+                <a:schemeClr val="accent2"/>
+              </a:effectRef>
+              <a:fontRef idx="minor">
+                <a:schemeClr val="lt1"/>
+              </a:fontRef>
+            </p:style>
+            <p:txBody>
+              <a:bodyPr rot="0" spcFirstLastPara="0" vertOverflow="overflow" horzOverflow="overflow" vert="horz" wrap="square" lIns="182880" tIns="0" rIns="0" bIns="0" numCol="1" spcCol="0" rtlCol="0" fromWordArt="0" anchor="ctr" anchorCtr="0" forceAA="0" compatLnSpc="1">
+                <a:prstTxWarp prst="textNoShape">
+                  <a:avLst/>
+                </a:prstTxWarp>
+                <a:noAutofit/>
+              </a:bodyPr>
+              <a:lstStyle/>
+              <a:p>
+                <a:pPr defTabSz="932472" fontAlgn="base">
+                  <a:lnSpc>
+                    <a:spcPct val="90000"/>
+                  </a:lnSpc>
+                  <a:spcBef>
+                    <a:spcPct val="0"/>
+                  </a:spcBef>
+                  <a:spcAft>
+                    <a:spcPct val="0"/>
+                  </a:spcAft>
+                </a:pPr>
+                <a:r>
+                  <a:rPr lang="en-US" sz="1000" b="1" dirty="0">
+                    <a:gradFill>
+                      <a:gsLst>
+                        <a:gs pos="0">
+                          <a:srgbClr val="FFFFFF"/>
+                        </a:gs>
+                        <a:gs pos="100000">
+                          <a:srgbClr val="FFFFFF"/>
+                        </a:gs>
+                      </a:gsLst>
+                      <a:lin ang="5400000" scaled="0"/>
+                    </a:gradFill>
+                    <a:latin typeface="Lucida Console" panose="020B0609040504020204" pitchFamily="49" charset="0"/>
+                    <a:ea typeface="Segoe UI" pitchFamily="34" charset="0"/>
+                    <a:cs typeface="Segoe UI" pitchFamily="34" charset="0"/>
+                  </a:rPr>
+                  <a:t>GitHub REST APIs</a:t>
+                </a:r>
+              </a:p>
+            </p:txBody>
+          </p:sp>
+          <p:sp>
+            <p:nvSpPr>
+              <p:cNvPr id="42" name="Rectangle 41">
+                <a:extLst>
+                  <a:ext uri="{FF2B5EF4-FFF2-40B4-BE49-F238E27FC236}">
+                    <a16:creationId xmlns:a16="http://schemas.microsoft.com/office/drawing/2014/main" id="{E0B2CC5E-1EF6-55C7-110F-D77556F5BB98}"/>
+                  </a:ext>
+                </a:extLst>
+              </p:cNvPr>
+              <p:cNvSpPr/>
+              <p:nvPr/>
+            </p:nvSpPr>
+            <p:spPr bwMode="auto">
+              <a:xfrm>
+                <a:off x="4969459" y="3770906"/>
+                <a:ext cx="1246010" cy="393590"/>
+              </a:xfrm>
+              <a:prstGeom prst="rect">
                 <a:avLst/>
-              </a:prstTxWarp>
-              <a:noAutofit/>
-            </a:bodyPr>
-            <a:lstStyle/>
-            <a:p>
-              <a:pPr algn="ctr" defTabSz="932472" fontAlgn="base">
-                <a:lnSpc>
-                  <a:spcPct val="90000"/>
-                </a:lnSpc>
-                <a:spcBef>
-                  <a:spcPct val="0"/>
-                </a:spcBef>
-                <a:spcAft>
-                  <a:spcPct val="0"/>
-                </a:spcAft>
-              </a:pPr>
-              <a:r>
-                <a:rPr lang="en-US" sz="1000" b="1" dirty="0">
-                  <a:solidFill>
-                    <a:schemeClr val="tx1"/>
-                  </a:solidFill>
-                  <a:latin typeface="Lucida Console" panose="020B0609040504020204" pitchFamily="49" charset="0"/>
-                  <a:ea typeface="Segoe UI" pitchFamily="34" charset="0"/>
-                  <a:cs typeface="Segoe UI" pitchFamily="34" charset="0"/>
-                </a:rPr>
-                <a:t>CI/CD Task 4</a:t>
-              </a:r>
-            </a:p>
-          </p:txBody>
-        </p:sp>
-      </p:grpSp>
-      <p:grpSp>
-        <p:nvGrpSpPr>
-          <p:cNvPr id="31" name="Group 30">
-            <a:extLst>
-              <a:ext uri="{FF2B5EF4-FFF2-40B4-BE49-F238E27FC236}">
-                <a16:creationId xmlns:a16="http://schemas.microsoft.com/office/drawing/2014/main" id="{58A6DFC6-FD50-5B5F-84CC-9C8B05418DA8}"/>
-              </a:ext>
-            </a:extLst>
-          </p:cNvPr>
-          <p:cNvGrpSpPr/>
-          <p:nvPr/>
-        </p:nvGrpSpPr>
-        <p:grpSpPr>
-          <a:xfrm>
-            <a:off x="1352499" y="2922006"/>
-            <a:ext cx="5908139" cy="343430"/>
-            <a:chOff x="4969459" y="3770906"/>
-            <a:chExt cx="5908139" cy="412806"/>
-          </a:xfrm>
-        </p:grpSpPr>
-        <p:sp>
-          <p:nvSpPr>
-            <p:cNvPr id="32" name="Arrow: Right 31">
-              <a:extLst>
-                <a:ext uri="{FF2B5EF4-FFF2-40B4-BE49-F238E27FC236}">
-                  <a16:creationId xmlns:a16="http://schemas.microsoft.com/office/drawing/2014/main" id="{9681DF32-4165-DFD6-C1F7-93D21FB40460}"/>
-                </a:ext>
-              </a:extLst>
-            </p:cNvPr>
-            <p:cNvSpPr/>
-            <p:nvPr/>
-          </p:nvSpPr>
-          <p:spPr bwMode="auto">
-            <a:xfrm>
-              <a:off x="6279406" y="3840846"/>
-              <a:ext cx="903714" cy="323650"/>
-            </a:xfrm>
-            <a:prstGeom prst="rightArrow">
-              <a:avLst>
-                <a:gd name="adj1" fmla="val 61383"/>
-                <a:gd name="adj2" fmla="val 50000"/>
-              </a:avLst>
-            </a:prstGeom>
-            <a:solidFill>
-              <a:srgbClr val="C00000"/>
-            </a:solidFill>
-            <a:ln>
-              <a:noFill/>
-              <a:headEnd type="none" w="med" len="med"/>
-              <a:tailEnd type="none" w="med" len="med"/>
-            </a:ln>
-            <a:effectLst/>
-          </p:spPr>
-          <p:style>
-            <a:lnRef idx="1">
-              <a:schemeClr val="accent2"/>
-            </a:lnRef>
-            <a:fillRef idx="3">
-              <a:schemeClr val="accent2"/>
-            </a:fillRef>
-            <a:effectRef idx="2">
-              <a:schemeClr val="accent2"/>
-            </a:effectRef>
-            <a:fontRef idx="minor">
-              <a:schemeClr val="lt1"/>
-            </a:fontRef>
-          </p:style>
-          <p:txBody>
-            <a:bodyPr rot="0" spcFirstLastPara="0" vertOverflow="overflow" horzOverflow="overflow" vert="horz" wrap="square" lIns="0" tIns="0" rIns="0" bIns="0" numCol="1" spcCol="0" rtlCol="0" fromWordArt="0" anchor="ctr" anchorCtr="0" forceAA="0" compatLnSpc="1">
-              <a:prstTxWarp prst="textNoShape">
-                <a:avLst/>
-              </a:prstTxWarp>
-              <a:noAutofit/>
-            </a:bodyPr>
-            <a:lstStyle/>
-            <a:p>
-              <a:pPr algn="ctr" defTabSz="932472" fontAlgn="base">
-                <a:lnSpc>
-                  <a:spcPct val="90000"/>
-                </a:lnSpc>
-                <a:spcBef>
-                  <a:spcPct val="0"/>
-                </a:spcBef>
-                <a:spcAft>
-                  <a:spcPct val="0"/>
-                </a:spcAft>
-              </a:pPr>
-              <a:r>
-                <a:rPr lang="en-US" sz="900" b="1" dirty="0">
-                  <a:gradFill>
-                    <a:gsLst>
-                      <a:gs pos="0">
-                        <a:srgbClr val="FFFFFF"/>
-                      </a:gs>
-                      <a:gs pos="100000">
-                        <a:srgbClr val="FFFFFF"/>
-                      </a:gs>
-                    </a:gsLst>
-                    <a:lin ang="5400000" scaled="0"/>
-                  </a:gradFill>
-                  <a:latin typeface="Lucida Console" panose="020B0609040504020204" pitchFamily="49" charset="0"/>
-                  <a:ea typeface="Segoe UI" pitchFamily="34" charset="0"/>
-                  <a:cs typeface="Segoe UI" pitchFamily="34" charset="0"/>
-                </a:rPr>
-                <a:t>API call</a:t>
-              </a:r>
-            </a:p>
-          </p:txBody>
-        </p:sp>
-        <p:sp>
-          <p:nvSpPr>
-            <p:cNvPr id="33" name="Rectangle 32">
-              <a:extLst>
-                <a:ext uri="{FF2B5EF4-FFF2-40B4-BE49-F238E27FC236}">
-                  <a16:creationId xmlns:a16="http://schemas.microsoft.com/office/drawing/2014/main" id="{A5281C2E-3FC9-99C1-3A03-91A6687BE15B}"/>
-                </a:ext>
-              </a:extLst>
-            </p:cNvPr>
-            <p:cNvSpPr/>
-            <p:nvPr/>
-          </p:nvSpPr>
-          <p:spPr bwMode="auto">
-            <a:xfrm>
-              <a:off x="7206417" y="3790122"/>
-              <a:ext cx="3671181" cy="393590"/>
-            </a:xfrm>
-            <a:prstGeom prst="rect">
-              <a:avLst/>
-            </a:prstGeom>
-            <a:solidFill>
-              <a:schemeClr val="accent2">
-                <a:lumMod val="50000"/>
-              </a:schemeClr>
-            </a:solidFill>
-            <a:ln>
-              <a:noFill/>
-              <a:headEnd type="none" w="med" len="med"/>
-              <a:tailEnd type="none" w="med" len="med"/>
-            </a:ln>
-            <a:effectLst/>
-          </p:spPr>
-          <p:style>
-            <a:lnRef idx="1">
-              <a:schemeClr val="accent2"/>
-            </a:lnRef>
-            <a:fillRef idx="3">
-              <a:schemeClr val="accent2"/>
-            </a:fillRef>
-            <a:effectRef idx="2">
-              <a:schemeClr val="accent2"/>
-            </a:effectRef>
-            <a:fontRef idx="minor">
-              <a:schemeClr val="lt1"/>
-            </a:fontRef>
-          </p:style>
-          <p:txBody>
-            <a:bodyPr rot="0" spcFirstLastPara="0" vertOverflow="overflow" horzOverflow="overflow" vert="horz" wrap="square" lIns="182880" tIns="0" rIns="0" bIns="0" numCol="1" spcCol="0" rtlCol="0" fromWordArt="0" anchor="ctr" anchorCtr="0" forceAA="0" compatLnSpc="1">
-              <a:prstTxWarp prst="textNoShape">
-                <a:avLst/>
-              </a:prstTxWarp>
-              <a:noAutofit/>
-            </a:bodyPr>
-            <a:lstStyle/>
-            <a:p>
-              <a:pPr defTabSz="932472" fontAlgn="base">
-                <a:lnSpc>
-                  <a:spcPct val="90000"/>
-                </a:lnSpc>
-                <a:spcBef>
-                  <a:spcPct val="0"/>
-                </a:spcBef>
-                <a:spcAft>
-                  <a:spcPct val="0"/>
-                </a:spcAft>
-              </a:pPr>
-              <a:r>
-                <a:rPr lang="en-US" sz="1000" b="1" dirty="0">
-                  <a:gradFill>
-                    <a:gsLst>
-                      <a:gs pos="0">
-                        <a:srgbClr val="FFFFFF"/>
-                      </a:gs>
-                      <a:gs pos="100000">
-                        <a:srgbClr val="FFFFFF"/>
-                      </a:gs>
-                    </a:gsLst>
-                    <a:lin ang="5400000" scaled="0"/>
-                  </a:gradFill>
-                  <a:latin typeface="Lucida Console" panose="020B0609040504020204" pitchFamily="49" charset="0"/>
-                  <a:ea typeface="Segoe UI" pitchFamily="34" charset="0"/>
-                  <a:cs typeface="Segoe UI" pitchFamily="34" charset="0"/>
-                </a:rPr>
-                <a:t>Azure Data Lake Storage (ADLS) Gen2 APIs</a:t>
-              </a:r>
-            </a:p>
-          </p:txBody>
-        </p:sp>
-        <p:sp>
-          <p:nvSpPr>
-            <p:cNvPr id="34" name="Rectangle 33">
-              <a:extLst>
-                <a:ext uri="{FF2B5EF4-FFF2-40B4-BE49-F238E27FC236}">
-                  <a16:creationId xmlns:a16="http://schemas.microsoft.com/office/drawing/2014/main" id="{85F1322C-7039-593D-AAE6-1156B45D6364}"/>
-                </a:ext>
-              </a:extLst>
-            </p:cNvPr>
-            <p:cNvSpPr/>
-            <p:nvPr/>
-          </p:nvSpPr>
-          <p:spPr bwMode="auto">
-            <a:xfrm>
-              <a:off x="4969459" y="3770906"/>
-              <a:ext cx="1246010" cy="393590"/>
-            </a:xfrm>
-            <a:prstGeom prst="rect">
-              <a:avLst/>
-            </a:prstGeom>
-            <a:solidFill>
-              <a:schemeClr val="bg1"/>
-            </a:solidFill>
-            <a:ln>
+              </a:prstGeom>
               <a:solidFill>
-                <a:schemeClr val="tx1">
-                  <a:lumMod val="75000"/>
-                </a:schemeClr>
+                <a:schemeClr val="bg1"/>
               </a:solidFill>
-              <a:headEnd type="none" w="med" len="med"/>
-              <a:tailEnd type="none" w="med" len="med"/>
-            </a:ln>
-            <a:effectLst/>
-          </p:spPr>
-          <p:style>
-            <a:lnRef idx="1">
-              <a:schemeClr val="accent2"/>
-            </a:lnRef>
-            <a:fillRef idx="3">
-              <a:schemeClr val="accent2"/>
-            </a:fillRef>
-            <a:effectRef idx="2">
-              <a:schemeClr val="accent2"/>
-            </a:effectRef>
-            <a:fontRef idx="minor">
-              <a:schemeClr val="lt1"/>
-            </a:fontRef>
-          </p:style>
-          <p:txBody>
-            <a:bodyPr rot="0" spcFirstLastPara="0" vertOverflow="overflow" horzOverflow="overflow" vert="horz" wrap="square" lIns="0" tIns="0" rIns="0" bIns="0" numCol="1" spcCol="0" rtlCol="0" fromWordArt="0" anchor="ctr" anchorCtr="0" forceAA="0" compatLnSpc="1">
-              <a:prstTxWarp prst="textNoShape">
-                <a:avLst/>
-              </a:prstTxWarp>
-              <a:noAutofit/>
-            </a:bodyPr>
-            <a:lstStyle/>
-            <a:p>
-              <a:pPr algn="ctr" defTabSz="932472" fontAlgn="base">
-                <a:lnSpc>
-                  <a:spcPct val="90000"/>
-                </a:lnSpc>
-                <a:spcBef>
-                  <a:spcPct val="0"/>
-                </a:spcBef>
-                <a:spcAft>
-                  <a:spcPct val="0"/>
-                </a:spcAft>
-              </a:pPr>
-              <a:r>
-                <a:rPr lang="en-US" sz="1000" b="1" dirty="0">
-                  <a:solidFill>
-                    <a:schemeClr val="tx1"/>
-                  </a:solidFill>
-                  <a:latin typeface="Lucida Console" panose="020B0609040504020204" pitchFamily="49" charset="0"/>
-                  <a:ea typeface="Segoe UI" pitchFamily="34" charset="0"/>
-                  <a:cs typeface="Segoe UI" pitchFamily="34" charset="0"/>
-                </a:rPr>
-                <a:t>CI/CD Task 5</a:t>
-              </a:r>
-            </a:p>
-          </p:txBody>
-        </p:sp>
-      </p:grpSp>
-      <p:grpSp>
-        <p:nvGrpSpPr>
-          <p:cNvPr id="35" name="Group 34">
-            <a:extLst>
-              <a:ext uri="{FF2B5EF4-FFF2-40B4-BE49-F238E27FC236}">
-                <a16:creationId xmlns:a16="http://schemas.microsoft.com/office/drawing/2014/main" id="{DC87952E-460A-0C85-2A65-5C1EA4D2B2A9}"/>
-              </a:ext>
-            </a:extLst>
-          </p:cNvPr>
-          <p:cNvGrpSpPr/>
-          <p:nvPr/>
-        </p:nvGrpSpPr>
-        <p:grpSpPr>
-          <a:xfrm>
-            <a:off x="1352499" y="3378040"/>
-            <a:ext cx="5908139" cy="343430"/>
-            <a:chOff x="4969459" y="3770906"/>
-            <a:chExt cx="5908139" cy="412806"/>
-          </a:xfrm>
-        </p:grpSpPr>
-        <p:sp>
-          <p:nvSpPr>
-            <p:cNvPr id="36" name="Arrow: Right 35">
-              <a:extLst>
-                <a:ext uri="{FF2B5EF4-FFF2-40B4-BE49-F238E27FC236}">
-                  <a16:creationId xmlns:a16="http://schemas.microsoft.com/office/drawing/2014/main" id="{44188F5B-049C-34B2-57AA-79218B292EB0}"/>
-                </a:ext>
-              </a:extLst>
-            </p:cNvPr>
-            <p:cNvSpPr/>
-            <p:nvPr/>
-          </p:nvSpPr>
-          <p:spPr bwMode="auto">
-            <a:xfrm>
-              <a:off x="6279406" y="3840846"/>
-              <a:ext cx="903714" cy="323650"/>
-            </a:xfrm>
-            <a:prstGeom prst="rightArrow">
-              <a:avLst>
-                <a:gd name="adj1" fmla="val 61383"/>
-                <a:gd name="adj2" fmla="val 50000"/>
-              </a:avLst>
-            </a:prstGeom>
-            <a:solidFill>
-              <a:srgbClr val="C00000"/>
-            </a:solidFill>
-            <a:ln>
-              <a:noFill/>
-              <a:headEnd type="none" w="med" len="med"/>
-              <a:tailEnd type="none" w="med" len="med"/>
-            </a:ln>
-            <a:effectLst/>
-          </p:spPr>
-          <p:style>
-            <a:lnRef idx="1">
-              <a:schemeClr val="accent2"/>
-            </a:lnRef>
-            <a:fillRef idx="3">
-              <a:schemeClr val="accent2"/>
-            </a:fillRef>
-            <a:effectRef idx="2">
-              <a:schemeClr val="accent2"/>
-            </a:effectRef>
-            <a:fontRef idx="minor">
-              <a:schemeClr val="lt1"/>
-            </a:fontRef>
-          </p:style>
-          <p:txBody>
-            <a:bodyPr rot="0" spcFirstLastPara="0" vertOverflow="overflow" horzOverflow="overflow" vert="horz" wrap="square" lIns="0" tIns="0" rIns="0" bIns="0" numCol="1" spcCol="0" rtlCol="0" fromWordArt="0" anchor="ctr" anchorCtr="0" forceAA="0" compatLnSpc="1">
-              <a:prstTxWarp prst="textNoShape">
-                <a:avLst/>
-              </a:prstTxWarp>
-              <a:noAutofit/>
-            </a:bodyPr>
-            <a:lstStyle/>
-            <a:p>
-              <a:pPr algn="ctr" defTabSz="932472" fontAlgn="base">
-                <a:lnSpc>
-                  <a:spcPct val="90000"/>
-                </a:lnSpc>
-                <a:spcBef>
-                  <a:spcPct val="0"/>
-                </a:spcBef>
-                <a:spcAft>
-                  <a:spcPct val="0"/>
-                </a:spcAft>
-              </a:pPr>
-              <a:r>
-                <a:rPr lang="en-US" sz="900" b="1" dirty="0">
-                  <a:gradFill>
-                    <a:gsLst>
-                      <a:gs pos="0">
-                        <a:srgbClr val="FFFFFF"/>
-                      </a:gs>
-                      <a:gs pos="100000">
-                        <a:srgbClr val="FFFFFF"/>
-                      </a:gs>
-                    </a:gsLst>
-                    <a:lin ang="5400000" scaled="0"/>
-                  </a:gradFill>
-                  <a:latin typeface="Lucida Console" panose="020B0609040504020204" pitchFamily="49" charset="0"/>
-                  <a:ea typeface="Segoe UI" pitchFamily="34" charset="0"/>
-                  <a:cs typeface="Segoe UI" pitchFamily="34" charset="0"/>
-                </a:rPr>
-                <a:t>API call</a:t>
-              </a:r>
-            </a:p>
-          </p:txBody>
-        </p:sp>
-        <p:sp>
-          <p:nvSpPr>
-            <p:cNvPr id="37" name="Rectangle 36">
-              <a:extLst>
-                <a:ext uri="{FF2B5EF4-FFF2-40B4-BE49-F238E27FC236}">
-                  <a16:creationId xmlns:a16="http://schemas.microsoft.com/office/drawing/2014/main" id="{CDB1DD1B-9F33-E3C8-FAC8-3E76653FCAD6}"/>
-                </a:ext>
-              </a:extLst>
-            </p:cNvPr>
-            <p:cNvSpPr/>
-            <p:nvPr/>
-          </p:nvSpPr>
-          <p:spPr bwMode="auto">
-            <a:xfrm>
-              <a:off x="7206417" y="3790122"/>
-              <a:ext cx="3671181" cy="393590"/>
-            </a:xfrm>
-            <a:prstGeom prst="rect">
-              <a:avLst/>
-            </a:prstGeom>
-            <a:solidFill>
-              <a:schemeClr val="accent2">
-                <a:lumMod val="50000"/>
-              </a:schemeClr>
-            </a:solidFill>
-            <a:ln>
-              <a:noFill/>
-              <a:headEnd type="none" w="med" len="med"/>
-              <a:tailEnd type="none" w="med" len="med"/>
-            </a:ln>
-            <a:effectLst/>
-          </p:spPr>
-          <p:style>
-            <a:lnRef idx="1">
-              <a:schemeClr val="accent2"/>
-            </a:lnRef>
-            <a:fillRef idx="3">
-              <a:schemeClr val="accent2"/>
-            </a:fillRef>
-            <a:effectRef idx="2">
-              <a:schemeClr val="accent2"/>
-            </a:effectRef>
-            <a:fontRef idx="minor">
-              <a:schemeClr val="lt1"/>
-            </a:fontRef>
-          </p:style>
-          <p:txBody>
-            <a:bodyPr rot="0" spcFirstLastPara="0" vertOverflow="overflow" horzOverflow="overflow" vert="horz" wrap="square" lIns="182880" tIns="0" rIns="0" bIns="0" numCol="1" spcCol="0" rtlCol="0" fromWordArt="0" anchor="ctr" anchorCtr="0" forceAA="0" compatLnSpc="1">
-              <a:prstTxWarp prst="textNoShape">
-                <a:avLst/>
-              </a:prstTxWarp>
-              <a:noAutofit/>
-            </a:bodyPr>
-            <a:lstStyle/>
-            <a:p>
-              <a:pPr defTabSz="932472" fontAlgn="base">
-                <a:lnSpc>
-                  <a:spcPct val="90000"/>
-                </a:lnSpc>
-                <a:spcBef>
-                  <a:spcPct val="0"/>
-                </a:spcBef>
-                <a:spcAft>
-                  <a:spcPct val="0"/>
-                </a:spcAft>
-              </a:pPr>
-              <a:r>
-                <a:rPr lang="en-US" sz="1000" b="1" dirty="0">
-                  <a:gradFill>
-                    <a:gsLst>
-                      <a:gs pos="0">
-                        <a:srgbClr val="FFFFFF"/>
-                      </a:gs>
-                      <a:gs pos="100000">
-                        <a:srgbClr val="FFFFFF"/>
-                      </a:gs>
-                    </a:gsLst>
-                    <a:lin ang="5400000" scaled="0"/>
-                  </a:gradFill>
-                  <a:latin typeface="Lucida Console" panose="020B0609040504020204" pitchFamily="49" charset="0"/>
-                  <a:ea typeface="Segoe UI" pitchFamily="34" charset="0"/>
-                  <a:cs typeface="Segoe UI" pitchFamily="34" charset="0"/>
-                </a:rPr>
-                <a:t>Azure DevOps Services REST API</a:t>
-              </a:r>
-            </a:p>
-          </p:txBody>
-        </p:sp>
-        <p:sp>
-          <p:nvSpPr>
-            <p:cNvPr id="38" name="Rectangle 37">
-              <a:extLst>
-                <a:ext uri="{FF2B5EF4-FFF2-40B4-BE49-F238E27FC236}">
-                  <a16:creationId xmlns:a16="http://schemas.microsoft.com/office/drawing/2014/main" id="{3C151EFA-D0FB-17C0-DB63-FE1043914CEE}"/>
-                </a:ext>
-              </a:extLst>
-            </p:cNvPr>
-            <p:cNvSpPr/>
-            <p:nvPr/>
-          </p:nvSpPr>
-          <p:spPr bwMode="auto">
-            <a:xfrm>
-              <a:off x="4969459" y="3770906"/>
-              <a:ext cx="1246010" cy="393590"/>
-            </a:xfrm>
-            <a:prstGeom prst="rect">
-              <a:avLst/>
-            </a:prstGeom>
-            <a:solidFill>
-              <a:schemeClr val="bg1"/>
-            </a:solidFill>
-            <a:ln>
-              <a:solidFill>
-                <a:schemeClr val="tx1">
-                  <a:lumMod val="75000"/>
-                </a:schemeClr>
-              </a:solidFill>
-              <a:headEnd type="none" w="med" len="med"/>
-              <a:tailEnd type="none" w="med" len="med"/>
-            </a:ln>
-            <a:effectLst/>
-          </p:spPr>
-          <p:style>
-            <a:lnRef idx="1">
-              <a:schemeClr val="accent2"/>
-            </a:lnRef>
-            <a:fillRef idx="3">
-              <a:schemeClr val="accent2"/>
-            </a:fillRef>
-            <a:effectRef idx="2">
-              <a:schemeClr val="accent2"/>
-            </a:effectRef>
-            <a:fontRef idx="minor">
-              <a:schemeClr val="lt1"/>
-            </a:fontRef>
-          </p:style>
-          <p:txBody>
-            <a:bodyPr rot="0" spcFirstLastPara="0" vertOverflow="overflow" horzOverflow="overflow" vert="horz" wrap="square" lIns="0" tIns="0" rIns="0" bIns="0" numCol="1" spcCol="0" rtlCol="0" fromWordArt="0" anchor="ctr" anchorCtr="0" forceAA="0" compatLnSpc="1">
-              <a:prstTxWarp prst="textNoShape">
-                <a:avLst/>
-              </a:prstTxWarp>
-              <a:noAutofit/>
-            </a:bodyPr>
-            <a:lstStyle/>
-            <a:p>
-              <a:pPr algn="ctr" defTabSz="932472" fontAlgn="base">
-                <a:lnSpc>
-                  <a:spcPct val="90000"/>
-                </a:lnSpc>
-                <a:spcBef>
-                  <a:spcPct val="0"/>
-                </a:spcBef>
-                <a:spcAft>
-                  <a:spcPct val="0"/>
-                </a:spcAft>
-              </a:pPr>
-              <a:r>
-                <a:rPr lang="en-US" sz="1000" b="1" dirty="0">
-                  <a:solidFill>
-                    <a:schemeClr val="tx1"/>
-                  </a:solidFill>
-                  <a:latin typeface="Lucida Console" panose="020B0609040504020204" pitchFamily="49" charset="0"/>
-                  <a:ea typeface="Segoe UI" pitchFamily="34" charset="0"/>
-                  <a:cs typeface="Segoe UI" pitchFamily="34" charset="0"/>
-                </a:rPr>
-                <a:t>CI/CD Task 6</a:t>
-              </a:r>
-            </a:p>
-          </p:txBody>
-        </p:sp>
-      </p:grpSp>
-      <p:grpSp>
-        <p:nvGrpSpPr>
-          <p:cNvPr id="39" name="Group 38">
-            <a:extLst>
-              <a:ext uri="{FF2B5EF4-FFF2-40B4-BE49-F238E27FC236}">
-                <a16:creationId xmlns:a16="http://schemas.microsoft.com/office/drawing/2014/main" id="{5AD7E3D3-5BB8-2021-5BA2-72E557315C43}"/>
-              </a:ext>
-            </a:extLst>
-          </p:cNvPr>
-          <p:cNvGrpSpPr/>
-          <p:nvPr/>
-        </p:nvGrpSpPr>
-        <p:grpSpPr>
-          <a:xfrm>
-            <a:off x="1352499" y="3850060"/>
-            <a:ext cx="5908139" cy="343430"/>
-            <a:chOff x="4969459" y="3770906"/>
-            <a:chExt cx="5908139" cy="412806"/>
-          </a:xfrm>
-        </p:grpSpPr>
-        <p:sp>
-          <p:nvSpPr>
-            <p:cNvPr id="40" name="Arrow: Right 39">
-              <a:extLst>
-                <a:ext uri="{FF2B5EF4-FFF2-40B4-BE49-F238E27FC236}">
-                  <a16:creationId xmlns:a16="http://schemas.microsoft.com/office/drawing/2014/main" id="{0E1EEFB1-108C-CD75-0864-A6144F5F4ABD}"/>
-                </a:ext>
-              </a:extLst>
-            </p:cNvPr>
-            <p:cNvSpPr/>
-            <p:nvPr/>
-          </p:nvSpPr>
-          <p:spPr bwMode="auto">
-            <a:xfrm>
-              <a:off x="6279406" y="3840846"/>
-              <a:ext cx="903714" cy="323650"/>
-            </a:xfrm>
-            <a:prstGeom prst="rightArrow">
-              <a:avLst>
-                <a:gd name="adj1" fmla="val 61383"/>
-                <a:gd name="adj2" fmla="val 50000"/>
-              </a:avLst>
-            </a:prstGeom>
-            <a:solidFill>
-              <a:srgbClr val="C00000"/>
-            </a:solidFill>
-            <a:ln>
-              <a:noFill/>
-              <a:headEnd type="none" w="med" len="med"/>
-              <a:tailEnd type="none" w="med" len="med"/>
-            </a:ln>
-            <a:effectLst/>
-          </p:spPr>
-          <p:style>
-            <a:lnRef idx="1">
-              <a:schemeClr val="accent2"/>
-            </a:lnRef>
-            <a:fillRef idx="3">
-              <a:schemeClr val="accent2"/>
-            </a:fillRef>
-            <a:effectRef idx="2">
-              <a:schemeClr val="accent2"/>
-            </a:effectRef>
-            <a:fontRef idx="minor">
-              <a:schemeClr val="lt1"/>
-            </a:fontRef>
-          </p:style>
-          <p:txBody>
-            <a:bodyPr rot="0" spcFirstLastPara="0" vertOverflow="overflow" horzOverflow="overflow" vert="horz" wrap="square" lIns="0" tIns="0" rIns="0" bIns="0" numCol="1" spcCol="0" rtlCol="0" fromWordArt="0" anchor="ctr" anchorCtr="0" forceAA="0" compatLnSpc="1">
-              <a:prstTxWarp prst="textNoShape">
-                <a:avLst/>
-              </a:prstTxWarp>
-              <a:noAutofit/>
-            </a:bodyPr>
-            <a:lstStyle/>
-            <a:p>
-              <a:pPr algn="ctr" defTabSz="932472" fontAlgn="base">
-                <a:lnSpc>
-                  <a:spcPct val="90000"/>
-                </a:lnSpc>
-                <a:spcBef>
-                  <a:spcPct val="0"/>
-                </a:spcBef>
-                <a:spcAft>
-                  <a:spcPct val="0"/>
-                </a:spcAft>
-              </a:pPr>
-              <a:r>
-                <a:rPr lang="en-US" sz="900" b="1" dirty="0">
-                  <a:gradFill>
-                    <a:gsLst>
-                      <a:gs pos="0">
-                        <a:srgbClr val="FFFFFF"/>
-                      </a:gs>
-                      <a:gs pos="100000">
-                        <a:srgbClr val="FFFFFF"/>
-                      </a:gs>
-                    </a:gsLst>
-                    <a:lin ang="5400000" scaled="0"/>
-                  </a:gradFill>
-                  <a:latin typeface="Lucida Console" panose="020B0609040504020204" pitchFamily="49" charset="0"/>
-                  <a:ea typeface="Segoe UI" pitchFamily="34" charset="0"/>
-                  <a:cs typeface="Segoe UI" pitchFamily="34" charset="0"/>
-                </a:rPr>
-                <a:t>API call</a:t>
-              </a:r>
-            </a:p>
-          </p:txBody>
-        </p:sp>
-        <p:sp>
-          <p:nvSpPr>
-            <p:cNvPr id="41" name="Rectangle 40">
-              <a:extLst>
-                <a:ext uri="{FF2B5EF4-FFF2-40B4-BE49-F238E27FC236}">
-                  <a16:creationId xmlns:a16="http://schemas.microsoft.com/office/drawing/2014/main" id="{E17462E7-EC60-79F5-DABA-E81AA938FFC4}"/>
-                </a:ext>
-              </a:extLst>
-            </p:cNvPr>
-            <p:cNvSpPr/>
-            <p:nvPr/>
-          </p:nvSpPr>
-          <p:spPr bwMode="auto">
-            <a:xfrm>
-              <a:off x="7206417" y="3790122"/>
-              <a:ext cx="3671181" cy="393590"/>
-            </a:xfrm>
-            <a:prstGeom prst="rect">
-              <a:avLst/>
-            </a:prstGeom>
-            <a:solidFill>
-              <a:schemeClr val="accent2">
-                <a:lumMod val="50000"/>
-              </a:schemeClr>
-            </a:solidFill>
-            <a:ln>
-              <a:noFill/>
-              <a:headEnd type="none" w="med" len="med"/>
-              <a:tailEnd type="none" w="med" len="med"/>
-            </a:ln>
-            <a:effectLst/>
-          </p:spPr>
-          <p:style>
-            <a:lnRef idx="1">
-              <a:schemeClr val="accent2"/>
-            </a:lnRef>
-            <a:fillRef idx="3">
-              <a:schemeClr val="accent2"/>
-            </a:fillRef>
-            <a:effectRef idx="2">
-              <a:schemeClr val="accent2"/>
-            </a:effectRef>
-            <a:fontRef idx="minor">
-              <a:schemeClr val="lt1"/>
-            </a:fontRef>
-          </p:style>
-          <p:txBody>
-            <a:bodyPr rot="0" spcFirstLastPara="0" vertOverflow="overflow" horzOverflow="overflow" vert="horz" wrap="square" lIns="182880" tIns="0" rIns="0" bIns="0" numCol="1" spcCol="0" rtlCol="0" fromWordArt="0" anchor="ctr" anchorCtr="0" forceAA="0" compatLnSpc="1">
-              <a:prstTxWarp prst="textNoShape">
-                <a:avLst/>
-              </a:prstTxWarp>
-              <a:noAutofit/>
-            </a:bodyPr>
-            <a:lstStyle/>
-            <a:p>
-              <a:pPr defTabSz="932472" fontAlgn="base">
-                <a:lnSpc>
-                  <a:spcPct val="90000"/>
-                </a:lnSpc>
-                <a:spcBef>
-                  <a:spcPct val="0"/>
-                </a:spcBef>
-                <a:spcAft>
-                  <a:spcPct val="0"/>
-                </a:spcAft>
-              </a:pPr>
-              <a:r>
-                <a:rPr lang="en-US" sz="1000" b="1" dirty="0">
-                  <a:gradFill>
-                    <a:gsLst>
-                      <a:gs pos="0">
-                        <a:srgbClr val="FFFFFF"/>
-                      </a:gs>
-                      <a:gs pos="100000">
-                        <a:srgbClr val="FFFFFF"/>
-                      </a:gs>
-                    </a:gsLst>
-                    <a:lin ang="5400000" scaled="0"/>
-                  </a:gradFill>
-                  <a:latin typeface="Lucida Console" panose="020B0609040504020204" pitchFamily="49" charset="0"/>
-                  <a:ea typeface="Segoe UI" pitchFamily="34" charset="0"/>
-                  <a:cs typeface="Segoe UI" pitchFamily="34" charset="0"/>
-                </a:rPr>
-                <a:t>GitHub REST APIs</a:t>
-              </a:r>
-            </a:p>
-          </p:txBody>
-        </p:sp>
-        <p:sp>
-          <p:nvSpPr>
-            <p:cNvPr id="42" name="Rectangle 41">
-              <a:extLst>
-                <a:ext uri="{FF2B5EF4-FFF2-40B4-BE49-F238E27FC236}">
-                  <a16:creationId xmlns:a16="http://schemas.microsoft.com/office/drawing/2014/main" id="{E0B2CC5E-1EF6-55C7-110F-D77556F5BB98}"/>
-                </a:ext>
-              </a:extLst>
-            </p:cNvPr>
-            <p:cNvSpPr/>
-            <p:nvPr/>
-          </p:nvSpPr>
-          <p:spPr bwMode="auto">
-            <a:xfrm>
-              <a:off x="4969459" y="3770906"/>
-              <a:ext cx="1246010" cy="393590"/>
-            </a:xfrm>
-            <a:prstGeom prst="rect">
-              <a:avLst/>
-            </a:prstGeom>
-            <a:solidFill>
-              <a:schemeClr val="bg1"/>
-            </a:solidFill>
-            <a:ln>
-              <a:solidFill>
-                <a:schemeClr val="tx1">
-                  <a:lumMod val="75000"/>
-                </a:schemeClr>
-              </a:solidFill>
-              <a:headEnd type="none" w="med" len="med"/>
-              <a:tailEnd type="none" w="med" len="med"/>
-            </a:ln>
-            <a:effectLst/>
-          </p:spPr>
-          <p:style>
-            <a:lnRef idx="1">
-              <a:schemeClr val="accent2"/>
-            </a:lnRef>
-            <a:fillRef idx="3">
-              <a:schemeClr val="accent2"/>
-            </a:fillRef>
-            <a:effectRef idx="2">
-              <a:schemeClr val="accent2"/>
-            </a:effectRef>
-            <a:fontRef idx="minor">
-              <a:schemeClr val="lt1"/>
-            </a:fontRef>
-          </p:style>
-          <p:txBody>
-            <a:bodyPr rot="0" spcFirstLastPara="0" vertOverflow="overflow" horzOverflow="overflow" vert="horz" wrap="square" lIns="0" tIns="0" rIns="0" bIns="0" numCol="1" spcCol="0" rtlCol="0" fromWordArt="0" anchor="ctr" anchorCtr="0" forceAA="0" compatLnSpc="1">
-              <a:prstTxWarp prst="textNoShape">
-                <a:avLst/>
-              </a:prstTxWarp>
-              <a:noAutofit/>
-            </a:bodyPr>
-            <a:lstStyle/>
-            <a:p>
-              <a:pPr algn="ctr" defTabSz="932472" fontAlgn="base">
-                <a:lnSpc>
-                  <a:spcPct val="90000"/>
-                </a:lnSpc>
-                <a:spcBef>
-                  <a:spcPct val="0"/>
-                </a:spcBef>
-                <a:spcAft>
-                  <a:spcPct val="0"/>
-                </a:spcAft>
-              </a:pPr>
-              <a:r>
-                <a:rPr lang="en-US" sz="1000" b="1" dirty="0">
-                  <a:solidFill>
-                    <a:schemeClr val="tx1"/>
-                  </a:solidFill>
-                  <a:latin typeface="Lucida Console" panose="020B0609040504020204" pitchFamily="49" charset="0"/>
-                  <a:ea typeface="Segoe UI" pitchFamily="34" charset="0"/>
-                  <a:cs typeface="Segoe UI" pitchFamily="34" charset="0"/>
-                </a:rPr>
-                <a:t>CI/CD Task 7</a:t>
-              </a:r>
-            </a:p>
-          </p:txBody>
-        </p:sp>
+              <a:ln>
+                <a:solidFill>
+                  <a:schemeClr val="tx1">
+                    <a:lumMod val="75000"/>
+                  </a:schemeClr>
+                </a:solidFill>
+                <a:headEnd type="none" w="med" len="med"/>
+                <a:tailEnd type="none" w="med" len="med"/>
+              </a:ln>
+              <a:effectLst/>
+            </p:spPr>
+            <p:style>
+              <a:lnRef idx="1">
+                <a:schemeClr val="accent2"/>
+              </a:lnRef>
+              <a:fillRef idx="3">
+                <a:schemeClr val="accent2"/>
+              </a:fillRef>
+              <a:effectRef idx="2">
+                <a:schemeClr val="accent2"/>
+              </a:effectRef>
+              <a:fontRef idx="minor">
+                <a:schemeClr val="lt1"/>
+              </a:fontRef>
+            </p:style>
+            <p:txBody>
+              <a:bodyPr rot="0" spcFirstLastPara="0" vertOverflow="overflow" horzOverflow="overflow" vert="horz" wrap="square" lIns="0" tIns="0" rIns="0" bIns="0" numCol="1" spcCol="0" rtlCol="0" fromWordArt="0" anchor="ctr" anchorCtr="0" forceAA="0" compatLnSpc="1">
+                <a:prstTxWarp prst="textNoShape">
+                  <a:avLst/>
+                </a:prstTxWarp>
+                <a:noAutofit/>
+              </a:bodyPr>
+              <a:lstStyle/>
+              <a:p>
+                <a:pPr algn="ctr" defTabSz="932472" fontAlgn="base">
+                  <a:lnSpc>
+                    <a:spcPct val="90000"/>
+                  </a:lnSpc>
+                  <a:spcBef>
+                    <a:spcPct val="0"/>
+                  </a:spcBef>
+                  <a:spcAft>
+                    <a:spcPct val="0"/>
+                  </a:spcAft>
+                </a:pPr>
+                <a:r>
+                  <a:rPr lang="en-US" sz="1000" b="1" dirty="0">
+                    <a:solidFill>
+                      <a:schemeClr val="tx1"/>
+                    </a:solidFill>
+                    <a:latin typeface="Lucida Console" panose="020B0609040504020204" pitchFamily="49" charset="0"/>
+                    <a:ea typeface="Segoe UI" pitchFamily="34" charset="0"/>
+                    <a:cs typeface="Segoe UI" pitchFamily="34" charset="0"/>
+                  </a:rPr>
+                  <a:t>CI/CD Task 7</a:t>
+                </a:r>
+              </a:p>
+            </p:txBody>
+          </p:sp>
+        </p:grpSp>
       </p:grpSp>
     </p:spTree>
     <p:extLst>
@@ -26389,6 +26469,869 @@
   <p:cSld>
     <p:spTree>
       <p:nvGrpSpPr>
+        <p:cNvPr id="1" name="">
+          <a:extLst>
+            <a:ext uri="{FF2B5EF4-FFF2-40B4-BE49-F238E27FC236}">
+              <a16:creationId xmlns:a16="http://schemas.microsoft.com/office/drawing/2014/main" id="{74378374-6D93-DE30-C294-CAB3A37D2574}"/>
+            </a:ext>
+          </a:extLst>
+        </p:cNvPr>
+        <p:cNvGrpSpPr/>
+        <p:nvPr/>
+      </p:nvGrpSpPr>
+      <p:grpSpPr>
+        <a:xfrm>
+          <a:off x="0" y="0"/>
+          <a:ext cx="0" cy="0"/>
+          <a:chOff x="0" y="0"/>
+          <a:chExt cx="0" cy="0"/>
+        </a:xfrm>
+      </p:grpSpPr>
+      <p:sp>
+        <p:nvSpPr>
+          <p:cNvPr id="32" name="Rectangle 31">
+            <a:extLst>
+              <a:ext uri="{FF2B5EF4-FFF2-40B4-BE49-F238E27FC236}">
+                <a16:creationId xmlns:a16="http://schemas.microsoft.com/office/drawing/2014/main" id="{21ECCAD9-6A29-E075-CA34-9A2388C8D4A2}"/>
+              </a:ext>
+            </a:extLst>
+          </p:cNvPr>
+          <p:cNvSpPr/>
+          <p:nvPr/>
+        </p:nvSpPr>
+        <p:spPr bwMode="auto">
+          <a:xfrm>
+            <a:off x="3642668" y="217216"/>
+            <a:ext cx="7199589" cy="2754583"/>
+          </a:xfrm>
+          <a:prstGeom prst="rect">
+            <a:avLst/>
+          </a:prstGeom>
+          <a:solidFill>
+            <a:schemeClr val="bg1">
+              <a:lumMod val="85000"/>
+            </a:schemeClr>
+          </a:solidFill>
+          <a:ln>
+            <a:solidFill>
+              <a:schemeClr val="tx1"/>
+            </a:solidFill>
+            <a:headEnd type="none" w="med" len="med"/>
+            <a:tailEnd type="none" w="med" len="med"/>
+          </a:ln>
+          <a:effectLst/>
+        </p:spPr>
+        <p:style>
+          <a:lnRef idx="1">
+            <a:schemeClr val="accent2"/>
+          </a:lnRef>
+          <a:fillRef idx="3">
+            <a:schemeClr val="accent2"/>
+          </a:fillRef>
+          <a:effectRef idx="2">
+            <a:schemeClr val="accent2"/>
+          </a:effectRef>
+          <a:fontRef idx="minor">
+            <a:schemeClr val="lt1"/>
+          </a:fontRef>
+        </p:style>
+        <p:txBody>
+          <a:bodyPr rot="0" spcFirstLastPara="0" vertOverflow="overflow" horzOverflow="overflow" vert="horz" wrap="square" lIns="0" tIns="0" rIns="0" bIns="0" numCol="1" spcCol="0" rtlCol="0" fromWordArt="0" anchor="ctr" anchorCtr="0" forceAA="0" compatLnSpc="1">
+            <a:prstTxWarp prst="textNoShape">
+              <a:avLst/>
+            </a:prstTxWarp>
+            <a:noAutofit/>
+          </a:bodyPr>
+          <a:lstStyle/>
+          <a:p>
+            <a:pPr algn="ctr" defTabSz="932472" fontAlgn="base">
+              <a:lnSpc>
+                <a:spcPct val="90000"/>
+              </a:lnSpc>
+              <a:spcBef>
+                <a:spcPct val="0"/>
+              </a:spcBef>
+              <a:spcAft>
+                <a:spcPct val="0"/>
+              </a:spcAft>
+            </a:pPr>
+            <a:endParaRPr lang="en-US" sz="1400" b="1" dirty="0">
+              <a:gradFill>
+                <a:gsLst>
+                  <a:gs pos="0">
+                    <a:srgbClr val="FFFFFF"/>
+                  </a:gs>
+                  <a:gs pos="100000">
+                    <a:srgbClr val="FFFFFF"/>
+                  </a:gs>
+                </a:gsLst>
+                <a:lin ang="5400000" scaled="0"/>
+              </a:gradFill>
+              <a:latin typeface="Lucida Console" panose="020B0609040504020204" pitchFamily="49" charset="0"/>
+              <a:ea typeface="Segoe UI" pitchFamily="34" charset="0"/>
+              <a:cs typeface="Segoe UI" pitchFamily="34" charset="0"/>
+            </a:endParaRPr>
+          </a:p>
+        </p:txBody>
+      </p:sp>
+      <p:sp>
+        <p:nvSpPr>
+          <p:cNvPr id="3" name="Rectangle 2">
+            <a:extLst>
+              <a:ext uri="{FF2B5EF4-FFF2-40B4-BE49-F238E27FC236}">
+                <a16:creationId xmlns:a16="http://schemas.microsoft.com/office/drawing/2014/main" id="{9B9E129A-F40B-78A4-043F-1056A6D0C222}"/>
+              </a:ext>
+            </a:extLst>
+          </p:cNvPr>
+          <p:cNvSpPr/>
+          <p:nvPr/>
+        </p:nvSpPr>
+        <p:spPr bwMode="auto">
+          <a:xfrm>
+            <a:off x="8395478" y="359323"/>
+            <a:ext cx="2306563" cy="2472518"/>
+          </a:xfrm>
+          <a:prstGeom prst="rect">
+            <a:avLst/>
+          </a:prstGeom>
+          <a:solidFill>
+            <a:schemeClr val="accent4">
+              <a:lumMod val="75000"/>
+            </a:schemeClr>
+          </a:solidFill>
+          <a:ln>
+            <a:noFill/>
+            <a:headEnd type="none" w="med" len="med"/>
+            <a:tailEnd type="none" w="med" len="med"/>
+          </a:ln>
+          <a:effectLst/>
+        </p:spPr>
+        <p:style>
+          <a:lnRef idx="1">
+            <a:schemeClr val="accent2"/>
+          </a:lnRef>
+          <a:fillRef idx="3">
+            <a:schemeClr val="accent2"/>
+          </a:fillRef>
+          <a:effectRef idx="2">
+            <a:schemeClr val="accent2"/>
+          </a:effectRef>
+          <a:fontRef idx="minor">
+            <a:schemeClr val="lt1"/>
+          </a:fontRef>
+        </p:style>
+        <p:txBody>
+          <a:bodyPr rot="0" spcFirstLastPara="0" vertOverflow="overflow" horzOverflow="overflow" vert="horz" wrap="square" lIns="0" tIns="0" rIns="0" bIns="0" numCol="1" spcCol="0" rtlCol="0" fromWordArt="0" anchor="ctr" anchorCtr="0" forceAA="0" compatLnSpc="1">
+            <a:prstTxWarp prst="textNoShape">
+              <a:avLst/>
+            </a:prstTxWarp>
+            <a:noAutofit/>
+          </a:bodyPr>
+          <a:lstStyle/>
+          <a:p>
+            <a:pPr algn="ctr" defTabSz="932472" fontAlgn="base">
+              <a:lnSpc>
+                <a:spcPct val="90000"/>
+              </a:lnSpc>
+              <a:spcBef>
+                <a:spcPct val="0"/>
+              </a:spcBef>
+              <a:spcAft>
+                <a:spcPct val="0"/>
+              </a:spcAft>
+            </a:pPr>
+            <a:r>
+              <a:rPr lang="en-US" sz="1600" b="1" dirty="0">
+                <a:gradFill>
+                  <a:gsLst>
+                    <a:gs pos="0">
+                      <a:srgbClr val="FFFFFF"/>
+                    </a:gs>
+                    <a:gs pos="100000">
+                      <a:srgbClr val="FFFFFF"/>
+                    </a:gs>
+                  </a:gsLst>
+                  <a:lin ang="5400000" scaled="0"/>
+                </a:gradFill>
+                <a:latin typeface="Lucida Console" panose="020B0609040504020204" pitchFamily="49" charset="0"/>
+                <a:ea typeface="Segoe UI" pitchFamily="34" charset="0"/>
+                <a:cs typeface="Segoe UI" pitchFamily="34" charset="0"/>
+              </a:rPr>
+              <a:t>Fabric</a:t>
+            </a:r>
+          </a:p>
+          <a:p>
+            <a:pPr algn="ctr" defTabSz="932472" fontAlgn="base">
+              <a:lnSpc>
+                <a:spcPct val="90000"/>
+              </a:lnSpc>
+              <a:spcBef>
+                <a:spcPct val="0"/>
+              </a:spcBef>
+              <a:spcAft>
+                <a:spcPct val="0"/>
+              </a:spcAft>
+            </a:pPr>
+            <a:r>
+              <a:rPr lang="en-US" sz="1600" b="1" dirty="0">
+                <a:gradFill>
+                  <a:gsLst>
+                    <a:gs pos="0">
+                      <a:srgbClr val="FFFFFF"/>
+                    </a:gs>
+                    <a:gs pos="100000">
+                      <a:srgbClr val="FFFFFF"/>
+                    </a:gs>
+                  </a:gsLst>
+                  <a:lin ang="5400000" scaled="0"/>
+                </a:gradFill>
+                <a:latin typeface="Lucida Console" panose="020B0609040504020204" pitchFamily="49" charset="0"/>
+                <a:ea typeface="Segoe UI" pitchFamily="34" charset="0"/>
+                <a:cs typeface="Segoe UI" pitchFamily="34" charset="0"/>
+              </a:rPr>
+              <a:t>REST</a:t>
+            </a:r>
+          </a:p>
+          <a:p>
+            <a:pPr algn="ctr" defTabSz="932472" fontAlgn="base">
+              <a:lnSpc>
+                <a:spcPct val="90000"/>
+              </a:lnSpc>
+              <a:spcBef>
+                <a:spcPct val="0"/>
+              </a:spcBef>
+              <a:spcAft>
+                <a:spcPct val="0"/>
+              </a:spcAft>
+            </a:pPr>
+            <a:r>
+              <a:rPr lang="en-US" sz="1600" b="1" dirty="0">
+                <a:gradFill>
+                  <a:gsLst>
+                    <a:gs pos="0">
+                      <a:srgbClr val="FFFFFF"/>
+                    </a:gs>
+                    <a:gs pos="100000">
+                      <a:srgbClr val="FFFFFF"/>
+                    </a:gs>
+                  </a:gsLst>
+                  <a:lin ang="5400000" scaled="0"/>
+                </a:gradFill>
+                <a:latin typeface="Lucida Console" panose="020B0609040504020204" pitchFamily="49" charset="0"/>
+                <a:ea typeface="Segoe UI" pitchFamily="34" charset="0"/>
+                <a:cs typeface="Segoe UI" pitchFamily="34" charset="0"/>
+              </a:rPr>
+              <a:t>APIs</a:t>
+            </a:r>
+          </a:p>
+        </p:txBody>
+      </p:sp>
+      <p:sp>
+        <p:nvSpPr>
+          <p:cNvPr id="5" name="Arrow: Right 4">
+            <a:extLst>
+              <a:ext uri="{FF2B5EF4-FFF2-40B4-BE49-F238E27FC236}">
+                <a16:creationId xmlns:a16="http://schemas.microsoft.com/office/drawing/2014/main" id="{AB6F30E5-16DC-279A-BDDC-0611B6C67311}"/>
+              </a:ext>
+            </a:extLst>
+          </p:cNvPr>
+          <p:cNvSpPr/>
+          <p:nvPr/>
+        </p:nvSpPr>
+        <p:spPr bwMode="auto">
+          <a:xfrm>
+            <a:off x="5017089" y="487447"/>
+            <a:ext cx="3338635" cy="493519"/>
+          </a:xfrm>
+          <a:prstGeom prst="rightArrow">
+            <a:avLst>
+              <a:gd name="adj1" fmla="val 65947"/>
+              <a:gd name="adj2" fmla="val 50000"/>
+            </a:avLst>
+          </a:prstGeom>
+          <a:solidFill>
+            <a:srgbClr val="C00000"/>
+          </a:solidFill>
+          <a:ln>
+            <a:noFill/>
+            <a:headEnd type="none" w="med" len="med"/>
+            <a:tailEnd type="none" w="med" len="med"/>
+          </a:ln>
+          <a:effectLst/>
+        </p:spPr>
+        <p:style>
+          <a:lnRef idx="1">
+            <a:schemeClr val="accent2"/>
+          </a:lnRef>
+          <a:fillRef idx="3">
+            <a:schemeClr val="accent2"/>
+          </a:fillRef>
+          <a:effectRef idx="2">
+            <a:schemeClr val="accent2"/>
+          </a:effectRef>
+          <a:fontRef idx="minor">
+            <a:schemeClr val="lt1"/>
+          </a:fontRef>
+        </p:style>
+        <p:txBody>
+          <a:bodyPr rot="0" spcFirstLastPara="0" vertOverflow="overflow" horzOverflow="overflow" vert="horz" wrap="square" lIns="182880" tIns="0" rIns="0" bIns="0" numCol="1" spcCol="0" rtlCol="0" fromWordArt="0" anchor="ctr" anchorCtr="0" forceAA="0" compatLnSpc="1">
+            <a:prstTxWarp prst="textNoShape">
+              <a:avLst/>
+            </a:prstTxWarp>
+            <a:noAutofit/>
+          </a:bodyPr>
+          <a:lstStyle/>
+          <a:p>
+            <a:pPr defTabSz="932472" fontAlgn="base">
+              <a:lnSpc>
+                <a:spcPct val="90000"/>
+              </a:lnSpc>
+              <a:spcBef>
+                <a:spcPct val="0"/>
+              </a:spcBef>
+              <a:spcAft>
+                <a:spcPct val="0"/>
+              </a:spcAft>
+            </a:pPr>
+            <a:r>
+              <a:rPr lang="en-US" sz="1600" b="1" dirty="0">
+                <a:gradFill>
+                  <a:gsLst>
+                    <a:gs pos="0">
+                      <a:srgbClr val="FFFFFF"/>
+                    </a:gs>
+                    <a:gs pos="100000">
+                      <a:srgbClr val="FFFFFF"/>
+                    </a:gs>
+                  </a:gsLst>
+                  <a:lin ang="5400000" scaled="0"/>
+                </a:gradFill>
+                <a:latin typeface="Lucida Console" panose="020B0609040504020204" pitchFamily="49" charset="0"/>
+                <a:ea typeface="Segoe UI" pitchFamily="34" charset="0"/>
+                <a:cs typeface="Segoe UI" pitchFamily="34" charset="0"/>
+              </a:rPr>
+              <a:t>Create Item</a:t>
+            </a:r>
+          </a:p>
+        </p:txBody>
+      </p:sp>
+      <p:sp>
+        <p:nvSpPr>
+          <p:cNvPr id="12" name="Rectangle 11">
+            <a:extLst>
+              <a:ext uri="{FF2B5EF4-FFF2-40B4-BE49-F238E27FC236}">
+                <a16:creationId xmlns:a16="http://schemas.microsoft.com/office/drawing/2014/main" id="{EE4ABE7D-AAC0-AFB8-9310-162C1BFC9235}"/>
+              </a:ext>
+            </a:extLst>
+          </p:cNvPr>
+          <p:cNvSpPr/>
+          <p:nvPr/>
+        </p:nvSpPr>
+        <p:spPr bwMode="auto">
+          <a:xfrm>
+            <a:off x="3756027" y="359323"/>
+            <a:ext cx="1261062" cy="713771"/>
+          </a:xfrm>
+          <a:prstGeom prst="rect">
+            <a:avLst/>
+          </a:prstGeom>
+          <a:solidFill>
+            <a:schemeClr val="bg1"/>
+          </a:solidFill>
+          <a:ln>
+            <a:solidFill>
+              <a:schemeClr val="tx1">
+                <a:lumMod val="75000"/>
+              </a:schemeClr>
+            </a:solidFill>
+            <a:headEnd type="none" w="med" len="med"/>
+            <a:tailEnd type="none" w="med" len="med"/>
+          </a:ln>
+          <a:effectLst/>
+        </p:spPr>
+        <p:style>
+          <a:lnRef idx="1">
+            <a:schemeClr val="accent2"/>
+          </a:lnRef>
+          <a:fillRef idx="3">
+            <a:schemeClr val="accent2"/>
+          </a:fillRef>
+          <a:effectRef idx="2">
+            <a:schemeClr val="accent2"/>
+          </a:effectRef>
+          <a:fontRef idx="minor">
+            <a:schemeClr val="lt1"/>
+          </a:fontRef>
+        </p:style>
+        <p:txBody>
+          <a:bodyPr rot="0" spcFirstLastPara="0" vertOverflow="overflow" horzOverflow="overflow" vert="horz" wrap="square" lIns="0" tIns="0" rIns="0" bIns="0" numCol="1" spcCol="0" rtlCol="0" fromWordArt="0" anchor="ctr" anchorCtr="0" forceAA="0" compatLnSpc="1">
+            <a:prstTxWarp prst="textNoShape">
+              <a:avLst/>
+            </a:prstTxWarp>
+            <a:noAutofit/>
+          </a:bodyPr>
+          <a:lstStyle/>
+          <a:p>
+            <a:pPr algn="ctr" defTabSz="932472" fontAlgn="base">
+              <a:lnSpc>
+                <a:spcPct val="90000"/>
+              </a:lnSpc>
+              <a:spcBef>
+                <a:spcPct val="0"/>
+              </a:spcBef>
+              <a:spcAft>
+                <a:spcPct val="0"/>
+              </a:spcAft>
+            </a:pPr>
+            <a:r>
+              <a:rPr lang="en-US" sz="1200" b="1" dirty="0">
+                <a:solidFill>
+                  <a:schemeClr val="tx1"/>
+                </a:solidFill>
+                <a:latin typeface="Lucida Console" panose="020B0609040504020204" pitchFamily="49" charset="0"/>
+                <a:ea typeface="Segoe UI" pitchFamily="34" charset="0"/>
+                <a:cs typeface="Segoe UI" pitchFamily="34" charset="0"/>
+              </a:rPr>
+              <a:t>Item</a:t>
+            </a:r>
+          </a:p>
+          <a:p>
+            <a:pPr algn="ctr" defTabSz="932472" fontAlgn="base">
+              <a:lnSpc>
+                <a:spcPct val="90000"/>
+              </a:lnSpc>
+              <a:spcBef>
+                <a:spcPct val="0"/>
+              </a:spcBef>
+              <a:spcAft>
+                <a:spcPct val="0"/>
+              </a:spcAft>
+            </a:pPr>
+            <a:r>
+              <a:rPr lang="en-US" sz="1200" b="1" dirty="0">
+                <a:solidFill>
+                  <a:schemeClr val="tx1"/>
+                </a:solidFill>
+                <a:latin typeface="Lucida Console" panose="020B0609040504020204" pitchFamily="49" charset="0"/>
+                <a:ea typeface="Segoe UI" pitchFamily="34" charset="0"/>
+                <a:cs typeface="Segoe UI" pitchFamily="34" charset="0"/>
+              </a:rPr>
+              <a:t>Definition</a:t>
+            </a:r>
+          </a:p>
+        </p:txBody>
+      </p:sp>
+      <p:sp>
+        <p:nvSpPr>
+          <p:cNvPr id="2" name="Arrow: Right 1">
+            <a:extLst>
+              <a:ext uri="{FF2B5EF4-FFF2-40B4-BE49-F238E27FC236}">
+                <a16:creationId xmlns:a16="http://schemas.microsoft.com/office/drawing/2014/main" id="{965275D0-E57E-F23F-150C-87A4131E1139}"/>
+              </a:ext>
+            </a:extLst>
+          </p:cNvPr>
+          <p:cNvSpPr/>
+          <p:nvPr/>
+        </p:nvSpPr>
+        <p:spPr bwMode="auto">
+          <a:xfrm>
+            <a:off x="5017088" y="1333212"/>
+            <a:ext cx="3338635" cy="493519"/>
+          </a:xfrm>
+          <a:prstGeom prst="rightArrow">
+            <a:avLst>
+              <a:gd name="adj1" fmla="val 65947"/>
+              <a:gd name="adj2" fmla="val 50000"/>
+            </a:avLst>
+          </a:prstGeom>
+          <a:solidFill>
+            <a:srgbClr val="C00000"/>
+          </a:solidFill>
+          <a:ln>
+            <a:noFill/>
+            <a:headEnd type="none" w="med" len="med"/>
+            <a:tailEnd type="none" w="med" len="med"/>
+          </a:ln>
+          <a:effectLst/>
+        </p:spPr>
+        <p:style>
+          <a:lnRef idx="1">
+            <a:schemeClr val="accent2"/>
+          </a:lnRef>
+          <a:fillRef idx="3">
+            <a:schemeClr val="accent2"/>
+          </a:fillRef>
+          <a:effectRef idx="2">
+            <a:schemeClr val="accent2"/>
+          </a:effectRef>
+          <a:fontRef idx="minor">
+            <a:schemeClr val="lt1"/>
+          </a:fontRef>
+        </p:style>
+        <p:txBody>
+          <a:bodyPr rot="0" spcFirstLastPara="0" vertOverflow="overflow" horzOverflow="overflow" vert="horz" wrap="square" lIns="182880" tIns="0" rIns="0" bIns="0" numCol="1" spcCol="0" rtlCol="0" fromWordArt="0" anchor="ctr" anchorCtr="0" forceAA="0" compatLnSpc="1">
+            <a:prstTxWarp prst="textNoShape">
+              <a:avLst/>
+            </a:prstTxWarp>
+            <a:noAutofit/>
+          </a:bodyPr>
+          <a:lstStyle/>
+          <a:p>
+            <a:pPr defTabSz="932472" fontAlgn="base">
+              <a:lnSpc>
+                <a:spcPct val="90000"/>
+              </a:lnSpc>
+              <a:spcBef>
+                <a:spcPct val="0"/>
+              </a:spcBef>
+              <a:spcAft>
+                <a:spcPct val="0"/>
+              </a:spcAft>
+            </a:pPr>
+            <a:r>
+              <a:rPr lang="en-US" sz="1600" b="1" dirty="0">
+                <a:gradFill>
+                  <a:gsLst>
+                    <a:gs pos="0">
+                      <a:srgbClr val="FFFFFF"/>
+                    </a:gs>
+                    <a:gs pos="100000">
+                      <a:srgbClr val="FFFFFF"/>
+                    </a:gs>
+                  </a:gsLst>
+                  <a:lin ang="5400000" scaled="0"/>
+                </a:gradFill>
+                <a:latin typeface="Lucida Console" panose="020B0609040504020204" pitchFamily="49" charset="0"/>
+                <a:ea typeface="Segoe UI" pitchFamily="34" charset="0"/>
+                <a:cs typeface="Segoe UI" pitchFamily="34" charset="0"/>
+              </a:rPr>
+              <a:t>Update Item Definition</a:t>
+            </a:r>
+          </a:p>
+        </p:txBody>
+      </p:sp>
+      <p:sp>
+        <p:nvSpPr>
+          <p:cNvPr id="6" name="Rectangle 5">
+            <a:extLst>
+              <a:ext uri="{FF2B5EF4-FFF2-40B4-BE49-F238E27FC236}">
+                <a16:creationId xmlns:a16="http://schemas.microsoft.com/office/drawing/2014/main" id="{6E951EE0-647B-370E-0532-777F5D9ED590}"/>
+              </a:ext>
+            </a:extLst>
+          </p:cNvPr>
+          <p:cNvSpPr/>
+          <p:nvPr/>
+        </p:nvSpPr>
+        <p:spPr bwMode="auto">
+          <a:xfrm>
+            <a:off x="3756027" y="1223087"/>
+            <a:ext cx="1261062" cy="713771"/>
+          </a:xfrm>
+          <a:prstGeom prst="rect">
+            <a:avLst/>
+          </a:prstGeom>
+          <a:solidFill>
+            <a:schemeClr val="bg1"/>
+          </a:solidFill>
+          <a:ln>
+            <a:solidFill>
+              <a:schemeClr val="tx1">
+                <a:lumMod val="75000"/>
+              </a:schemeClr>
+            </a:solidFill>
+            <a:headEnd type="none" w="med" len="med"/>
+            <a:tailEnd type="none" w="med" len="med"/>
+          </a:ln>
+          <a:effectLst/>
+        </p:spPr>
+        <p:style>
+          <a:lnRef idx="1">
+            <a:schemeClr val="accent2"/>
+          </a:lnRef>
+          <a:fillRef idx="3">
+            <a:schemeClr val="accent2"/>
+          </a:fillRef>
+          <a:effectRef idx="2">
+            <a:schemeClr val="accent2"/>
+          </a:effectRef>
+          <a:fontRef idx="minor">
+            <a:schemeClr val="lt1"/>
+          </a:fontRef>
+        </p:style>
+        <p:txBody>
+          <a:bodyPr rot="0" spcFirstLastPara="0" vertOverflow="overflow" horzOverflow="overflow" vert="horz" wrap="square" lIns="0" tIns="0" rIns="0" bIns="0" numCol="1" spcCol="0" rtlCol="0" fromWordArt="0" anchor="ctr" anchorCtr="0" forceAA="0" compatLnSpc="1">
+            <a:prstTxWarp prst="textNoShape">
+              <a:avLst/>
+            </a:prstTxWarp>
+            <a:noAutofit/>
+          </a:bodyPr>
+          <a:lstStyle/>
+          <a:p>
+            <a:pPr algn="ctr" defTabSz="932472" fontAlgn="base">
+              <a:lnSpc>
+                <a:spcPct val="90000"/>
+              </a:lnSpc>
+              <a:spcBef>
+                <a:spcPct val="0"/>
+              </a:spcBef>
+              <a:spcAft>
+                <a:spcPct val="0"/>
+              </a:spcAft>
+            </a:pPr>
+            <a:r>
+              <a:rPr lang="en-US" sz="1200" b="1" dirty="0">
+                <a:solidFill>
+                  <a:schemeClr val="tx1"/>
+                </a:solidFill>
+                <a:latin typeface="Lucida Console" panose="020B0609040504020204" pitchFamily="49" charset="0"/>
+                <a:ea typeface="Segoe UI" pitchFamily="34" charset="0"/>
+                <a:cs typeface="Segoe UI" pitchFamily="34" charset="0"/>
+              </a:rPr>
+              <a:t>Item</a:t>
+            </a:r>
+          </a:p>
+          <a:p>
+            <a:pPr algn="ctr" defTabSz="932472" fontAlgn="base">
+              <a:lnSpc>
+                <a:spcPct val="90000"/>
+              </a:lnSpc>
+              <a:spcBef>
+                <a:spcPct val="0"/>
+              </a:spcBef>
+              <a:spcAft>
+                <a:spcPct val="0"/>
+              </a:spcAft>
+            </a:pPr>
+            <a:r>
+              <a:rPr lang="en-US" sz="1200" b="1" dirty="0">
+                <a:solidFill>
+                  <a:schemeClr val="tx1"/>
+                </a:solidFill>
+                <a:latin typeface="Lucida Console" panose="020B0609040504020204" pitchFamily="49" charset="0"/>
+                <a:ea typeface="Segoe UI" pitchFamily="34" charset="0"/>
+                <a:cs typeface="Segoe UI" pitchFamily="34" charset="0"/>
+              </a:rPr>
+              <a:t>Definition</a:t>
+            </a:r>
+          </a:p>
+        </p:txBody>
+      </p:sp>
+      <p:sp>
+        <p:nvSpPr>
+          <p:cNvPr id="7" name="Arrow: Right 6">
+            <a:extLst>
+              <a:ext uri="{FF2B5EF4-FFF2-40B4-BE49-F238E27FC236}">
+                <a16:creationId xmlns:a16="http://schemas.microsoft.com/office/drawing/2014/main" id="{51A651E6-CB03-ACCC-5C30-1A32B01C2494}"/>
+              </a:ext>
+            </a:extLst>
+          </p:cNvPr>
+          <p:cNvSpPr/>
+          <p:nvPr/>
+        </p:nvSpPr>
+        <p:spPr bwMode="auto">
+          <a:xfrm flipH="1">
+            <a:off x="3756026" y="2086847"/>
+            <a:ext cx="4493451" cy="493519"/>
+          </a:xfrm>
+          <a:prstGeom prst="rightArrow">
+            <a:avLst>
+              <a:gd name="adj1" fmla="val 65947"/>
+              <a:gd name="adj2" fmla="val 50000"/>
+            </a:avLst>
+          </a:prstGeom>
+          <a:solidFill>
+            <a:srgbClr val="C00000"/>
+          </a:solidFill>
+          <a:ln>
+            <a:noFill/>
+            <a:headEnd type="none" w="med" len="med"/>
+            <a:tailEnd type="none" w="med" len="med"/>
+          </a:ln>
+          <a:effectLst/>
+        </p:spPr>
+        <p:style>
+          <a:lnRef idx="1">
+            <a:schemeClr val="accent2"/>
+          </a:lnRef>
+          <a:fillRef idx="3">
+            <a:schemeClr val="accent2"/>
+          </a:fillRef>
+          <a:effectRef idx="2">
+            <a:schemeClr val="accent2"/>
+          </a:effectRef>
+          <a:fontRef idx="minor">
+            <a:schemeClr val="lt1"/>
+          </a:fontRef>
+        </p:style>
+        <p:txBody>
+          <a:bodyPr rot="0" spcFirstLastPara="0" vertOverflow="overflow" horzOverflow="overflow" vert="horz" wrap="square" lIns="182880" tIns="0" rIns="0" bIns="0" numCol="1" spcCol="0" rtlCol="0" fromWordArt="0" anchor="ctr" anchorCtr="0" forceAA="0" compatLnSpc="1">
+            <a:prstTxWarp prst="textNoShape">
+              <a:avLst/>
+            </a:prstTxWarp>
+            <a:noAutofit/>
+          </a:bodyPr>
+          <a:lstStyle/>
+          <a:p>
+            <a:pPr defTabSz="932472" fontAlgn="base">
+              <a:lnSpc>
+                <a:spcPct val="90000"/>
+              </a:lnSpc>
+              <a:spcBef>
+                <a:spcPct val="0"/>
+              </a:spcBef>
+              <a:spcAft>
+                <a:spcPct val="0"/>
+              </a:spcAft>
+            </a:pPr>
+            <a:r>
+              <a:rPr lang="en-US" sz="1600" b="1" dirty="0">
+                <a:gradFill>
+                  <a:gsLst>
+                    <a:gs pos="0">
+                      <a:srgbClr val="FFFFFF"/>
+                    </a:gs>
+                    <a:gs pos="100000">
+                      <a:srgbClr val="FFFFFF"/>
+                    </a:gs>
+                  </a:gsLst>
+                  <a:lin ang="5400000" scaled="0"/>
+                </a:gradFill>
+                <a:latin typeface="Lucida Console" panose="020B0609040504020204" pitchFamily="49" charset="0"/>
+                <a:ea typeface="Segoe UI" pitchFamily="34" charset="0"/>
+                <a:cs typeface="Segoe UI" pitchFamily="34" charset="0"/>
+              </a:rPr>
+              <a:t>Get Item Definition</a:t>
+            </a:r>
+          </a:p>
+        </p:txBody>
+      </p:sp>
+      <p:sp>
+        <p:nvSpPr>
+          <p:cNvPr id="8" name="Rectangle 7">
+            <a:extLst>
+              <a:ext uri="{FF2B5EF4-FFF2-40B4-BE49-F238E27FC236}">
+                <a16:creationId xmlns:a16="http://schemas.microsoft.com/office/drawing/2014/main" id="{2F1E8C06-1A67-530B-739A-5B8C2D07F5F2}"/>
+              </a:ext>
+            </a:extLst>
+          </p:cNvPr>
+          <p:cNvSpPr/>
+          <p:nvPr/>
+        </p:nvSpPr>
+        <p:spPr bwMode="auto">
+          <a:xfrm>
+            <a:off x="6686405" y="1976720"/>
+            <a:ext cx="1261062" cy="713771"/>
+          </a:xfrm>
+          <a:prstGeom prst="rect">
+            <a:avLst/>
+          </a:prstGeom>
+          <a:solidFill>
+            <a:schemeClr val="bg1"/>
+          </a:solidFill>
+          <a:ln>
+            <a:solidFill>
+              <a:schemeClr val="tx1">
+                <a:lumMod val="75000"/>
+              </a:schemeClr>
+            </a:solidFill>
+            <a:headEnd type="none" w="med" len="med"/>
+            <a:tailEnd type="none" w="med" len="med"/>
+          </a:ln>
+          <a:effectLst/>
+        </p:spPr>
+        <p:style>
+          <a:lnRef idx="1">
+            <a:schemeClr val="accent2"/>
+          </a:lnRef>
+          <a:fillRef idx="3">
+            <a:schemeClr val="accent2"/>
+          </a:fillRef>
+          <a:effectRef idx="2">
+            <a:schemeClr val="accent2"/>
+          </a:effectRef>
+          <a:fontRef idx="minor">
+            <a:schemeClr val="lt1"/>
+          </a:fontRef>
+        </p:style>
+        <p:txBody>
+          <a:bodyPr rot="0" spcFirstLastPara="0" vertOverflow="overflow" horzOverflow="overflow" vert="horz" wrap="square" lIns="0" tIns="0" rIns="0" bIns="0" numCol="1" spcCol="0" rtlCol="0" fromWordArt="0" anchor="ctr" anchorCtr="0" forceAA="0" compatLnSpc="1">
+            <a:prstTxWarp prst="textNoShape">
+              <a:avLst/>
+            </a:prstTxWarp>
+            <a:noAutofit/>
+          </a:bodyPr>
+          <a:lstStyle/>
+          <a:p>
+            <a:pPr algn="ctr" defTabSz="932472" fontAlgn="base">
+              <a:lnSpc>
+                <a:spcPct val="90000"/>
+              </a:lnSpc>
+              <a:spcBef>
+                <a:spcPct val="0"/>
+              </a:spcBef>
+              <a:spcAft>
+                <a:spcPct val="0"/>
+              </a:spcAft>
+            </a:pPr>
+            <a:r>
+              <a:rPr lang="en-US" sz="1200" b="1" dirty="0">
+                <a:solidFill>
+                  <a:schemeClr val="tx1"/>
+                </a:solidFill>
+                <a:latin typeface="Lucida Console" panose="020B0609040504020204" pitchFamily="49" charset="0"/>
+                <a:ea typeface="Segoe UI" pitchFamily="34" charset="0"/>
+                <a:cs typeface="Segoe UI" pitchFamily="34" charset="0"/>
+              </a:rPr>
+              <a:t>Item</a:t>
+            </a:r>
+          </a:p>
+          <a:p>
+            <a:pPr algn="ctr" defTabSz="932472" fontAlgn="base">
+              <a:lnSpc>
+                <a:spcPct val="90000"/>
+              </a:lnSpc>
+              <a:spcBef>
+                <a:spcPct val="0"/>
+              </a:spcBef>
+              <a:spcAft>
+                <a:spcPct val="0"/>
+              </a:spcAft>
+            </a:pPr>
+            <a:r>
+              <a:rPr lang="en-US" sz="1200" b="1" dirty="0">
+                <a:solidFill>
+                  <a:schemeClr val="tx1"/>
+                </a:solidFill>
+                <a:latin typeface="Lucida Console" panose="020B0609040504020204" pitchFamily="49" charset="0"/>
+                <a:ea typeface="Segoe UI" pitchFamily="34" charset="0"/>
+                <a:cs typeface="Segoe UI" pitchFamily="34" charset="0"/>
+              </a:rPr>
+              <a:t>Definition</a:t>
+            </a:r>
+          </a:p>
+        </p:txBody>
+      </p:sp>
+    </p:spTree>
+    <p:extLst>
+      <p:ext uri="{BB962C8B-B14F-4D97-AF65-F5344CB8AC3E}">
+        <p14:creationId xmlns:p14="http://schemas.microsoft.com/office/powerpoint/2010/main" val="3515172411"/>
+      </p:ext>
+    </p:extLst>
+  </p:cSld>
+  <p:clrMapOvr>
+    <a:masterClrMapping/>
+  </p:clrMapOvr>
+  <p:transition>
+    <p:fade/>
+  </p:transition>
+</p:sld>
+</file>
+
+<file path=ppt/slides/slide28.xml><?xml version="1.0" encoding="utf-8"?>
+<p:sld xmlns:a="http://schemas.openxmlformats.org/drawingml/2006/main" xmlns:r="http://schemas.openxmlformats.org/officeDocument/2006/relationships" xmlns:p="http://schemas.openxmlformats.org/presentationml/2006/main">
+  <p:cSld>
+    <p:spTree>
+      <p:nvGrpSpPr>
         <p:cNvPr id="1" name=""/>
         <p:cNvGrpSpPr/>
         <p:nvPr/>
@@ -26452,7 +27395,7 @@
 </p:sld>
 </file>
 
-<file path=ppt/slides/slide28.xml><?xml version="1.0" encoding="utf-8"?>
+<file path=ppt/slides/slide29.xml><?xml version="1.0" encoding="utf-8"?>
 <p:sld xmlns:a="http://schemas.openxmlformats.org/drawingml/2006/main" xmlns:r="http://schemas.openxmlformats.org/officeDocument/2006/relationships" xmlns:p="http://schemas.openxmlformats.org/presentationml/2006/main">
   <p:cSld>
     <p:spTree>
@@ -26508,155 +27451,6 @@
     <p:extLst>
       <p:ext uri="{BB962C8B-B14F-4D97-AF65-F5344CB8AC3E}">
         <p14:creationId xmlns:p14="http://schemas.microsoft.com/office/powerpoint/2010/main" val="1774043978"/>
-      </p:ext>
-    </p:extLst>
-  </p:cSld>
-  <p:clrMapOvr>
-    <a:masterClrMapping/>
-  </p:clrMapOvr>
-  <p:transition>
-    <p:fade/>
-  </p:transition>
-</p:sld>
-</file>
-
-<file path=ppt/slides/slide29.xml><?xml version="1.0" encoding="utf-8"?>
-<p:sld xmlns:a="http://schemas.openxmlformats.org/drawingml/2006/main" xmlns:r="http://schemas.openxmlformats.org/officeDocument/2006/relationships" xmlns:p="http://schemas.openxmlformats.org/presentationml/2006/main">
-  <p:cSld>
-    <p:spTree>
-      <p:nvGrpSpPr>
-        <p:cNvPr id="1" name=""/>
-        <p:cNvGrpSpPr/>
-        <p:nvPr/>
-      </p:nvGrpSpPr>
-      <p:grpSpPr>
-        <a:xfrm>
-          <a:off x="0" y="0"/>
-          <a:ext cx="0" cy="0"/>
-          <a:chOff x="0" y="0"/>
-          <a:chExt cx="0" cy="0"/>
-        </a:xfrm>
-      </p:grpSpPr>
-      <p:pic>
-        <p:nvPicPr>
-          <p:cNvPr id="3" name="Picture 2">
-            <a:extLst>
-              <a:ext uri="{FF2B5EF4-FFF2-40B4-BE49-F238E27FC236}">
-                <a16:creationId xmlns:a16="http://schemas.microsoft.com/office/drawing/2014/main" id="{4EFD4667-A9C6-C6C6-5B08-6DBFBB40FD39}"/>
-              </a:ext>
-            </a:extLst>
-          </p:cNvPr>
-          <p:cNvPicPr>
-            <a:picLocks noChangeAspect="1"/>
-          </p:cNvPicPr>
-          <p:nvPr/>
-        </p:nvPicPr>
-        <p:blipFill>
-          <a:blip r:embed="rId2"/>
-          <a:srcRect b="8967"/>
-          <a:stretch>
-            <a:fillRect/>
-          </a:stretch>
-        </p:blipFill>
-        <p:spPr>
-          <a:xfrm>
-            <a:off x="494131" y="428887"/>
-            <a:ext cx="4514716" cy="2832473"/>
-          </a:xfrm>
-          <a:prstGeom prst="rect">
-            <a:avLst/>
-          </a:prstGeom>
-          <a:ln>
-            <a:solidFill>
-              <a:schemeClr val="tx1"/>
-            </a:solidFill>
-          </a:ln>
-        </p:spPr>
-      </p:pic>
-      <p:pic>
-        <p:nvPicPr>
-          <p:cNvPr id="6" name="Picture 5">
-            <a:extLst>
-              <a:ext uri="{FF2B5EF4-FFF2-40B4-BE49-F238E27FC236}">
-                <a16:creationId xmlns:a16="http://schemas.microsoft.com/office/drawing/2014/main" id="{6D124EC3-66F9-F096-52F7-0E801B6EBE38}"/>
-              </a:ext>
-            </a:extLst>
-          </p:cNvPr>
-          <p:cNvPicPr>
-            <a:picLocks noChangeAspect="1"/>
-          </p:cNvPicPr>
-          <p:nvPr/>
-        </p:nvPicPr>
-        <p:blipFill>
-          <a:blip r:embed="rId3"/>
-          <a:stretch>
-            <a:fillRect/>
-          </a:stretch>
-        </p:blipFill>
-        <p:spPr>
-          <a:xfrm>
-            <a:off x="5885296" y="428887"/>
-            <a:ext cx="4117893" cy="2832473"/>
-          </a:xfrm>
-          <a:prstGeom prst="rect">
-            <a:avLst/>
-          </a:prstGeom>
-          <a:ln>
-            <a:solidFill>
-              <a:schemeClr val="tx1"/>
-            </a:solidFill>
-          </a:ln>
-        </p:spPr>
-      </p:pic>
-      <p:cxnSp>
-        <p:nvCxnSpPr>
-          <p:cNvPr id="9" name="Straight Arrow Connector 8">
-            <a:extLst>
-              <a:ext uri="{FF2B5EF4-FFF2-40B4-BE49-F238E27FC236}">
-                <a16:creationId xmlns:a16="http://schemas.microsoft.com/office/drawing/2014/main" id="{5BDD000D-2265-C42F-BAB9-7016DA6D5B2E}"/>
-              </a:ext>
-            </a:extLst>
-          </p:cNvPr>
-          <p:cNvCxnSpPr>
-            <a:cxnSpLocks/>
-          </p:cNvCxnSpPr>
-          <p:nvPr/>
-        </p:nvCxnSpPr>
-        <p:spPr>
-          <a:xfrm>
-            <a:off x="3810000" y="1933481"/>
-            <a:ext cx="1808480" cy="0"/>
-          </a:xfrm>
-          <a:prstGeom prst="straightConnector1">
-            <a:avLst/>
-          </a:prstGeom>
-          <a:ln w="57150">
-            <a:solidFill>
-              <a:srgbClr val="EE0000"/>
-            </a:solidFill>
-            <a:headEnd type="none"/>
-            <a:tailEnd type="triangle"/>
-          </a:ln>
-        </p:spPr>
-        <p:style>
-          <a:lnRef idx="1">
-            <a:schemeClr val="accent1"/>
-          </a:lnRef>
-          <a:fillRef idx="0">
-            <a:schemeClr val="accent1"/>
-          </a:fillRef>
-          <a:effectRef idx="0">
-            <a:schemeClr val="accent1"/>
-          </a:effectRef>
-          <a:fontRef idx="minor">
-            <a:schemeClr val="tx1"/>
-          </a:fontRef>
-        </p:style>
-      </p:cxnSp>
-    </p:spTree>
-    <p:extLst>
-      <p:ext uri="{BB962C8B-B14F-4D97-AF65-F5344CB8AC3E}">
-        <p14:creationId xmlns:p14="http://schemas.microsoft.com/office/powerpoint/2010/main" val="3719241603"/>
       </p:ext>
     </p:extLst>
   </p:cSld>
@@ -27263,6 +28057,155 @@
       </p:grpSpPr>
       <p:pic>
         <p:nvPicPr>
+          <p:cNvPr id="3" name="Picture 2">
+            <a:extLst>
+              <a:ext uri="{FF2B5EF4-FFF2-40B4-BE49-F238E27FC236}">
+                <a16:creationId xmlns:a16="http://schemas.microsoft.com/office/drawing/2014/main" id="{4EFD4667-A9C6-C6C6-5B08-6DBFBB40FD39}"/>
+              </a:ext>
+            </a:extLst>
+          </p:cNvPr>
+          <p:cNvPicPr>
+            <a:picLocks noChangeAspect="1"/>
+          </p:cNvPicPr>
+          <p:nvPr/>
+        </p:nvPicPr>
+        <p:blipFill>
+          <a:blip r:embed="rId2"/>
+          <a:srcRect b="8967"/>
+          <a:stretch>
+            <a:fillRect/>
+          </a:stretch>
+        </p:blipFill>
+        <p:spPr>
+          <a:xfrm>
+            <a:off x="494131" y="428887"/>
+            <a:ext cx="4514716" cy="2832473"/>
+          </a:xfrm>
+          <a:prstGeom prst="rect">
+            <a:avLst/>
+          </a:prstGeom>
+          <a:ln>
+            <a:solidFill>
+              <a:schemeClr val="tx1"/>
+            </a:solidFill>
+          </a:ln>
+        </p:spPr>
+      </p:pic>
+      <p:pic>
+        <p:nvPicPr>
+          <p:cNvPr id="6" name="Picture 5">
+            <a:extLst>
+              <a:ext uri="{FF2B5EF4-FFF2-40B4-BE49-F238E27FC236}">
+                <a16:creationId xmlns:a16="http://schemas.microsoft.com/office/drawing/2014/main" id="{6D124EC3-66F9-F096-52F7-0E801B6EBE38}"/>
+              </a:ext>
+            </a:extLst>
+          </p:cNvPr>
+          <p:cNvPicPr>
+            <a:picLocks noChangeAspect="1"/>
+          </p:cNvPicPr>
+          <p:nvPr/>
+        </p:nvPicPr>
+        <p:blipFill>
+          <a:blip r:embed="rId3"/>
+          <a:stretch>
+            <a:fillRect/>
+          </a:stretch>
+        </p:blipFill>
+        <p:spPr>
+          <a:xfrm>
+            <a:off x="5885296" y="428887"/>
+            <a:ext cx="4117893" cy="2832473"/>
+          </a:xfrm>
+          <a:prstGeom prst="rect">
+            <a:avLst/>
+          </a:prstGeom>
+          <a:ln>
+            <a:solidFill>
+              <a:schemeClr val="tx1"/>
+            </a:solidFill>
+          </a:ln>
+        </p:spPr>
+      </p:pic>
+      <p:cxnSp>
+        <p:nvCxnSpPr>
+          <p:cNvPr id="9" name="Straight Arrow Connector 8">
+            <a:extLst>
+              <a:ext uri="{FF2B5EF4-FFF2-40B4-BE49-F238E27FC236}">
+                <a16:creationId xmlns:a16="http://schemas.microsoft.com/office/drawing/2014/main" id="{5BDD000D-2265-C42F-BAB9-7016DA6D5B2E}"/>
+              </a:ext>
+            </a:extLst>
+          </p:cNvPr>
+          <p:cNvCxnSpPr>
+            <a:cxnSpLocks/>
+          </p:cNvCxnSpPr>
+          <p:nvPr/>
+        </p:nvCxnSpPr>
+        <p:spPr>
+          <a:xfrm>
+            <a:off x="3810000" y="1933481"/>
+            <a:ext cx="1808480" cy="0"/>
+          </a:xfrm>
+          <a:prstGeom prst="straightConnector1">
+            <a:avLst/>
+          </a:prstGeom>
+          <a:ln w="57150">
+            <a:solidFill>
+              <a:srgbClr val="EE0000"/>
+            </a:solidFill>
+            <a:headEnd type="none"/>
+            <a:tailEnd type="triangle"/>
+          </a:ln>
+        </p:spPr>
+        <p:style>
+          <a:lnRef idx="1">
+            <a:schemeClr val="accent1"/>
+          </a:lnRef>
+          <a:fillRef idx="0">
+            <a:schemeClr val="accent1"/>
+          </a:fillRef>
+          <a:effectRef idx="0">
+            <a:schemeClr val="accent1"/>
+          </a:effectRef>
+          <a:fontRef idx="minor">
+            <a:schemeClr val="tx1"/>
+          </a:fontRef>
+        </p:style>
+      </p:cxnSp>
+    </p:spTree>
+    <p:extLst>
+      <p:ext uri="{BB962C8B-B14F-4D97-AF65-F5344CB8AC3E}">
+        <p14:creationId xmlns:p14="http://schemas.microsoft.com/office/powerpoint/2010/main" val="3719241603"/>
+      </p:ext>
+    </p:extLst>
+  </p:cSld>
+  <p:clrMapOvr>
+    <a:masterClrMapping/>
+  </p:clrMapOvr>
+  <p:transition>
+    <p:fade/>
+  </p:transition>
+</p:sld>
+</file>
+
+<file path=ppt/slides/slide31.xml><?xml version="1.0" encoding="utf-8"?>
+<p:sld xmlns:a="http://schemas.openxmlformats.org/drawingml/2006/main" xmlns:r="http://schemas.openxmlformats.org/officeDocument/2006/relationships" xmlns:p="http://schemas.openxmlformats.org/presentationml/2006/main">
+  <p:cSld>
+    <p:spTree>
+      <p:nvGrpSpPr>
+        <p:cNvPr id="1" name=""/>
+        <p:cNvGrpSpPr/>
+        <p:nvPr/>
+      </p:nvGrpSpPr>
+      <p:grpSpPr>
+        <a:xfrm>
+          <a:off x="0" y="0"/>
+          <a:ext cx="0" cy="0"/>
+          <a:chOff x="0" y="0"/>
+          <a:chExt cx="0" cy="0"/>
+        </a:xfrm>
+      </p:grpSpPr>
+      <p:pic>
+        <p:nvPicPr>
           <p:cNvPr id="5" name="Picture 4">
             <a:extLst>
               <a:ext uri="{FF2B5EF4-FFF2-40B4-BE49-F238E27FC236}">
@@ -27312,7 +28255,7 @@
 </p:sld>
 </file>
 
-<file path=ppt/slides/slide31.xml><?xml version="1.0" encoding="utf-8"?>
+<file path=ppt/slides/slide32.xml><?xml version="1.0" encoding="utf-8"?>
 <p:sld xmlns:a="http://schemas.openxmlformats.org/drawingml/2006/main" xmlns:r="http://schemas.openxmlformats.org/officeDocument/2006/relationships" xmlns:p="http://schemas.openxmlformats.org/presentationml/2006/main">
   <p:cSld>
     <p:spTree>
@@ -27380,7 +28323,7 @@
 </p:sld>
 </file>
 
-<file path=ppt/slides/slide32.xml><?xml version="1.0" encoding="utf-8"?>
+<file path=ppt/slides/slide33.xml><?xml version="1.0" encoding="utf-8"?>
 <p:sld xmlns:a="http://schemas.openxmlformats.org/drawingml/2006/main" xmlns:r="http://schemas.openxmlformats.org/officeDocument/2006/relationships" xmlns:p="http://schemas.openxmlformats.org/presentationml/2006/main">
   <p:cSld>
     <p:spTree>
@@ -27443,7 +28386,7 @@
 </p:sld>
 </file>
 
-<file path=ppt/slides/slide33.xml><?xml version="1.0" encoding="utf-8"?>
+<file path=ppt/slides/slide34.xml><?xml version="1.0" encoding="utf-8"?>
 <p:sld xmlns:a="http://schemas.openxmlformats.org/drawingml/2006/main" xmlns:r="http://schemas.openxmlformats.org/officeDocument/2006/relationships" xmlns:p="http://schemas.openxmlformats.org/presentationml/2006/main">
   <p:cSld>
     <p:spTree>
@@ -27506,7 +28449,7 @@
 </p:sld>
 </file>
 
-<file path=ppt/slides/slide34.xml><?xml version="1.0" encoding="utf-8"?>
+<file path=ppt/slides/slide35.xml><?xml version="1.0" encoding="utf-8"?>
 <p:sld xmlns:a="http://schemas.openxmlformats.org/drawingml/2006/main" xmlns:r="http://schemas.openxmlformats.org/officeDocument/2006/relationships" xmlns:p="http://schemas.openxmlformats.org/presentationml/2006/main">
   <p:cSld>
     <p:spTree>
@@ -27574,7 +28517,7 @@
 </p:sld>
 </file>
 
-<file path=ppt/slides/slide35.xml><?xml version="1.0" encoding="utf-8"?>
+<file path=ppt/slides/slide36.xml><?xml version="1.0" encoding="utf-8"?>
 <p:sld xmlns:a="http://schemas.openxmlformats.org/drawingml/2006/main" xmlns:r="http://schemas.openxmlformats.org/officeDocument/2006/relationships" xmlns:p="http://schemas.openxmlformats.org/presentationml/2006/main">
   <p:cSld>
     <p:spTree>
@@ -27642,7 +28585,7 @@
 </p:sld>
 </file>
 
-<file path=ppt/slides/slide36.xml><?xml version="1.0" encoding="utf-8"?>
+<file path=ppt/slides/slide37.xml><?xml version="1.0" encoding="utf-8"?>
 <p:sld xmlns:a="http://schemas.openxmlformats.org/drawingml/2006/main" xmlns:r="http://schemas.openxmlformats.org/officeDocument/2006/relationships" xmlns:p="http://schemas.openxmlformats.org/presentationml/2006/main">
   <p:cSld>
     <p:spTree>
@@ -27710,7 +28653,7 @@
 </p:sld>
 </file>
 
-<file path=ppt/slides/slide37.xml><?xml version="1.0" encoding="utf-8"?>
+<file path=ppt/slides/slide38.xml><?xml version="1.0" encoding="utf-8"?>
 <p:sld xmlns:a="http://schemas.openxmlformats.org/drawingml/2006/main" xmlns:r="http://schemas.openxmlformats.org/officeDocument/2006/relationships" xmlns:p="http://schemas.openxmlformats.org/presentationml/2006/main">
   <p:cSld>
     <p:spTree>
@@ -31292,6 +32235,25 @@
 </file>
 
 <file path=customXml/item1.xml><?xml version="1.0" encoding="utf-8"?>
+<p:properties xmlns:p="http://schemas.microsoft.com/office/2006/metadata/properties" xmlns:xsi="http://www.w3.org/2001/XMLSchema-instance" xmlns:pc="http://schemas.microsoft.com/office/infopath/2007/PartnerControls">
+  <documentManagement>
+    <_ip_UnifiedCompliancePolicyUIAction xmlns="http://schemas.microsoft.com/sharepoint/v3" xsi:nil="true"/>
+    <_ip_UnifiedCompliancePolicyProperties xmlns="http://schemas.microsoft.com/sharepoint/v3" xsi:nil="true"/>
+    <_activity xmlns="3c10a0e8-556e-4c2d-9121-1181542ea83c" xsi:nil="true"/>
+  </documentManagement>
+</p:properties>
+</file>
+
+<file path=customXml/item2.xml><?xml version="1.0" encoding="utf-8"?>
+<?mso-contentType ?>
+<FormTemplates xmlns="http://schemas.microsoft.com/sharepoint/v3/contenttype/forms">
+  <Display>DocumentLibraryForm</Display>
+  <Edit>DocumentLibraryForm</Edit>
+  <New>DocumentLibraryForm</New>
+</FormTemplates>
+</file>
+
+<file path=customXml/item3.xml><?xml version="1.0" encoding="utf-8"?>
 <ct:contentTypeSchema xmlns:ct="http://schemas.microsoft.com/office/2006/metadata/contentType" xmlns:ma="http://schemas.microsoft.com/office/2006/metadata/properties/metaAttributes" ct:_="" ma:_="" ma:contentTypeName="Document" ma:contentTypeID="0x010100B63AD2D799A0384499DFA8618B2D06C3" ma:contentTypeVersion="19" ma:contentTypeDescription="Create a new document." ma:contentTypeScope="" ma:versionID="4ad8bb11041bccc4900be347311affd5">
   <xsd:schema xmlns:xsd="http://www.w3.org/2001/XMLSchema" xmlns:xs="http://www.w3.org/2001/XMLSchema" xmlns:p="http://schemas.microsoft.com/office/2006/metadata/properties" xmlns:ns1="http://schemas.microsoft.com/sharepoint/v3" xmlns:ns3="3c10a0e8-556e-4c2d-9121-1181542ea83c" xmlns:ns4="91f22b01-9196-48cc-8d58-ee179122dd75" targetNamespace="http://schemas.microsoft.com/office/2006/metadata/properties" ma:root="true" ma:fieldsID="55cc422832b79ebb748bec44d447ca3b" ns1:_="" ns3:_="" ns4:_="">
     <xsd:import namespace="http://schemas.microsoft.com/sharepoint/v3"/>
@@ -31555,26 +32517,33 @@
 </ct:contentTypeSchema>
 </file>
 
-<file path=customXml/item2.xml><?xml version="1.0" encoding="utf-8"?>
-<p:properties xmlns:p="http://schemas.microsoft.com/office/2006/metadata/properties" xmlns:xsi="http://www.w3.org/2001/XMLSchema-instance" xmlns:pc="http://schemas.microsoft.com/office/infopath/2007/PartnerControls">
-  <documentManagement>
-    <_ip_UnifiedCompliancePolicyUIAction xmlns="http://schemas.microsoft.com/sharepoint/v3" xsi:nil="true"/>
-    <_ip_UnifiedCompliancePolicyProperties xmlns="http://schemas.microsoft.com/sharepoint/v3" xsi:nil="true"/>
-    <_activity xmlns="3c10a0e8-556e-4c2d-9121-1181542ea83c" xsi:nil="true"/>
-  </documentManagement>
-</p:properties>
+<file path=customXml/itemProps1.xml><?xml version="1.0" encoding="utf-8"?>
+<ds:datastoreItem xmlns:ds="http://schemas.openxmlformats.org/officeDocument/2006/customXml" ds:itemID="{F990F116-B58F-4255-B05B-DA3808E0E5C6}">
+  <ds:schemaRefs>
+    <ds:schemaRef ds:uri="http://schemas.openxmlformats.org/package/2006/metadata/core-properties"/>
+    <ds:schemaRef ds:uri="http://purl.org/dc/elements/1.1/"/>
+    <ds:schemaRef ds:uri="http://purl.org/dc/dcmitype/"/>
+    <ds:schemaRef ds:uri="http://schemas.microsoft.com/office/2006/documentManagement/types"/>
+    <ds:schemaRef ds:uri="http://schemas.microsoft.com/office/2006/metadata/properties"/>
+    <ds:schemaRef ds:uri="http://purl.org/dc/terms/"/>
+    <ds:schemaRef ds:uri="http://schemas.microsoft.com/sharepoint/v3"/>
+    <ds:schemaRef ds:uri="http://www.w3.org/XML/1998/namespace"/>
+    <ds:schemaRef ds:uri="http://schemas.microsoft.com/office/infopath/2007/PartnerControls"/>
+    <ds:schemaRef ds:uri="91f22b01-9196-48cc-8d58-ee179122dd75"/>
+    <ds:schemaRef ds:uri="3c10a0e8-556e-4c2d-9121-1181542ea83c"/>
+  </ds:schemaRefs>
+</ds:datastoreItem>
 </file>
 
-<file path=customXml/item3.xml><?xml version="1.0" encoding="utf-8"?>
-<?mso-contentType ?>
-<FormTemplates xmlns="http://schemas.microsoft.com/sharepoint/v3/contenttype/forms">
-  <Display>DocumentLibraryForm</Display>
-  <Edit>DocumentLibraryForm</Edit>
-  <New>DocumentLibraryForm</New>
-</FormTemplates>
+<file path=customXml/itemProps2.xml><?xml version="1.0" encoding="utf-8"?>
+<ds:datastoreItem xmlns:ds="http://schemas.openxmlformats.org/officeDocument/2006/customXml" ds:itemID="{758FDAC0-319D-4A54-8D8E-1D42CB1F8004}">
+  <ds:schemaRefs>
+    <ds:schemaRef ds:uri="http://schemas.microsoft.com/sharepoint/v3/contenttype/forms"/>
+  </ds:schemaRefs>
+</ds:datastoreItem>
 </file>
 
-<file path=customXml/itemProps1.xml><?xml version="1.0" encoding="utf-8"?>
+<file path=customXml/itemProps3.xml><?xml version="1.0" encoding="utf-8"?>
 <ds:datastoreItem xmlns:ds="http://schemas.openxmlformats.org/officeDocument/2006/customXml" ds:itemID="{C2411704-DA91-4A2A-81D1-00044852D0BE}">
   <ds:schemaRefs>
     <ds:schemaRef ds:uri="3c10a0e8-556e-4c2d-9121-1181542ea83c"/>
@@ -31594,32 +32563,6 @@
 </ds:datastoreItem>
 </file>
 
-<file path=customXml/itemProps2.xml><?xml version="1.0" encoding="utf-8"?>
-<ds:datastoreItem xmlns:ds="http://schemas.openxmlformats.org/officeDocument/2006/customXml" ds:itemID="{F990F116-B58F-4255-B05B-DA3808E0E5C6}">
-  <ds:schemaRefs>
-    <ds:schemaRef ds:uri="http://schemas.openxmlformats.org/package/2006/metadata/core-properties"/>
-    <ds:schemaRef ds:uri="http://purl.org/dc/elements/1.1/"/>
-    <ds:schemaRef ds:uri="http://purl.org/dc/dcmitype/"/>
-    <ds:schemaRef ds:uri="http://schemas.microsoft.com/office/2006/documentManagement/types"/>
-    <ds:schemaRef ds:uri="http://schemas.microsoft.com/office/2006/metadata/properties"/>
-    <ds:schemaRef ds:uri="http://purl.org/dc/terms/"/>
-    <ds:schemaRef ds:uri="http://schemas.microsoft.com/sharepoint/v3"/>
-    <ds:schemaRef ds:uri="http://www.w3.org/XML/1998/namespace"/>
-    <ds:schemaRef ds:uri="http://schemas.microsoft.com/office/infopath/2007/PartnerControls"/>
-    <ds:schemaRef ds:uri="91f22b01-9196-48cc-8d58-ee179122dd75"/>
-    <ds:schemaRef ds:uri="3c10a0e8-556e-4c2d-9121-1181542ea83c"/>
-  </ds:schemaRefs>
-</ds:datastoreItem>
-</file>
-
-<file path=customXml/itemProps3.xml><?xml version="1.0" encoding="utf-8"?>
-<ds:datastoreItem xmlns:ds="http://schemas.openxmlformats.org/officeDocument/2006/customXml" ds:itemID="{758FDAC0-319D-4A54-8D8E-1D42CB1F8004}">
-  <ds:schemaRefs>
-    <ds:schemaRef ds:uri="http://schemas.microsoft.com/sharepoint/v3/contenttype/forms"/>
-  </ds:schemaRefs>
-</ds:datastoreItem>
-</file>
-
 <file path=docMetadata/LabelInfo.xml><?xml version="1.0" encoding="utf-8"?>
 <clbl:labelList xmlns:clbl="http://schemas.microsoft.com/office/2020/mipLabelMetadata">
   <clbl:label id="{87867195-f2b8-4ac2-b0b6-6bb73cb33afc}" enabled="1" method="Privileged" siteId="{72f988bf-86f1-41af-91ab-2d7cd011db47}" removed="0"/>
